--- a/slides/Unit14_Fixed-length Array.pptx
+++ b/slides/Unit14_Fixed-length Array.pptx
@@ -13,12 +13,12 @@
   <p:sldIdLst>
     <p:sldId id="256" r:id="rId2"/>
     <p:sldId id="468" r:id="rId3"/>
-    <p:sldId id="601" r:id="rId4"/>
-    <p:sldId id="553" r:id="rId5"/>
-    <p:sldId id="617" r:id="rId6"/>
-    <p:sldId id="564" r:id="rId7"/>
-    <p:sldId id="619" r:id="rId8"/>
-    <p:sldId id="620" r:id="rId9"/>
+    <p:sldId id="641" r:id="rId4"/>
+    <p:sldId id="601" r:id="rId5"/>
+    <p:sldId id="553" r:id="rId6"/>
+    <p:sldId id="617" r:id="rId7"/>
+    <p:sldId id="564" r:id="rId8"/>
+    <p:sldId id="619" r:id="rId9"/>
     <p:sldId id="639" r:id="rId10"/>
     <p:sldId id="638" r:id="rId11"/>
     <p:sldId id="636" r:id="rId12"/>
@@ -191,7 +191,7 @@
 <file path=ppt/revisionInfo.xml><?xml version="1.0" encoding="utf-8"?>
 <p1510:revInfo xmlns:a="http://schemas.openxmlformats.org/drawingml/2006/main" xmlns:r="http://schemas.openxmlformats.org/officeDocument/2006/relationships" xmlns:p1510="http://schemas.microsoft.com/office/powerpoint/2015/10/main">
   <p1510:revLst>
-    <p1510:client id="{488D456C-A55A-4C8C-8F16-D2D438139A31}" v="226" dt="2024-02-19T08:32:09.546"/>
+    <p1510:client id="{488D456C-A55A-4C8C-8F16-D2D438139A31}" v="273" dt="2024-02-20T01:46:28.372"/>
   </p1510:revLst>
 </p1510:revInfo>
 </file>
@@ -1397,8 +1397,8 @@
   </pc:docChgLst>
   <pc:docChgLst>
     <pc:chgData name="Zhao Jin" userId="cd05a825-544c-438a-9ba1-08e63db50b47" providerId="ADAL" clId="{488D456C-A55A-4C8C-8F16-D2D438139A31}"/>
-    <pc:docChg chg="undo redo custSel addSld delSld modSld sldOrd">
-      <pc:chgData name="Zhao Jin" userId="cd05a825-544c-438a-9ba1-08e63db50b47" providerId="ADAL" clId="{488D456C-A55A-4C8C-8F16-D2D438139A31}" dt="2024-02-19T08:53:55.563" v="1615" actId="207"/>
+    <pc:docChg chg="undo redo custSel addSld delSld modSld sldOrd modMainMaster">
+      <pc:chgData name="Zhao Jin" userId="cd05a825-544c-438a-9ba1-08e63db50b47" providerId="ADAL" clId="{488D456C-A55A-4C8C-8F16-D2D438139A31}" dt="2024-02-20T01:46:28.372" v="2715"/>
       <pc:docMkLst>
         <pc:docMk/>
       </pc:docMkLst>
@@ -1426,12 +1426,20 @@
         </pc:spChg>
       </pc:sldChg>
       <pc:sldChg chg="modSp mod">
-        <pc:chgData name="Zhao Jin" userId="cd05a825-544c-438a-9ba1-08e63db50b47" providerId="ADAL" clId="{488D456C-A55A-4C8C-8F16-D2D438139A31}" dt="2024-02-19T08:53:55.563" v="1615" actId="207"/>
+        <pc:chgData name="Zhao Jin" userId="cd05a825-544c-438a-9ba1-08e63db50b47" providerId="ADAL" clId="{488D456C-A55A-4C8C-8F16-D2D438139A31}" dt="2024-02-20T01:22:29.187" v="1616"/>
         <pc:sldMkLst>
           <pc:docMk/>
           <pc:sldMk cId="2438607696" sldId="468"/>
         </pc:sldMkLst>
         <pc:spChg chg="mod">
+          <ac:chgData name="Zhao Jin" userId="cd05a825-544c-438a-9ba1-08e63db50b47" providerId="ADAL" clId="{488D456C-A55A-4C8C-8F16-D2D438139A31}" dt="2024-02-20T01:22:29.187" v="1616"/>
+          <ac:spMkLst>
+            <pc:docMk/>
+            <pc:sldMk cId="2438607696" sldId="468"/>
+            <ac:spMk id="3" creationId="{7E8CF685-973B-08CF-8432-4E4095D82D5D}"/>
+          </ac:spMkLst>
+        </pc:spChg>
+        <pc:spChg chg="mod">
           <ac:chgData name="Zhao Jin" userId="cd05a825-544c-438a-9ba1-08e63db50b47" providerId="ADAL" clId="{488D456C-A55A-4C8C-8F16-D2D438139A31}" dt="2024-02-19T08:53:55.563" v="1615" actId="207"/>
           <ac:spMkLst>
             <pc:docMk/>
@@ -1441,7 +1449,7 @@
         </pc:spChg>
       </pc:sldChg>
       <pc:sldChg chg="modSp add mod">
-        <pc:chgData name="Zhao Jin" userId="cd05a825-544c-438a-9ba1-08e63db50b47" providerId="ADAL" clId="{488D456C-A55A-4C8C-8F16-D2D438139A31}" dt="2024-02-19T08:32:55.797" v="1559" actId="404"/>
+        <pc:chgData name="Zhao Jin" userId="cd05a825-544c-438a-9ba1-08e63db50b47" providerId="ADAL" clId="{488D456C-A55A-4C8C-8F16-D2D438139A31}" dt="2024-02-20T01:22:35.857" v="1617" actId="20577"/>
         <pc:sldMkLst>
           <pc:docMk/>
           <pc:sldMk cId="1067695719" sldId="526"/>
@@ -1454,14 +1462,30 @@
             <ac:spMk id="13" creationId="{00000000-0000-0000-0000-000000000000}"/>
           </ac:spMkLst>
         </pc:spChg>
+        <pc:spChg chg="mod">
+          <ac:chgData name="Zhao Jin" userId="cd05a825-544c-438a-9ba1-08e63db50b47" providerId="ADAL" clId="{488D456C-A55A-4C8C-8F16-D2D438139A31}" dt="2024-02-20T01:22:35.857" v="1617" actId="20577"/>
+          <ac:spMkLst>
+            <pc:docMk/>
+            <pc:sldMk cId="1067695719" sldId="526"/>
+            <ac:spMk id="43" creationId="{00000000-0000-0000-0000-000000000000}"/>
+          </ac:spMkLst>
+        </pc:spChg>
       </pc:sldChg>
       <pc:sldChg chg="modSp mod">
-        <pc:chgData name="Zhao Jin" userId="cd05a825-544c-438a-9ba1-08e63db50b47" providerId="ADAL" clId="{488D456C-A55A-4C8C-8F16-D2D438139A31}" dt="2024-02-19T08:53:36.376" v="1612"/>
+        <pc:chgData name="Zhao Jin" userId="cd05a825-544c-438a-9ba1-08e63db50b47" providerId="ADAL" clId="{488D456C-A55A-4C8C-8F16-D2D438139A31}" dt="2024-02-20T01:22:29.187" v="1616"/>
         <pc:sldMkLst>
           <pc:docMk/>
           <pc:sldMk cId="1427618944" sldId="553"/>
         </pc:sldMkLst>
         <pc:spChg chg="mod">
+          <ac:chgData name="Zhao Jin" userId="cd05a825-544c-438a-9ba1-08e63db50b47" providerId="ADAL" clId="{488D456C-A55A-4C8C-8F16-D2D438139A31}" dt="2024-02-20T01:22:29.187" v="1616"/>
+          <ac:spMkLst>
+            <pc:docMk/>
+            <pc:sldMk cId="1427618944" sldId="553"/>
+            <ac:spMk id="3" creationId="{2D96014F-133D-96D6-BA3E-89C1ED6C960B}"/>
+          </ac:spMkLst>
+        </pc:spChg>
+        <pc:spChg chg="mod">
           <ac:chgData name="Zhao Jin" userId="cd05a825-544c-438a-9ba1-08e63db50b47" providerId="ADAL" clId="{488D456C-A55A-4C8C-8F16-D2D438139A31}" dt="2024-02-19T08:53:36.376" v="1612"/>
           <ac:spMkLst>
             <pc:docMk/>
@@ -1471,12 +1495,20 @@
         </pc:spChg>
       </pc:sldChg>
       <pc:sldChg chg="modSp mod">
-        <pc:chgData name="Zhao Jin" userId="cd05a825-544c-438a-9ba1-08e63db50b47" providerId="ADAL" clId="{488D456C-A55A-4C8C-8F16-D2D438139A31}" dt="2024-02-19T03:56:48.153" v="451" actId="20577"/>
+        <pc:chgData name="Zhao Jin" userId="cd05a825-544c-438a-9ba1-08e63db50b47" providerId="ADAL" clId="{488D456C-A55A-4C8C-8F16-D2D438139A31}" dt="2024-02-20T01:39:41.725" v="2607" actId="207"/>
         <pc:sldMkLst>
           <pc:docMk/>
           <pc:sldMk cId="894186310" sldId="564"/>
         </pc:sldMkLst>
         <pc:spChg chg="mod">
+          <ac:chgData name="Zhao Jin" userId="cd05a825-544c-438a-9ba1-08e63db50b47" providerId="ADAL" clId="{488D456C-A55A-4C8C-8F16-D2D438139A31}" dt="2024-02-20T01:22:29.187" v="1616"/>
+          <ac:spMkLst>
+            <pc:docMk/>
+            <pc:sldMk cId="894186310" sldId="564"/>
+            <ac:spMk id="3" creationId="{F1346AF2-5E9D-7F2E-7011-C826599DB2F1}"/>
+          </ac:spMkLst>
+        </pc:spChg>
+        <pc:spChg chg="mod">
           <ac:chgData name="Zhao Jin" userId="cd05a825-544c-438a-9ba1-08e63db50b47" providerId="ADAL" clId="{488D456C-A55A-4C8C-8F16-D2D438139A31}" dt="2024-02-19T03:56:48.153" v="451" actId="20577"/>
           <ac:spMkLst>
             <pc:docMk/>
@@ -1484,14 +1516,30 @@
             <ac:spMk id="9" creationId="{E822A0D5-9D76-43F4-AB94-614D7B22B216}"/>
           </ac:spMkLst>
         </pc:spChg>
+        <pc:spChg chg="mod">
+          <ac:chgData name="Zhao Jin" userId="cd05a825-544c-438a-9ba1-08e63db50b47" providerId="ADAL" clId="{488D456C-A55A-4C8C-8F16-D2D438139A31}" dt="2024-02-20T01:39:41.725" v="2607" actId="207"/>
+          <ac:spMkLst>
+            <pc:docMk/>
+            <pc:sldMk cId="894186310" sldId="564"/>
+            <ac:spMk id="13" creationId="{A6C30920-C994-477D-BF38-FB31A7971AB0}"/>
+          </ac:spMkLst>
+        </pc:spChg>
       </pc:sldChg>
       <pc:sldChg chg="modSp mod">
-        <pc:chgData name="Zhao Jin" userId="cd05a825-544c-438a-9ba1-08e63db50b47" providerId="ADAL" clId="{488D456C-A55A-4C8C-8F16-D2D438139A31}" dt="2024-02-19T08:53:28.449" v="1611" actId="20577"/>
+        <pc:chgData name="Zhao Jin" userId="cd05a825-544c-438a-9ba1-08e63db50b47" providerId="ADAL" clId="{488D456C-A55A-4C8C-8F16-D2D438139A31}" dt="2024-02-20T01:22:29.187" v="1616"/>
         <pc:sldMkLst>
           <pc:docMk/>
           <pc:sldMk cId="2900383044" sldId="601"/>
         </pc:sldMkLst>
         <pc:spChg chg="mod">
+          <ac:chgData name="Zhao Jin" userId="cd05a825-544c-438a-9ba1-08e63db50b47" providerId="ADAL" clId="{488D456C-A55A-4C8C-8F16-D2D438139A31}" dt="2024-02-20T01:22:29.187" v="1616"/>
+          <ac:spMkLst>
+            <pc:docMk/>
+            <pc:sldMk cId="2900383044" sldId="601"/>
+            <ac:spMk id="3" creationId="{A18E22BE-5051-8BB7-E836-8B45E4A798BE}"/>
+          </ac:spMkLst>
+        </pc:spChg>
+        <pc:spChg chg="mod">
           <ac:chgData name="Zhao Jin" userId="cd05a825-544c-438a-9ba1-08e63db50b47" providerId="ADAL" clId="{488D456C-A55A-4C8C-8F16-D2D438139A31}" dt="2024-02-19T08:53:28.449" v="1611" actId="20577"/>
           <ac:spMkLst>
             <pc:docMk/>
@@ -1501,11 +1549,19 @@
         </pc:spChg>
       </pc:sldChg>
       <pc:sldChg chg="addSp delSp modSp mod addAnim delAnim">
-        <pc:chgData name="Zhao Jin" userId="cd05a825-544c-438a-9ba1-08e63db50b47" providerId="ADAL" clId="{488D456C-A55A-4C8C-8F16-D2D438139A31}" dt="2024-02-19T08:53:39.064" v="1613"/>
+        <pc:chgData name="Zhao Jin" userId="cd05a825-544c-438a-9ba1-08e63db50b47" providerId="ADAL" clId="{488D456C-A55A-4C8C-8F16-D2D438139A31}" dt="2024-02-20T01:22:29.187" v="1616"/>
         <pc:sldMkLst>
           <pc:docMk/>
           <pc:sldMk cId="3134748163" sldId="617"/>
         </pc:sldMkLst>
+        <pc:spChg chg="mod">
+          <ac:chgData name="Zhao Jin" userId="cd05a825-544c-438a-9ba1-08e63db50b47" providerId="ADAL" clId="{488D456C-A55A-4C8C-8F16-D2D438139A31}" dt="2024-02-20T01:22:29.187" v="1616"/>
+          <ac:spMkLst>
+            <pc:docMk/>
+            <pc:sldMk cId="3134748163" sldId="617"/>
+            <ac:spMk id="3" creationId="{288930EE-6D87-48BC-2ADA-AAE34DE9A25D}"/>
+          </ac:spMkLst>
+        </pc:spChg>
         <pc:spChg chg="add del">
           <ac:chgData name="Zhao Jin" userId="cd05a825-544c-438a-9ba1-08e63db50b47" providerId="ADAL" clId="{488D456C-A55A-4C8C-8F16-D2D438139A31}" dt="2024-02-19T03:47:31.504" v="36" actId="21"/>
           <ac:spMkLst>
@@ -1555,12 +1611,74 @@
           </ac:picMkLst>
         </pc:picChg>
       </pc:sldChg>
+      <pc:sldChg chg="addSp delSp modSp mod addAnim delAnim">
+        <pc:chgData name="Zhao Jin" userId="cd05a825-544c-438a-9ba1-08e63db50b47" providerId="ADAL" clId="{488D456C-A55A-4C8C-8F16-D2D438139A31}" dt="2024-02-20T01:43:00.468" v="2670" actId="14100"/>
+        <pc:sldMkLst>
+          <pc:docMk/>
+          <pc:sldMk cId="4199745321" sldId="619"/>
+        </pc:sldMkLst>
+        <pc:spChg chg="mod">
+          <ac:chgData name="Zhao Jin" userId="cd05a825-544c-438a-9ba1-08e63db50b47" providerId="ADAL" clId="{488D456C-A55A-4C8C-8F16-D2D438139A31}" dt="2024-02-20T01:22:29.187" v="1616"/>
+          <ac:spMkLst>
+            <pc:docMk/>
+            <pc:sldMk cId="4199745321" sldId="619"/>
+            <ac:spMk id="3" creationId="{FD8557CD-BA2F-5081-DB46-EAAAFFAE66EE}"/>
+          </ac:spMkLst>
+        </pc:spChg>
+        <pc:spChg chg="add del mod">
+          <ac:chgData name="Zhao Jin" userId="cd05a825-544c-438a-9ba1-08e63db50b47" providerId="ADAL" clId="{488D456C-A55A-4C8C-8F16-D2D438139A31}" dt="2024-02-20T01:43:00.468" v="2670" actId="14100"/>
+          <ac:spMkLst>
+            <pc:docMk/>
+            <pc:sldMk cId="4199745321" sldId="619"/>
+            <ac:spMk id="10" creationId="{DC015A31-59EB-4945-B34A-AB4D01672DA6}"/>
+          </ac:spMkLst>
+        </pc:spChg>
+        <pc:spChg chg="mod">
+          <ac:chgData name="Zhao Jin" userId="cd05a825-544c-438a-9ba1-08e63db50b47" providerId="ADAL" clId="{488D456C-A55A-4C8C-8F16-D2D438139A31}" dt="2024-02-20T01:41:01.810" v="2650" actId="13926"/>
+          <ac:spMkLst>
+            <pc:docMk/>
+            <pc:sldMk cId="4199745321" sldId="619"/>
+            <ac:spMk id="13" creationId="{A6C30920-C994-477D-BF38-FB31A7971AB0}"/>
+          </ac:spMkLst>
+        </pc:spChg>
+        <pc:cxnChg chg="add del mod">
+          <ac:chgData name="Zhao Jin" userId="cd05a825-544c-438a-9ba1-08e63db50b47" providerId="ADAL" clId="{488D456C-A55A-4C8C-8F16-D2D438139A31}" dt="2024-02-20T01:43:00.468" v="2670" actId="14100"/>
+          <ac:cxnSpMkLst>
+            <pc:docMk/>
+            <pc:sldMk cId="4199745321" sldId="619"/>
+            <ac:cxnSpMk id="11" creationId="{692DA3A9-F762-430E-A74A-81B0C7CCC482}"/>
+          </ac:cxnSpMkLst>
+        </pc:cxnChg>
+      </pc:sldChg>
+      <pc:sldChg chg="modSp del">
+        <pc:chgData name="Zhao Jin" userId="cd05a825-544c-438a-9ba1-08e63db50b47" providerId="ADAL" clId="{488D456C-A55A-4C8C-8F16-D2D438139A31}" dt="2024-02-20T01:41:36.485" v="2651" actId="47"/>
+        <pc:sldMkLst>
+          <pc:docMk/>
+          <pc:sldMk cId="440093938" sldId="620"/>
+        </pc:sldMkLst>
+        <pc:spChg chg="mod">
+          <ac:chgData name="Zhao Jin" userId="cd05a825-544c-438a-9ba1-08e63db50b47" providerId="ADAL" clId="{488D456C-A55A-4C8C-8F16-D2D438139A31}" dt="2024-02-20T01:22:29.187" v="1616"/>
+          <ac:spMkLst>
+            <pc:docMk/>
+            <pc:sldMk cId="440093938" sldId="620"/>
+            <ac:spMk id="4" creationId="{9AE2FCE7-917A-1B43-85AD-CA985419B967}"/>
+          </ac:spMkLst>
+        </pc:spChg>
+      </pc:sldChg>
       <pc:sldChg chg="addSp delSp modSp mod delAnim modAnim">
-        <pc:chgData name="Zhao Jin" userId="cd05a825-544c-438a-9ba1-08e63db50b47" providerId="ADAL" clId="{488D456C-A55A-4C8C-8F16-D2D438139A31}" dt="2024-02-19T04:44:04.685" v="1463" actId="20577"/>
+        <pc:chgData name="Zhao Jin" userId="cd05a825-544c-438a-9ba1-08e63db50b47" providerId="ADAL" clId="{488D456C-A55A-4C8C-8F16-D2D438139A31}" dt="2024-02-20T01:22:29.187" v="1616"/>
         <pc:sldMkLst>
           <pc:docMk/>
           <pc:sldMk cId="3503582036" sldId="622"/>
         </pc:sldMkLst>
+        <pc:spChg chg="mod">
+          <ac:chgData name="Zhao Jin" userId="cd05a825-544c-438a-9ba1-08e63db50b47" providerId="ADAL" clId="{488D456C-A55A-4C8C-8F16-D2D438139A31}" dt="2024-02-20T01:22:29.187" v="1616"/>
+          <ac:spMkLst>
+            <pc:docMk/>
+            <pc:sldMk cId="3503582036" sldId="622"/>
+            <ac:spMk id="4" creationId="{4CEF9C34-0B12-529E-BBB6-CB5163F0A9BA}"/>
+          </ac:spMkLst>
+        </pc:spChg>
         <pc:spChg chg="del mod topLvl">
           <ac:chgData name="Zhao Jin" userId="cd05a825-544c-438a-9ba1-08e63db50b47" providerId="ADAL" clId="{488D456C-A55A-4C8C-8F16-D2D438139A31}" dt="2024-02-19T04:42:34.765" v="1333" actId="478"/>
           <ac:spMkLst>
@@ -1643,11 +1761,19 @@
         </pc:cxnChg>
       </pc:sldChg>
       <pc:sldChg chg="addSp delSp modSp mod addAnim delAnim modAnim">
-        <pc:chgData name="Zhao Jin" userId="cd05a825-544c-438a-9ba1-08e63db50b47" providerId="ADAL" clId="{488D456C-A55A-4C8C-8F16-D2D438139A31}" dt="2024-02-19T04:46:12.813" v="1482" actId="1035"/>
+        <pc:chgData name="Zhao Jin" userId="cd05a825-544c-438a-9ba1-08e63db50b47" providerId="ADAL" clId="{488D456C-A55A-4C8C-8F16-D2D438139A31}" dt="2024-02-20T01:22:29.187" v="1616"/>
         <pc:sldMkLst>
           <pc:docMk/>
           <pc:sldMk cId="1258830549" sldId="635"/>
         </pc:sldMkLst>
+        <pc:spChg chg="mod">
+          <ac:chgData name="Zhao Jin" userId="cd05a825-544c-438a-9ba1-08e63db50b47" providerId="ADAL" clId="{488D456C-A55A-4C8C-8F16-D2D438139A31}" dt="2024-02-20T01:22:29.187" v="1616"/>
+          <ac:spMkLst>
+            <pc:docMk/>
+            <pc:sldMk cId="1258830549" sldId="635"/>
+            <ac:spMk id="3" creationId="{4EB2BE24-D538-BAA6-85BF-B40E43F75B26}"/>
+          </ac:spMkLst>
+        </pc:spChg>
         <pc:spChg chg="add mod">
           <ac:chgData name="Zhao Jin" userId="cd05a825-544c-438a-9ba1-08e63db50b47" providerId="ADAL" clId="{488D456C-A55A-4C8C-8F16-D2D438139A31}" dt="2024-02-19T04:34:35.149" v="1169" actId="207"/>
           <ac:spMkLst>
@@ -1794,11 +1920,19 @@
         </pc:cxnChg>
       </pc:sldChg>
       <pc:sldChg chg="addSp delSp modSp mod modAnim">
-        <pc:chgData name="Zhao Jin" userId="cd05a825-544c-438a-9ba1-08e63db50b47" providerId="ADAL" clId="{488D456C-A55A-4C8C-8F16-D2D438139A31}" dt="2024-02-19T03:49:29.071" v="159" actId="20577"/>
+        <pc:chgData name="Zhao Jin" userId="cd05a825-544c-438a-9ba1-08e63db50b47" providerId="ADAL" clId="{488D456C-A55A-4C8C-8F16-D2D438139A31}" dt="2024-02-20T01:46:28.372" v="2715"/>
         <pc:sldMkLst>
           <pc:docMk/>
           <pc:sldMk cId="2212416160" sldId="636"/>
         </pc:sldMkLst>
+        <pc:spChg chg="mod">
+          <ac:chgData name="Zhao Jin" userId="cd05a825-544c-438a-9ba1-08e63db50b47" providerId="ADAL" clId="{488D456C-A55A-4C8C-8F16-D2D438139A31}" dt="2024-02-20T01:22:29.187" v="1616"/>
+          <ac:spMkLst>
+            <pc:docMk/>
+            <pc:sldMk cId="2212416160" sldId="636"/>
+            <ac:spMk id="3" creationId="{F9A1FFEC-C9E9-C7C9-04C0-897B17CD8F37}"/>
+          </ac:spMkLst>
+        </pc:spChg>
         <pc:spChg chg="mod">
           <ac:chgData name="Zhao Jin" userId="cd05a825-544c-438a-9ba1-08e63db50b47" providerId="ADAL" clId="{488D456C-A55A-4C8C-8F16-D2D438139A31}" dt="2024-02-19T03:48:05.667" v="90" actId="20577"/>
           <ac:spMkLst>
@@ -1905,12 +2039,20 @@
         </pc:picChg>
       </pc:sldChg>
       <pc:sldChg chg="modSp mod">
-        <pc:chgData name="Zhao Jin" userId="cd05a825-544c-438a-9ba1-08e63db50b47" providerId="ADAL" clId="{488D456C-A55A-4C8C-8F16-D2D438139A31}" dt="2024-02-19T04:41:19.730" v="1263" actId="20577"/>
+        <pc:chgData name="Zhao Jin" userId="cd05a825-544c-438a-9ba1-08e63db50b47" providerId="ADAL" clId="{488D456C-A55A-4C8C-8F16-D2D438139A31}" dt="2024-02-20T01:22:29.187" v="1616"/>
         <pc:sldMkLst>
           <pc:docMk/>
           <pc:sldMk cId="2437490798" sldId="637"/>
         </pc:sldMkLst>
         <pc:spChg chg="mod">
+          <ac:chgData name="Zhao Jin" userId="cd05a825-544c-438a-9ba1-08e63db50b47" providerId="ADAL" clId="{488D456C-A55A-4C8C-8F16-D2D438139A31}" dt="2024-02-20T01:22:29.187" v="1616"/>
+          <ac:spMkLst>
+            <pc:docMk/>
+            <pc:sldMk cId="2437490798" sldId="637"/>
+            <ac:spMk id="3" creationId="{78BEFB6B-3D55-96A6-A533-1106A7E979AC}"/>
+          </ac:spMkLst>
+        </pc:spChg>
+        <pc:spChg chg="mod">
           <ac:chgData name="Zhao Jin" userId="cd05a825-544c-438a-9ba1-08e63db50b47" providerId="ADAL" clId="{488D456C-A55A-4C8C-8F16-D2D438139A31}" dt="2024-02-19T04:41:19.730" v="1263" actId="20577"/>
           <ac:spMkLst>
             <pc:docMk/>
@@ -1927,12 +2069,20 @@
           </ac:spMkLst>
         </pc:spChg>
       </pc:sldChg>
-      <pc:sldChg chg="addSp delSp modSp add mod ord">
-        <pc:chgData name="Zhao Jin" userId="cd05a825-544c-438a-9ba1-08e63db50b47" providerId="ADAL" clId="{488D456C-A55A-4C8C-8F16-D2D438139A31}" dt="2024-02-19T03:56:49.647" v="453" actId="14100"/>
+      <pc:sldChg chg="addSp delSp modSp add mod ord modAnim">
+        <pc:chgData name="Zhao Jin" userId="cd05a825-544c-438a-9ba1-08e63db50b47" providerId="ADAL" clId="{488D456C-A55A-4C8C-8F16-D2D438139A31}" dt="2024-02-20T01:45:53.604" v="2709"/>
         <pc:sldMkLst>
           <pc:docMk/>
           <pc:sldMk cId="1137784666" sldId="638"/>
         </pc:sldMkLst>
+        <pc:spChg chg="mod">
+          <ac:chgData name="Zhao Jin" userId="cd05a825-544c-438a-9ba1-08e63db50b47" providerId="ADAL" clId="{488D456C-A55A-4C8C-8F16-D2D438139A31}" dt="2024-02-20T01:22:29.187" v="1616"/>
+          <ac:spMkLst>
+            <pc:docMk/>
+            <pc:sldMk cId="1137784666" sldId="638"/>
+            <ac:spMk id="3" creationId="{8EDB7EB2-6F76-5EDF-0532-96BA83B72577}"/>
+          </ac:spMkLst>
+        </pc:spChg>
         <pc:spChg chg="add mod">
           <ac:chgData name="Zhao Jin" userId="cd05a825-544c-438a-9ba1-08e63db50b47" providerId="ADAL" clId="{488D456C-A55A-4C8C-8F16-D2D438139A31}" dt="2024-02-19T03:50:07.699" v="168"/>
           <ac:spMkLst>
@@ -1950,7 +2100,7 @@
           </ac:spMkLst>
         </pc:spChg>
         <pc:spChg chg="add mod">
-          <ac:chgData name="Zhao Jin" userId="cd05a825-544c-438a-9ba1-08e63db50b47" providerId="ADAL" clId="{488D456C-A55A-4C8C-8F16-D2D438139A31}" dt="2024-02-19T03:51:30.980" v="313" actId="20577"/>
+          <ac:chgData name="Zhao Jin" userId="cd05a825-544c-438a-9ba1-08e63db50b47" providerId="ADAL" clId="{488D456C-A55A-4C8C-8F16-D2D438139A31}" dt="2024-02-20T01:44:28.709" v="2690" actId="1036"/>
           <ac:spMkLst>
             <pc:docMk/>
             <pc:sldMk cId="1137784666" sldId="638"/>
@@ -1958,7 +2108,7 @@
           </ac:spMkLst>
         </pc:spChg>
         <pc:spChg chg="add mod">
-          <ac:chgData name="Zhao Jin" userId="cd05a825-544c-438a-9ba1-08e63db50b47" providerId="ADAL" clId="{488D456C-A55A-4C8C-8F16-D2D438139A31}" dt="2024-02-19T03:56:49.647" v="453" actId="14100"/>
+          <ac:chgData name="Zhao Jin" userId="cd05a825-544c-438a-9ba1-08e63db50b47" providerId="ADAL" clId="{488D456C-A55A-4C8C-8F16-D2D438139A31}" dt="2024-02-20T01:44:28.709" v="2690" actId="1036"/>
           <ac:spMkLst>
             <pc:docMk/>
             <pc:sldMk cId="1137784666" sldId="638"/>
@@ -1966,7 +2116,7 @@
           </ac:spMkLst>
         </pc:spChg>
         <pc:spChg chg="mod">
-          <ac:chgData name="Zhao Jin" userId="cd05a825-544c-438a-9ba1-08e63db50b47" providerId="ADAL" clId="{488D456C-A55A-4C8C-8F16-D2D438139A31}" dt="2024-02-19T03:50:24.955" v="229" actId="20577"/>
+          <ac:chgData name="Zhao Jin" userId="cd05a825-544c-438a-9ba1-08e63db50b47" providerId="ADAL" clId="{488D456C-A55A-4C8C-8F16-D2D438139A31}" dt="2024-02-20T01:44:24.875" v="2678" actId="404"/>
           <ac:spMkLst>
             <pc:docMk/>
             <pc:sldMk cId="1137784666" sldId="638"/>
@@ -2013,6 +2163,14 @@
             <ac:spMk id="14338" creationId="{5143472B-B791-01E5-D7E0-D435A7E0CF5A}"/>
           </ac:spMkLst>
         </pc:spChg>
+        <pc:picChg chg="add mod">
+          <ac:chgData name="Zhao Jin" userId="cd05a825-544c-438a-9ba1-08e63db50b47" providerId="ADAL" clId="{488D456C-A55A-4C8C-8F16-D2D438139A31}" dt="2024-02-20T01:45:46.297" v="2706" actId="1076"/>
+          <ac:picMkLst>
+            <pc:docMk/>
+            <pc:sldMk cId="1137784666" sldId="638"/>
+            <ac:picMk id="4" creationId="{D9CA26A1-74FA-A86C-24ED-95F4F32CC55E}"/>
+          </ac:picMkLst>
+        </pc:picChg>
         <pc:picChg chg="add mod">
           <ac:chgData name="Zhao Jin" userId="cd05a825-544c-438a-9ba1-08e63db50b47" providerId="ADAL" clId="{488D456C-A55A-4C8C-8F16-D2D438139A31}" dt="2024-02-19T03:50:07.699" v="168"/>
           <ac:picMkLst>
@@ -2039,11 +2197,19 @@
         </pc:picChg>
       </pc:sldChg>
       <pc:sldChg chg="addSp modSp add mod modAnim">
-        <pc:chgData name="Zhao Jin" userId="cd05a825-544c-438a-9ba1-08e63db50b47" providerId="ADAL" clId="{488D456C-A55A-4C8C-8F16-D2D438139A31}" dt="2024-02-19T04:11:08.158" v="755" actId="207"/>
+        <pc:chgData name="Zhao Jin" userId="cd05a825-544c-438a-9ba1-08e63db50b47" providerId="ADAL" clId="{488D456C-A55A-4C8C-8F16-D2D438139A31}" dt="2024-02-20T01:22:29.187" v="1616"/>
         <pc:sldMkLst>
           <pc:docMk/>
           <pc:sldMk cId="659351006" sldId="639"/>
         </pc:sldMkLst>
+        <pc:spChg chg="mod">
+          <ac:chgData name="Zhao Jin" userId="cd05a825-544c-438a-9ba1-08e63db50b47" providerId="ADAL" clId="{488D456C-A55A-4C8C-8F16-D2D438139A31}" dt="2024-02-20T01:22:29.187" v="1616"/>
+          <ac:spMkLst>
+            <pc:docMk/>
+            <pc:sldMk cId="659351006" sldId="639"/>
+            <ac:spMk id="4" creationId="{9C0EBBF4-6409-8047-1CBD-0876942A48D9}"/>
+          </ac:spMkLst>
+        </pc:spChg>
         <pc:spChg chg="add mod">
           <ac:chgData name="Zhao Jin" userId="cd05a825-544c-438a-9ba1-08e63db50b47" providerId="ADAL" clId="{488D456C-A55A-4C8C-8F16-D2D438139A31}" dt="2024-02-19T04:05:56.894" v="489"/>
           <ac:spMkLst>
@@ -2101,11 +2267,19 @@
         </pc:sldMkLst>
       </pc:sldChg>
       <pc:sldChg chg="addSp delSp modSp add mod delAnim modAnim">
-        <pc:chgData name="Zhao Jin" userId="cd05a825-544c-438a-9ba1-08e63db50b47" providerId="ADAL" clId="{488D456C-A55A-4C8C-8F16-D2D438139A31}" dt="2024-02-19T04:32:40.256" v="1041" actId="20577"/>
+        <pc:chgData name="Zhao Jin" userId="cd05a825-544c-438a-9ba1-08e63db50b47" providerId="ADAL" clId="{488D456C-A55A-4C8C-8F16-D2D438139A31}" dt="2024-02-20T01:22:29.187" v="1616"/>
         <pc:sldMkLst>
           <pc:docMk/>
           <pc:sldMk cId="62076643" sldId="640"/>
         </pc:sldMkLst>
+        <pc:spChg chg="mod">
+          <ac:chgData name="Zhao Jin" userId="cd05a825-544c-438a-9ba1-08e63db50b47" providerId="ADAL" clId="{488D456C-A55A-4C8C-8F16-D2D438139A31}" dt="2024-02-20T01:22:29.187" v="1616"/>
+          <ac:spMkLst>
+            <pc:docMk/>
+            <pc:sldMk cId="62076643" sldId="640"/>
+            <ac:spMk id="3" creationId="{ED1B7C66-E1EC-420D-91EE-18DF588D5828}"/>
+          </ac:spMkLst>
+        </pc:spChg>
         <pc:spChg chg="add mod">
           <ac:chgData name="Zhao Jin" userId="cd05a825-544c-438a-9ba1-08e63db50b47" providerId="ADAL" clId="{488D456C-A55A-4C8C-8F16-D2D438139A31}" dt="2024-02-19T04:30:48.697" v="1031" actId="1035"/>
           <ac:spMkLst>
@@ -2475,6 +2649,366 @@
           </ac:cxnSpMkLst>
         </pc:cxnChg>
       </pc:sldChg>
+      <pc:sldChg chg="addSp delSp modSp add mod ord delAnim modAnim">
+        <pc:chgData name="Zhao Jin" userId="cd05a825-544c-438a-9ba1-08e63db50b47" providerId="ADAL" clId="{488D456C-A55A-4C8C-8F16-D2D438139A31}" dt="2024-02-20T01:39:54.719" v="2649" actId="20577"/>
+        <pc:sldMkLst>
+          <pc:docMk/>
+          <pc:sldMk cId="1839518406" sldId="641"/>
+        </pc:sldMkLst>
+        <pc:spChg chg="add del mod">
+          <ac:chgData name="Zhao Jin" userId="cd05a825-544c-438a-9ba1-08e63db50b47" providerId="ADAL" clId="{488D456C-A55A-4C8C-8F16-D2D438139A31}" dt="2024-02-20T01:29:16.085" v="1869" actId="478"/>
+          <ac:spMkLst>
+            <pc:docMk/>
+            <pc:sldMk cId="1839518406" sldId="641"/>
+            <ac:spMk id="5" creationId="{1A4A18AA-52BD-FCCC-104E-E88B83006438}"/>
+          </ac:spMkLst>
+        </pc:spChg>
+        <pc:spChg chg="add mod">
+          <ac:chgData name="Zhao Jin" userId="cd05a825-544c-438a-9ba1-08e63db50b47" providerId="ADAL" clId="{488D456C-A55A-4C8C-8F16-D2D438139A31}" dt="2024-02-20T01:39:54.719" v="2649" actId="20577"/>
+          <ac:spMkLst>
+            <pc:docMk/>
+            <pc:sldMk cId="1839518406" sldId="641"/>
+            <ac:spMk id="6" creationId="{2393C2B2-B910-A777-54E8-8FB949A08B4C}"/>
+          </ac:spMkLst>
+        </pc:spChg>
+        <pc:spChg chg="add del mod">
+          <ac:chgData name="Zhao Jin" userId="cd05a825-544c-438a-9ba1-08e63db50b47" providerId="ADAL" clId="{488D456C-A55A-4C8C-8F16-D2D438139A31}" dt="2024-02-20T01:29:24.135" v="1872" actId="478"/>
+          <ac:spMkLst>
+            <pc:docMk/>
+            <pc:sldMk cId="1839518406" sldId="641"/>
+            <ac:spMk id="7" creationId="{CFE9055F-1DB9-0565-E84E-F512980A09D2}"/>
+          </ac:spMkLst>
+        </pc:spChg>
+        <pc:spChg chg="add del mod">
+          <ac:chgData name="Zhao Jin" userId="cd05a825-544c-438a-9ba1-08e63db50b47" providerId="ADAL" clId="{488D456C-A55A-4C8C-8F16-D2D438139A31}" dt="2024-02-20T01:32:25.623" v="2153" actId="478"/>
+          <ac:spMkLst>
+            <pc:docMk/>
+            <pc:sldMk cId="1839518406" sldId="641"/>
+            <ac:spMk id="8" creationId="{716F1101-1D18-7F67-FA04-5354429DFBB6}"/>
+          </ac:spMkLst>
+        </pc:spChg>
+        <pc:spChg chg="add del mod">
+          <ac:chgData name="Zhao Jin" userId="cd05a825-544c-438a-9ba1-08e63db50b47" providerId="ADAL" clId="{488D456C-A55A-4C8C-8F16-D2D438139A31}" dt="2024-02-20T01:29:31.961" v="1874" actId="478"/>
+          <ac:spMkLst>
+            <pc:docMk/>
+            <pc:sldMk cId="1839518406" sldId="641"/>
+            <ac:spMk id="9" creationId="{73554682-F38C-9576-1346-1A80A2F6B382}"/>
+          </ac:spMkLst>
+        </pc:spChg>
+        <pc:spChg chg="add del mod">
+          <ac:chgData name="Zhao Jin" userId="cd05a825-544c-438a-9ba1-08e63db50b47" providerId="ADAL" clId="{488D456C-A55A-4C8C-8F16-D2D438139A31}" dt="2024-02-20T01:29:23.874" v="1871" actId="478"/>
+          <ac:spMkLst>
+            <pc:docMk/>
+            <pc:sldMk cId="1839518406" sldId="641"/>
+            <ac:spMk id="10" creationId="{29E16463-CFE2-8FE0-ED00-B0417A23D39A}"/>
+          </ac:spMkLst>
+        </pc:spChg>
+        <pc:spChg chg="del mod">
+          <ac:chgData name="Zhao Jin" userId="cd05a825-544c-438a-9ba1-08e63db50b47" providerId="ADAL" clId="{488D456C-A55A-4C8C-8F16-D2D438139A31}" dt="2024-02-20T01:29:14.788" v="1868" actId="478"/>
+          <ac:spMkLst>
+            <pc:docMk/>
+            <pc:sldMk cId="1839518406" sldId="641"/>
+            <ac:spMk id="11" creationId="{04BE7D0B-F1CB-AD47-5EE1-C55F55BE2F2D}"/>
+          </ac:spMkLst>
+        </pc:spChg>
+        <pc:spChg chg="add del mod">
+          <ac:chgData name="Zhao Jin" userId="cd05a825-544c-438a-9ba1-08e63db50b47" providerId="ADAL" clId="{488D456C-A55A-4C8C-8F16-D2D438139A31}" dt="2024-02-20T01:33:16.772" v="2255" actId="478"/>
+          <ac:spMkLst>
+            <pc:docMk/>
+            <pc:sldMk cId="1839518406" sldId="641"/>
+            <ac:spMk id="12" creationId="{4EFD0B70-FA67-02B4-645A-A28E37DB2DFF}"/>
+          </ac:spMkLst>
+        </pc:spChg>
+        <pc:spChg chg="add mod">
+          <ac:chgData name="Zhao Jin" userId="cd05a825-544c-438a-9ba1-08e63db50b47" providerId="ADAL" clId="{488D456C-A55A-4C8C-8F16-D2D438139A31}" dt="2024-02-20T01:32:03.157" v="2145" actId="1076"/>
+          <ac:spMkLst>
+            <pc:docMk/>
+            <pc:sldMk cId="1839518406" sldId="641"/>
+            <ac:spMk id="13" creationId="{C41E1242-7B60-F88F-FF0B-0EB5EA9726A2}"/>
+          </ac:spMkLst>
+        </pc:spChg>
+        <pc:spChg chg="add del mod">
+          <ac:chgData name="Zhao Jin" userId="cd05a825-544c-438a-9ba1-08e63db50b47" providerId="ADAL" clId="{488D456C-A55A-4C8C-8F16-D2D438139A31}" dt="2024-02-20T01:33:12.416" v="2254" actId="478"/>
+          <ac:spMkLst>
+            <pc:docMk/>
+            <pc:sldMk cId="1839518406" sldId="641"/>
+            <ac:spMk id="14" creationId="{89D20D72-9C17-4E3D-2BD7-1DDAE6DC895A}"/>
+          </ac:spMkLst>
+        </pc:spChg>
+        <pc:spChg chg="del">
+          <ac:chgData name="Zhao Jin" userId="cd05a825-544c-438a-9ba1-08e63db50b47" providerId="ADAL" clId="{488D456C-A55A-4C8C-8F16-D2D438139A31}" dt="2024-02-20T01:27:55.657" v="1815" actId="478"/>
+          <ac:spMkLst>
+            <pc:docMk/>
+            <pc:sldMk cId="1839518406" sldId="641"/>
+            <ac:spMk id="27" creationId="{2154B53B-91D9-98E8-E322-F93592099349}"/>
+          </ac:spMkLst>
+        </pc:spChg>
+        <pc:spChg chg="del">
+          <ac:chgData name="Zhao Jin" userId="cd05a825-544c-438a-9ba1-08e63db50b47" providerId="ADAL" clId="{488D456C-A55A-4C8C-8F16-D2D438139A31}" dt="2024-02-20T01:27:55.657" v="1815" actId="478"/>
+          <ac:spMkLst>
+            <pc:docMk/>
+            <pc:sldMk cId="1839518406" sldId="641"/>
+            <ac:spMk id="57" creationId="{0A624595-F766-DD1C-62BB-12365EE421DE}"/>
+          </ac:spMkLst>
+        </pc:spChg>
+        <pc:spChg chg="mod">
+          <ac:chgData name="Zhao Jin" userId="cd05a825-544c-438a-9ba1-08e63db50b47" providerId="ADAL" clId="{488D456C-A55A-4C8C-8F16-D2D438139A31}" dt="2024-02-20T01:24:38.602" v="1651" actId="5793"/>
+          <ac:spMkLst>
+            <pc:docMk/>
+            <pc:sldMk cId="1839518406" sldId="641"/>
+            <ac:spMk id="14338" creationId="{9B49EB73-B4C3-DC42-99F8-82C42D3FD873}"/>
+          </ac:spMkLst>
+        </pc:spChg>
+        <pc:grpChg chg="del">
+          <ac:chgData name="Zhao Jin" userId="cd05a825-544c-438a-9ba1-08e63db50b47" providerId="ADAL" clId="{488D456C-A55A-4C8C-8F16-D2D438139A31}" dt="2024-02-20T01:27:55.657" v="1815" actId="478"/>
+          <ac:grpSpMkLst>
+            <pc:docMk/>
+            <pc:sldMk cId="1839518406" sldId="641"/>
+            <ac:grpSpMk id="29" creationId="{9C57EA10-683F-7877-3E4E-3E91EFE5DE32}"/>
+          </ac:grpSpMkLst>
+        </pc:grpChg>
+        <pc:grpChg chg="del">
+          <ac:chgData name="Zhao Jin" userId="cd05a825-544c-438a-9ba1-08e63db50b47" providerId="ADAL" clId="{488D456C-A55A-4C8C-8F16-D2D438139A31}" dt="2024-02-20T01:27:55.657" v="1815" actId="478"/>
+          <ac:grpSpMkLst>
+            <pc:docMk/>
+            <pc:sldMk cId="1839518406" sldId="641"/>
+            <ac:grpSpMk id="32" creationId="{71065BD1-9509-D2CF-3EB2-D14610E926D0}"/>
+          </ac:grpSpMkLst>
+        </pc:grpChg>
+        <pc:grpChg chg="del">
+          <ac:chgData name="Zhao Jin" userId="cd05a825-544c-438a-9ba1-08e63db50b47" providerId="ADAL" clId="{488D456C-A55A-4C8C-8F16-D2D438139A31}" dt="2024-02-20T01:27:55.657" v="1815" actId="478"/>
+          <ac:grpSpMkLst>
+            <pc:docMk/>
+            <pc:sldMk cId="1839518406" sldId="641"/>
+            <ac:grpSpMk id="35" creationId="{95B63FF8-68F6-2DFE-16C5-E08322630093}"/>
+          </ac:grpSpMkLst>
+        </pc:grpChg>
+        <pc:grpChg chg="del">
+          <ac:chgData name="Zhao Jin" userId="cd05a825-544c-438a-9ba1-08e63db50b47" providerId="ADAL" clId="{488D456C-A55A-4C8C-8F16-D2D438139A31}" dt="2024-02-20T01:27:55.657" v="1815" actId="478"/>
+          <ac:grpSpMkLst>
+            <pc:docMk/>
+            <pc:sldMk cId="1839518406" sldId="641"/>
+            <ac:grpSpMk id="38" creationId="{C6955F0A-B388-78E3-7B42-5D51067EBB2C}"/>
+          </ac:grpSpMkLst>
+        </pc:grpChg>
+        <pc:grpChg chg="del">
+          <ac:chgData name="Zhao Jin" userId="cd05a825-544c-438a-9ba1-08e63db50b47" providerId="ADAL" clId="{488D456C-A55A-4C8C-8F16-D2D438139A31}" dt="2024-02-20T01:27:55.657" v="1815" actId="478"/>
+          <ac:grpSpMkLst>
+            <pc:docMk/>
+            <pc:sldMk cId="1839518406" sldId="641"/>
+            <ac:grpSpMk id="58" creationId="{F103B372-C9B4-0116-6B21-748688CA93FF}"/>
+          </ac:grpSpMkLst>
+        </pc:grpChg>
+      </pc:sldChg>
+      <pc:sldChg chg="add del">
+        <pc:chgData name="Zhao Jin" userId="cd05a825-544c-438a-9ba1-08e63db50b47" providerId="ADAL" clId="{488D456C-A55A-4C8C-8F16-D2D438139A31}" dt="2024-02-20T01:24:27.390" v="1619"/>
+        <pc:sldMkLst>
+          <pc:docMk/>
+          <pc:sldMk cId="1881078171" sldId="641"/>
+        </pc:sldMkLst>
+      </pc:sldChg>
+      <pc:sldMasterChg chg="modSp modSldLayout">
+        <pc:chgData name="Zhao Jin" userId="cd05a825-544c-438a-9ba1-08e63db50b47" providerId="ADAL" clId="{488D456C-A55A-4C8C-8F16-D2D438139A31}" dt="2024-02-20T01:22:29.187" v="1616"/>
+        <pc:sldMasterMkLst>
+          <pc:docMk/>
+          <pc:sldMasterMk cId="0" sldId="2147485087"/>
+        </pc:sldMasterMkLst>
+        <pc:spChg chg="mod">
+          <ac:chgData name="Zhao Jin" userId="cd05a825-544c-438a-9ba1-08e63db50b47" providerId="ADAL" clId="{488D456C-A55A-4C8C-8F16-D2D438139A31}" dt="2024-02-20T01:22:29.187" v="1616"/>
+          <ac:spMkLst>
+            <pc:docMk/>
+            <pc:sldMasterMk cId="0" sldId="2147485087"/>
+            <ac:spMk id="6" creationId="{00000000-0000-0000-0000-000000000000}"/>
+          </ac:spMkLst>
+        </pc:spChg>
+        <pc:sldLayoutChg chg="modSp">
+          <pc:chgData name="Zhao Jin" userId="cd05a825-544c-438a-9ba1-08e63db50b47" providerId="ADAL" clId="{488D456C-A55A-4C8C-8F16-D2D438139A31}" dt="2024-02-20T01:22:29.187" v="1616"/>
+          <pc:sldLayoutMkLst>
+            <pc:docMk/>
+            <pc:sldMasterMk cId="0" sldId="2147485087"/>
+            <pc:sldLayoutMk cId="0" sldId="2147485088"/>
+          </pc:sldLayoutMkLst>
+          <pc:spChg chg="mod">
+            <ac:chgData name="Zhao Jin" userId="cd05a825-544c-438a-9ba1-08e63db50b47" providerId="ADAL" clId="{488D456C-A55A-4C8C-8F16-D2D438139A31}" dt="2024-02-20T01:22:29.187" v="1616"/>
+            <ac:spMkLst>
+              <pc:docMk/>
+              <pc:sldMasterMk cId="0" sldId="2147485087"/>
+              <pc:sldLayoutMk cId="0" sldId="2147485088"/>
+              <ac:spMk id="6" creationId="{00000000-0000-0000-0000-000000000000}"/>
+            </ac:spMkLst>
+          </pc:spChg>
+        </pc:sldLayoutChg>
+        <pc:sldLayoutChg chg="modSp">
+          <pc:chgData name="Zhao Jin" userId="cd05a825-544c-438a-9ba1-08e63db50b47" providerId="ADAL" clId="{488D456C-A55A-4C8C-8F16-D2D438139A31}" dt="2024-02-20T01:22:29.187" v="1616"/>
+          <pc:sldLayoutMkLst>
+            <pc:docMk/>
+            <pc:sldMasterMk cId="0" sldId="2147485087"/>
+            <pc:sldLayoutMk cId="0" sldId="2147485089"/>
+          </pc:sldLayoutMkLst>
+          <pc:spChg chg="mod">
+            <ac:chgData name="Zhao Jin" userId="cd05a825-544c-438a-9ba1-08e63db50b47" providerId="ADAL" clId="{488D456C-A55A-4C8C-8F16-D2D438139A31}" dt="2024-02-20T01:22:29.187" v="1616"/>
+            <ac:spMkLst>
+              <pc:docMk/>
+              <pc:sldMasterMk cId="0" sldId="2147485087"/>
+              <pc:sldLayoutMk cId="0" sldId="2147485089"/>
+              <ac:spMk id="6" creationId="{00000000-0000-0000-0000-000000000000}"/>
+            </ac:spMkLst>
+          </pc:spChg>
+        </pc:sldLayoutChg>
+        <pc:sldLayoutChg chg="modSp">
+          <pc:chgData name="Zhao Jin" userId="cd05a825-544c-438a-9ba1-08e63db50b47" providerId="ADAL" clId="{488D456C-A55A-4C8C-8F16-D2D438139A31}" dt="2024-02-20T01:22:29.187" v="1616"/>
+          <pc:sldLayoutMkLst>
+            <pc:docMk/>
+            <pc:sldMasterMk cId="0" sldId="2147485087"/>
+            <pc:sldLayoutMk cId="0" sldId="2147485090"/>
+          </pc:sldLayoutMkLst>
+          <pc:spChg chg="mod">
+            <ac:chgData name="Zhao Jin" userId="cd05a825-544c-438a-9ba1-08e63db50b47" providerId="ADAL" clId="{488D456C-A55A-4C8C-8F16-D2D438139A31}" dt="2024-02-20T01:22:29.187" v="1616"/>
+            <ac:spMkLst>
+              <pc:docMk/>
+              <pc:sldMasterMk cId="0" sldId="2147485087"/>
+              <pc:sldLayoutMk cId="0" sldId="2147485090"/>
+              <ac:spMk id="6" creationId="{00000000-0000-0000-0000-000000000000}"/>
+            </ac:spMkLst>
+          </pc:spChg>
+        </pc:sldLayoutChg>
+        <pc:sldLayoutChg chg="modSp">
+          <pc:chgData name="Zhao Jin" userId="cd05a825-544c-438a-9ba1-08e63db50b47" providerId="ADAL" clId="{488D456C-A55A-4C8C-8F16-D2D438139A31}" dt="2024-02-20T01:22:29.187" v="1616"/>
+          <pc:sldLayoutMkLst>
+            <pc:docMk/>
+            <pc:sldMasterMk cId="0" sldId="2147485087"/>
+            <pc:sldLayoutMk cId="0" sldId="2147485091"/>
+          </pc:sldLayoutMkLst>
+          <pc:spChg chg="mod">
+            <ac:chgData name="Zhao Jin" userId="cd05a825-544c-438a-9ba1-08e63db50b47" providerId="ADAL" clId="{488D456C-A55A-4C8C-8F16-D2D438139A31}" dt="2024-02-20T01:22:29.187" v="1616"/>
+            <ac:spMkLst>
+              <pc:docMk/>
+              <pc:sldMasterMk cId="0" sldId="2147485087"/>
+              <pc:sldLayoutMk cId="0" sldId="2147485091"/>
+              <ac:spMk id="7" creationId="{00000000-0000-0000-0000-000000000000}"/>
+            </ac:spMkLst>
+          </pc:spChg>
+        </pc:sldLayoutChg>
+        <pc:sldLayoutChg chg="modSp">
+          <pc:chgData name="Zhao Jin" userId="cd05a825-544c-438a-9ba1-08e63db50b47" providerId="ADAL" clId="{488D456C-A55A-4C8C-8F16-D2D438139A31}" dt="2024-02-20T01:22:29.187" v="1616"/>
+          <pc:sldLayoutMkLst>
+            <pc:docMk/>
+            <pc:sldMasterMk cId="0" sldId="2147485087"/>
+            <pc:sldLayoutMk cId="0" sldId="2147485092"/>
+          </pc:sldLayoutMkLst>
+          <pc:spChg chg="mod">
+            <ac:chgData name="Zhao Jin" userId="cd05a825-544c-438a-9ba1-08e63db50b47" providerId="ADAL" clId="{488D456C-A55A-4C8C-8F16-D2D438139A31}" dt="2024-02-20T01:22:29.187" v="1616"/>
+            <ac:spMkLst>
+              <pc:docMk/>
+              <pc:sldMasterMk cId="0" sldId="2147485087"/>
+              <pc:sldLayoutMk cId="0" sldId="2147485092"/>
+              <ac:spMk id="9" creationId="{00000000-0000-0000-0000-000000000000}"/>
+            </ac:spMkLst>
+          </pc:spChg>
+        </pc:sldLayoutChg>
+        <pc:sldLayoutChg chg="modSp">
+          <pc:chgData name="Zhao Jin" userId="cd05a825-544c-438a-9ba1-08e63db50b47" providerId="ADAL" clId="{488D456C-A55A-4C8C-8F16-D2D438139A31}" dt="2024-02-20T01:22:29.187" v="1616"/>
+          <pc:sldLayoutMkLst>
+            <pc:docMk/>
+            <pc:sldMasterMk cId="0" sldId="2147485087"/>
+            <pc:sldLayoutMk cId="0" sldId="2147485093"/>
+          </pc:sldLayoutMkLst>
+          <pc:spChg chg="mod">
+            <ac:chgData name="Zhao Jin" userId="cd05a825-544c-438a-9ba1-08e63db50b47" providerId="ADAL" clId="{488D456C-A55A-4C8C-8F16-D2D438139A31}" dt="2024-02-20T01:22:29.187" v="1616"/>
+            <ac:spMkLst>
+              <pc:docMk/>
+              <pc:sldMasterMk cId="0" sldId="2147485087"/>
+              <pc:sldLayoutMk cId="0" sldId="2147485093"/>
+              <ac:spMk id="5" creationId="{00000000-0000-0000-0000-000000000000}"/>
+            </ac:spMkLst>
+          </pc:spChg>
+        </pc:sldLayoutChg>
+        <pc:sldLayoutChg chg="modSp">
+          <pc:chgData name="Zhao Jin" userId="cd05a825-544c-438a-9ba1-08e63db50b47" providerId="ADAL" clId="{488D456C-A55A-4C8C-8F16-D2D438139A31}" dt="2024-02-20T01:22:29.187" v="1616"/>
+          <pc:sldLayoutMkLst>
+            <pc:docMk/>
+            <pc:sldMasterMk cId="0" sldId="2147485087"/>
+            <pc:sldLayoutMk cId="0" sldId="2147485094"/>
+          </pc:sldLayoutMkLst>
+          <pc:spChg chg="mod">
+            <ac:chgData name="Zhao Jin" userId="cd05a825-544c-438a-9ba1-08e63db50b47" providerId="ADAL" clId="{488D456C-A55A-4C8C-8F16-D2D438139A31}" dt="2024-02-20T01:22:29.187" v="1616"/>
+            <ac:spMkLst>
+              <pc:docMk/>
+              <pc:sldMasterMk cId="0" sldId="2147485087"/>
+              <pc:sldLayoutMk cId="0" sldId="2147485094"/>
+              <ac:spMk id="4" creationId="{00000000-0000-0000-0000-000000000000}"/>
+            </ac:spMkLst>
+          </pc:spChg>
+        </pc:sldLayoutChg>
+        <pc:sldLayoutChg chg="modSp">
+          <pc:chgData name="Zhao Jin" userId="cd05a825-544c-438a-9ba1-08e63db50b47" providerId="ADAL" clId="{488D456C-A55A-4C8C-8F16-D2D438139A31}" dt="2024-02-20T01:22:29.187" v="1616"/>
+          <pc:sldLayoutMkLst>
+            <pc:docMk/>
+            <pc:sldMasterMk cId="0" sldId="2147485087"/>
+            <pc:sldLayoutMk cId="0" sldId="2147485095"/>
+          </pc:sldLayoutMkLst>
+          <pc:spChg chg="mod">
+            <ac:chgData name="Zhao Jin" userId="cd05a825-544c-438a-9ba1-08e63db50b47" providerId="ADAL" clId="{488D456C-A55A-4C8C-8F16-D2D438139A31}" dt="2024-02-20T01:22:29.187" v="1616"/>
+            <ac:spMkLst>
+              <pc:docMk/>
+              <pc:sldMasterMk cId="0" sldId="2147485087"/>
+              <pc:sldLayoutMk cId="0" sldId="2147485095"/>
+              <ac:spMk id="7" creationId="{00000000-0000-0000-0000-000000000000}"/>
+            </ac:spMkLst>
+          </pc:spChg>
+        </pc:sldLayoutChg>
+        <pc:sldLayoutChg chg="modSp">
+          <pc:chgData name="Zhao Jin" userId="cd05a825-544c-438a-9ba1-08e63db50b47" providerId="ADAL" clId="{488D456C-A55A-4C8C-8F16-D2D438139A31}" dt="2024-02-20T01:22:29.187" v="1616"/>
+          <pc:sldLayoutMkLst>
+            <pc:docMk/>
+            <pc:sldMasterMk cId="0" sldId="2147485087"/>
+            <pc:sldLayoutMk cId="0" sldId="2147485096"/>
+          </pc:sldLayoutMkLst>
+          <pc:spChg chg="mod">
+            <ac:chgData name="Zhao Jin" userId="cd05a825-544c-438a-9ba1-08e63db50b47" providerId="ADAL" clId="{488D456C-A55A-4C8C-8F16-D2D438139A31}" dt="2024-02-20T01:22:29.187" v="1616"/>
+            <ac:spMkLst>
+              <pc:docMk/>
+              <pc:sldMasterMk cId="0" sldId="2147485087"/>
+              <pc:sldLayoutMk cId="0" sldId="2147485096"/>
+              <ac:spMk id="7" creationId="{00000000-0000-0000-0000-000000000000}"/>
+            </ac:spMkLst>
+          </pc:spChg>
+        </pc:sldLayoutChg>
+        <pc:sldLayoutChg chg="modSp">
+          <pc:chgData name="Zhao Jin" userId="cd05a825-544c-438a-9ba1-08e63db50b47" providerId="ADAL" clId="{488D456C-A55A-4C8C-8F16-D2D438139A31}" dt="2024-02-20T01:22:29.187" v="1616"/>
+          <pc:sldLayoutMkLst>
+            <pc:docMk/>
+            <pc:sldMasterMk cId="0" sldId="2147485087"/>
+            <pc:sldLayoutMk cId="0" sldId="2147485097"/>
+          </pc:sldLayoutMkLst>
+          <pc:spChg chg="mod">
+            <ac:chgData name="Zhao Jin" userId="cd05a825-544c-438a-9ba1-08e63db50b47" providerId="ADAL" clId="{488D456C-A55A-4C8C-8F16-D2D438139A31}" dt="2024-02-20T01:22:29.187" v="1616"/>
+            <ac:spMkLst>
+              <pc:docMk/>
+              <pc:sldMasterMk cId="0" sldId="2147485087"/>
+              <pc:sldLayoutMk cId="0" sldId="2147485097"/>
+              <ac:spMk id="6" creationId="{00000000-0000-0000-0000-000000000000}"/>
+            </ac:spMkLst>
+          </pc:spChg>
+        </pc:sldLayoutChg>
+        <pc:sldLayoutChg chg="modSp">
+          <pc:chgData name="Zhao Jin" userId="cd05a825-544c-438a-9ba1-08e63db50b47" providerId="ADAL" clId="{488D456C-A55A-4C8C-8F16-D2D438139A31}" dt="2024-02-20T01:22:29.187" v="1616"/>
+          <pc:sldLayoutMkLst>
+            <pc:docMk/>
+            <pc:sldMasterMk cId="0" sldId="2147485087"/>
+            <pc:sldLayoutMk cId="0" sldId="2147485098"/>
+          </pc:sldLayoutMkLst>
+          <pc:spChg chg="mod">
+            <ac:chgData name="Zhao Jin" userId="cd05a825-544c-438a-9ba1-08e63db50b47" providerId="ADAL" clId="{488D456C-A55A-4C8C-8F16-D2D438139A31}" dt="2024-02-20T01:22:29.187" v="1616"/>
+            <ac:spMkLst>
+              <pc:docMk/>
+              <pc:sldMasterMk cId="0" sldId="2147485087"/>
+              <pc:sldLayoutMk cId="0" sldId="2147485098"/>
+              <ac:spMk id="6" creationId="{00000000-0000-0000-0000-000000000000}"/>
+            </ac:spMkLst>
+          </pc:spChg>
+        </pc:sldLayoutChg>
+      </pc:sldMasterChg>
     </pc:docChg>
   </pc:docChgLst>
   <pc:docChgLst>
@@ -9969,7 +10503,7 @@
               <a:pPr>
                 <a:defRPr/>
               </a:pPr>
-              <a:t>2/19/2024</a:t>
+              <a:t>2/20/2024</a:t>
             </a:fld>
             <a:endParaRPr lang="en-US"/>
           </a:p>
@@ -11284,6 +11818,147 @@
   <p:cSld>
     <p:spTree>
       <p:nvGrpSpPr>
+        <p:cNvPr id="1" name="">
+          <a:extLst>
+            <a:ext uri="{FF2B5EF4-FFF2-40B4-BE49-F238E27FC236}">
+              <a16:creationId xmlns:a16="http://schemas.microsoft.com/office/drawing/2014/main" id="{5CECF384-7023-6323-3FFD-5BF560871A26}"/>
+            </a:ext>
+          </a:extLst>
+        </p:cNvPr>
+        <p:cNvGrpSpPr/>
+        <p:nvPr/>
+      </p:nvGrpSpPr>
+      <p:grpSpPr>
+        <a:xfrm>
+          <a:off x="0" y="0"/>
+          <a:ext cx="0" cy="0"/>
+          <a:chOff x="0" y="0"/>
+          <a:chExt cx="0" cy="0"/>
+        </a:xfrm>
+      </p:grpSpPr>
+      <p:sp>
+        <p:nvSpPr>
+          <p:cNvPr id="64514" name="Rectangle 2">
+            <a:extLst>
+              <a:ext uri="{FF2B5EF4-FFF2-40B4-BE49-F238E27FC236}">
+                <a16:creationId xmlns:a16="http://schemas.microsoft.com/office/drawing/2014/main" id="{5E2FFD40-8B9D-E71F-8B03-AB4924DD4111}"/>
+              </a:ext>
+            </a:extLst>
+          </p:cNvPr>
+          <p:cNvSpPr>
+            <a:spLocks noGrp="1" noChangeArrowheads="1"/>
+          </p:cNvSpPr>
+          <p:nvPr>
+            <p:ph type="hdr" sz="quarter"/>
+          </p:nvPr>
+        </p:nvSpPr>
+        <p:spPr bwMode="auto">
+          <a:xfrm>
+            <a:off x="0" y="0"/>
+            <a:ext cx="3038786" cy="465341"/>
+          </a:xfrm>
+          <a:noFill/>
+          <a:ln>
+            <a:miter lim="800000"/>
+            <a:headEnd/>
+            <a:tailEnd/>
+          </a:ln>
+        </p:spPr>
+        <p:txBody>
+          <a:bodyPr wrap="square" numCol="1" anchor="t" anchorCtr="0" compatLnSpc="1">
+            <a:prstTxWarp prst="textNoShape">
+              <a:avLst/>
+            </a:prstTxWarp>
+          </a:bodyPr>
+          <a:lstStyle/>
+          <a:p>
+            <a:r>
+              <a:rPr lang="en-US"/>
+              <a:t>CS1010 Programming Methodology</a:t>
+            </a:r>
+          </a:p>
+        </p:txBody>
+      </p:sp>
+      <p:sp>
+        <p:nvSpPr>
+          <p:cNvPr id="64515" name="Rectangle 2">
+            <a:extLst>
+              <a:ext uri="{FF2B5EF4-FFF2-40B4-BE49-F238E27FC236}">
+                <a16:creationId xmlns:a16="http://schemas.microsoft.com/office/drawing/2014/main" id="{E784B40D-F350-E294-988D-C3968448EFDB}"/>
+              </a:ext>
+            </a:extLst>
+          </p:cNvPr>
+          <p:cNvSpPr>
+            <a:spLocks noGrp="1" noRot="1" noChangeAspect="1" noChangeArrowheads="1" noTextEdit="1"/>
+          </p:cNvSpPr>
+          <p:nvPr>
+            <p:ph type="sldImg"/>
+          </p:nvPr>
+        </p:nvSpPr>
+        <p:spPr bwMode="auto">
+          <a:xfrm>
+            <a:off x="1182688" y="696913"/>
+            <a:ext cx="4648200" cy="3486150"/>
+          </a:xfrm>
+          <a:noFill/>
+          <a:ln>
+            <a:solidFill>
+              <a:srgbClr val="000000"/>
+            </a:solidFill>
+            <a:miter lim="800000"/>
+            <a:headEnd/>
+            <a:tailEnd/>
+          </a:ln>
+        </p:spPr>
+      </p:sp>
+      <p:sp>
+        <p:nvSpPr>
+          <p:cNvPr id="64516" name="Rectangle 3">
+            <a:extLst>
+              <a:ext uri="{FF2B5EF4-FFF2-40B4-BE49-F238E27FC236}">
+                <a16:creationId xmlns:a16="http://schemas.microsoft.com/office/drawing/2014/main" id="{2F07A411-C578-230A-6E5A-EA26B3B2B5AE}"/>
+              </a:ext>
+            </a:extLst>
+          </p:cNvPr>
+          <p:cNvSpPr>
+            <a:spLocks noGrp="1" noChangeArrowheads="1"/>
+          </p:cNvSpPr>
+          <p:nvPr>
+            <p:ph type="body" idx="1"/>
+          </p:nvPr>
+        </p:nvSpPr>
+        <p:spPr>
+          <a:ln w="9525"/>
+        </p:spPr>
+        <p:txBody>
+          <a:bodyPr/>
+          <a:lstStyle/>
+          <a:p>
+            <a:pPr eaLnBrk="1" hangingPunct="1">
+              <a:defRPr/>
+            </a:pPr>
+            <a:endParaRPr lang="en-US"/>
+          </a:p>
+        </p:txBody>
+      </p:sp>
+    </p:spTree>
+    <p:extLst>
+      <p:ext uri="{BB962C8B-B14F-4D97-AF65-F5344CB8AC3E}">
+        <p14:creationId xmlns:p14="http://schemas.microsoft.com/office/powerpoint/2010/main" val="998680178"/>
+      </p:ext>
+    </p:extLst>
+  </p:cSld>
+  <p:clrMapOvr>
+    <a:masterClrMapping/>
+  </p:clrMapOvr>
+</p:notes>
+</file>
+
+<file path=ppt/notesSlides/notesSlide4.xml><?xml version="1.0" encoding="utf-8"?>
+<p:notes xmlns:a="http://schemas.openxmlformats.org/drawingml/2006/main" xmlns:r="http://schemas.openxmlformats.org/officeDocument/2006/relationships" xmlns:p="http://schemas.openxmlformats.org/presentationml/2006/main">
+  <p:cSld>
+    <p:spTree>
+      <p:nvGrpSpPr>
         <p:cNvPr id="1" name=""/>
         <p:cNvGrpSpPr/>
         <p:nvPr/>
@@ -11396,7 +12071,7 @@
 </p:notes>
 </file>
 
-<file path=ppt/notesSlides/notesSlide4.xml><?xml version="1.0" encoding="utf-8"?>
+<file path=ppt/notesSlides/notesSlide5.xml><?xml version="1.0" encoding="utf-8"?>
 <p:notes xmlns:a="http://schemas.openxmlformats.org/drawingml/2006/main" xmlns:r="http://schemas.openxmlformats.org/officeDocument/2006/relationships" xmlns:p="http://schemas.openxmlformats.org/presentationml/2006/main">
   <p:cSld>
     <p:spTree>
@@ -11513,7 +12188,7 @@
 </p:notes>
 </file>
 
-<file path=ppt/notesSlides/notesSlide5.xml><?xml version="1.0" encoding="utf-8"?>
+<file path=ppt/notesSlides/notesSlide6.xml><?xml version="1.0" encoding="utf-8"?>
 <p:notes xmlns:a="http://schemas.openxmlformats.org/drawingml/2006/main" xmlns:r="http://schemas.openxmlformats.org/officeDocument/2006/relationships" xmlns:p="http://schemas.openxmlformats.org/presentationml/2006/main">
   <p:cSld>
     <p:spTree>
@@ -11630,7 +12305,7 @@
 </p:notes>
 </file>
 
-<file path=ppt/notesSlides/notesSlide6.xml><?xml version="1.0" encoding="utf-8"?>
+<file path=ppt/notesSlides/notesSlide7.xml><?xml version="1.0" encoding="utf-8"?>
 <p:notes xmlns:a="http://schemas.openxmlformats.org/drawingml/2006/main" xmlns:r="http://schemas.openxmlformats.org/officeDocument/2006/relationships" xmlns:p="http://schemas.openxmlformats.org/presentationml/2006/main">
   <p:cSld>
     <p:spTree>
@@ -11747,7 +12422,7 @@
 </p:notes>
 </file>
 
-<file path=ppt/notesSlides/notesSlide7.xml><?xml version="1.0" encoding="utf-8"?>
+<file path=ppt/notesSlides/notesSlide8.xml><?xml version="1.0" encoding="utf-8"?>
 <p:notes xmlns:a="http://schemas.openxmlformats.org/drawingml/2006/main" xmlns:r="http://schemas.openxmlformats.org/officeDocument/2006/relationships" xmlns:p="http://schemas.openxmlformats.org/presentationml/2006/main">
   <p:cSld>
     <p:spTree>
@@ -11855,123 +12530,6 @@
     <p:extLst>
       <p:ext uri="{BB962C8B-B14F-4D97-AF65-F5344CB8AC3E}">
         <p14:creationId xmlns:p14="http://schemas.microsoft.com/office/powerpoint/2010/main" val="2209664696"/>
-      </p:ext>
-    </p:extLst>
-  </p:cSld>
-  <p:clrMapOvr>
-    <a:masterClrMapping/>
-  </p:clrMapOvr>
-</p:notes>
-</file>
-
-<file path=ppt/notesSlides/notesSlide8.xml><?xml version="1.0" encoding="utf-8"?>
-<p:notes xmlns:a="http://schemas.openxmlformats.org/drawingml/2006/main" xmlns:r="http://schemas.openxmlformats.org/officeDocument/2006/relationships" xmlns:p="http://schemas.openxmlformats.org/presentationml/2006/main">
-  <p:cSld>
-    <p:spTree>
-      <p:nvGrpSpPr>
-        <p:cNvPr id="1" name=""/>
-        <p:cNvGrpSpPr/>
-        <p:nvPr/>
-      </p:nvGrpSpPr>
-      <p:grpSpPr>
-        <a:xfrm>
-          <a:off x="0" y="0"/>
-          <a:ext cx="0" cy="0"/>
-          <a:chOff x="0" y="0"/>
-          <a:chExt cx="0" cy="0"/>
-        </a:xfrm>
-      </p:grpSpPr>
-      <p:sp>
-        <p:nvSpPr>
-          <p:cNvPr id="64514" name="Rectangle 2"/>
-          <p:cNvSpPr>
-            <a:spLocks noGrp="1" noChangeArrowheads="1"/>
-          </p:cNvSpPr>
-          <p:nvPr>
-            <p:ph type="hdr" sz="quarter"/>
-          </p:nvPr>
-        </p:nvSpPr>
-        <p:spPr bwMode="auto">
-          <a:xfrm>
-            <a:off x="0" y="0"/>
-            <a:ext cx="3038786" cy="465341"/>
-          </a:xfrm>
-          <a:noFill/>
-          <a:ln>
-            <a:miter lim="800000"/>
-            <a:headEnd/>
-            <a:tailEnd/>
-          </a:ln>
-        </p:spPr>
-        <p:txBody>
-          <a:bodyPr wrap="square" numCol="1" anchor="t" anchorCtr="0" compatLnSpc="1">
-            <a:prstTxWarp prst="textNoShape">
-              <a:avLst/>
-            </a:prstTxWarp>
-          </a:bodyPr>
-          <a:lstStyle/>
-          <a:p>
-            <a:r>
-              <a:rPr lang="en-US"/>
-              <a:t>CS1010 Programming Methodology</a:t>
-            </a:r>
-          </a:p>
-        </p:txBody>
-      </p:sp>
-      <p:sp>
-        <p:nvSpPr>
-          <p:cNvPr id="64515" name="Rectangle 2"/>
-          <p:cNvSpPr>
-            <a:spLocks noGrp="1" noRot="1" noChangeAspect="1" noChangeArrowheads="1" noTextEdit="1"/>
-          </p:cNvSpPr>
-          <p:nvPr>
-            <p:ph type="sldImg"/>
-          </p:nvPr>
-        </p:nvSpPr>
-        <p:spPr bwMode="auto">
-          <a:xfrm>
-            <a:off x="1182688" y="696913"/>
-            <a:ext cx="4648200" cy="3486150"/>
-          </a:xfrm>
-          <a:noFill/>
-          <a:ln>
-            <a:solidFill>
-              <a:srgbClr val="000000"/>
-            </a:solidFill>
-            <a:miter lim="800000"/>
-            <a:headEnd/>
-            <a:tailEnd/>
-          </a:ln>
-        </p:spPr>
-      </p:sp>
-      <p:sp>
-        <p:nvSpPr>
-          <p:cNvPr id="64516" name="Rectangle 3"/>
-          <p:cNvSpPr>
-            <a:spLocks noGrp="1" noChangeArrowheads="1"/>
-          </p:cNvSpPr>
-          <p:nvPr>
-            <p:ph type="body" idx="1"/>
-          </p:nvPr>
-        </p:nvSpPr>
-        <p:spPr>
-          <a:ln w="9525"/>
-        </p:spPr>
-        <p:txBody>
-          <a:bodyPr/>
-          <a:lstStyle/>
-          <a:p>
-            <a:pPr eaLnBrk="1" hangingPunct="1">
-              <a:defRPr/>
-            </a:pPr>
-            <a:endParaRPr lang="en-US"/>
-          </a:p>
-        </p:txBody>
-      </p:sp>
-    </p:spTree>
-    <p:extLst>
-      <p:ext uri="{BB962C8B-B14F-4D97-AF65-F5344CB8AC3E}">
-        <p14:creationId xmlns:p14="http://schemas.microsoft.com/office/powerpoint/2010/main" val="2756354893"/>
       </p:ext>
     </p:extLst>
   </p:cSld>
@@ -12364,8 +12922,8 @@
               <a:defRPr/>
             </a:pPr>
             <a:r>
-              <a:rPr lang="en-US"/>
-              <a:t>Unit15 - </a:t>
+              <a:rPr lang="en-US" dirty="0"/>
+              <a:t>Unit14 - </a:t>
             </a:r>
             <a:fld id="{2E4790E1-2590-4AEE-892D-AB46A7688113}" type="slidenum">
               <a:rPr lang="en-US" smtClean="0"/>
@@ -12374,7 +12932,7 @@
               </a:pPr>
               <a:t>‹#›</a:t>
             </a:fld>
-            <a:endParaRPr lang="en-US"/>
+            <a:endParaRPr lang="en-US" dirty="0"/>
           </a:p>
         </p:txBody>
       </p:sp>
@@ -12583,8 +13141,8 @@
               <a:defRPr/>
             </a:pPr>
             <a:r>
-              <a:rPr lang="en-US"/>
-              <a:t>Unit15 - </a:t>
+              <a:rPr lang="en-US" dirty="0"/>
+              <a:t>Unit14 - </a:t>
             </a:r>
             <a:fld id="{2E4790E1-2590-4AEE-892D-AB46A7688113}" type="slidenum">
               <a:rPr lang="en-US" smtClean="0"/>
@@ -12593,7 +13151,7 @@
               </a:pPr>
               <a:t>‹#›</a:t>
             </a:fld>
-            <a:endParaRPr lang="en-US"/>
+            <a:endParaRPr lang="en-US" dirty="0"/>
           </a:p>
         </p:txBody>
       </p:sp>
@@ -12777,8 +13335,8 @@
               <a:defRPr/>
             </a:pPr>
             <a:r>
-              <a:rPr lang="en-US"/>
-              <a:t>Unit15 - </a:t>
+              <a:rPr lang="en-US" dirty="0"/>
+              <a:t>Unit14 - </a:t>
             </a:r>
             <a:fld id="{2E4790E1-2590-4AEE-892D-AB46A7688113}" type="slidenum">
               <a:rPr lang="en-US" smtClean="0"/>
@@ -12787,7 +13345,7 @@
               </a:pPr>
               <a:t>‹#›</a:t>
             </a:fld>
-            <a:endParaRPr lang="en-US"/>
+            <a:endParaRPr lang="en-US" dirty="0"/>
           </a:p>
         </p:txBody>
       </p:sp>
@@ -12965,8 +13523,8 @@
               <a:defRPr/>
             </a:pPr>
             <a:r>
-              <a:rPr lang="en-US"/>
-              <a:t>Unit15 - </a:t>
+              <a:rPr lang="en-US" dirty="0"/>
+              <a:t>Unit14 - </a:t>
             </a:r>
             <a:fld id="{2E4790E1-2590-4AEE-892D-AB46A7688113}" type="slidenum">
               <a:rPr lang="en-US" smtClean="0"/>
@@ -12975,7 +13533,7 @@
               </a:pPr>
               <a:t>‹#›</a:t>
             </a:fld>
-            <a:endParaRPr lang="en-US"/>
+            <a:endParaRPr lang="en-US" dirty="0"/>
           </a:p>
         </p:txBody>
       </p:sp>
@@ -13237,8 +13795,8 @@
               <a:defRPr/>
             </a:pPr>
             <a:r>
-              <a:rPr lang="en-US"/>
-              <a:t>Unit15 - </a:t>
+              <a:rPr lang="en-US" dirty="0"/>
+              <a:t>Unit14 - </a:t>
             </a:r>
             <a:fld id="{2E4790E1-2590-4AEE-892D-AB46A7688113}" type="slidenum">
               <a:rPr lang="en-US" smtClean="0"/>
@@ -13247,7 +13805,7 @@
               </a:pPr>
               <a:t>‹#›</a:t>
             </a:fld>
-            <a:endParaRPr lang="en-US"/>
+            <a:endParaRPr lang="en-US" dirty="0"/>
           </a:p>
         </p:txBody>
       </p:sp>
@@ -13573,8 +14131,8 @@
               <a:defRPr/>
             </a:pPr>
             <a:r>
-              <a:rPr lang="en-US"/>
-              <a:t>Unit15 - </a:t>
+              <a:rPr lang="en-US" dirty="0"/>
+              <a:t>Unit14 - </a:t>
             </a:r>
             <a:fld id="{2E4790E1-2590-4AEE-892D-AB46A7688113}" type="slidenum">
               <a:rPr lang="en-US" smtClean="0"/>
@@ -13583,7 +14141,7 @@
               </a:pPr>
               <a:t>‹#›</a:t>
             </a:fld>
-            <a:endParaRPr lang="en-US"/>
+            <a:endParaRPr lang="en-US" dirty="0"/>
           </a:p>
         </p:txBody>
       </p:sp>
@@ -14057,8 +14615,8 @@
               <a:defRPr/>
             </a:pPr>
             <a:r>
-              <a:rPr lang="en-US"/>
-              <a:t>Unit15 - </a:t>
+              <a:rPr lang="en-US" dirty="0"/>
+              <a:t>Unit14 - </a:t>
             </a:r>
             <a:fld id="{2E4790E1-2590-4AEE-892D-AB46A7688113}" type="slidenum">
               <a:rPr lang="en-US" smtClean="0"/>
@@ -14067,7 +14625,7 @@
               </a:pPr>
               <a:t>‹#›</a:t>
             </a:fld>
-            <a:endParaRPr lang="en-US"/>
+            <a:endParaRPr lang="en-US" dirty="0"/>
           </a:p>
         </p:txBody>
       </p:sp>
@@ -14225,8 +14783,8 @@
               <a:defRPr/>
             </a:pPr>
             <a:r>
-              <a:rPr lang="en-US"/>
-              <a:t>Unit15 - </a:t>
+              <a:rPr lang="en-US" dirty="0"/>
+              <a:t>Unit14 - </a:t>
             </a:r>
             <a:fld id="{2E4790E1-2590-4AEE-892D-AB46A7688113}" type="slidenum">
               <a:rPr lang="en-US" smtClean="0"/>
@@ -14235,7 +14793,7 @@
               </a:pPr>
               <a:t>‹#›</a:t>
             </a:fld>
-            <a:endParaRPr lang="en-US"/>
+            <a:endParaRPr lang="en-US" dirty="0"/>
           </a:p>
         </p:txBody>
       </p:sp>
@@ -14336,8 +14894,8 @@
               <a:defRPr/>
             </a:pPr>
             <a:r>
-              <a:rPr lang="en-US"/>
-              <a:t>Unit15 - </a:t>
+              <a:rPr lang="en-US" dirty="0"/>
+              <a:t>Unit14 - </a:t>
             </a:r>
             <a:fld id="{2E4790E1-2590-4AEE-892D-AB46A7688113}" type="slidenum">
               <a:rPr lang="en-US" smtClean="0"/>
@@ -14346,7 +14904,7 @@
               </a:pPr>
               <a:t>‹#›</a:t>
             </a:fld>
-            <a:endParaRPr lang="en-US"/>
+            <a:endParaRPr lang="en-US" dirty="0"/>
           </a:p>
         </p:txBody>
       </p:sp>
@@ -14629,8 +15187,8 @@
               <a:defRPr/>
             </a:pPr>
             <a:r>
-              <a:rPr lang="en-US"/>
-              <a:t>Unit15 - </a:t>
+              <a:rPr lang="en-US" dirty="0"/>
+              <a:t>Unit14 - </a:t>
             </a:r>
             <a:fld id="{2E4790E1-2590-4AEE-892D-AB46A7688113}" type="slidenum">
               <a:rPr lang="en-US" smtClean="0"/>
@@ -14639,7 +15197,7 @@
               </a:pPr>
               <a:t>‹#›</a:t>
             </a:fld>
-            <a:endParaRPr lang="en-US"/>
+            <a:endParaRPr lang="en-US" dirty="0"/>
           </a:p>
         </p:txBody>
       </p:sp>
@@ -14953,8 +15511,8 @@
               <a:defRPr/>
             </a:pPr>
             <a:r>
-              <a:rPr lang="en-US"/>
-              <a:t>Unit15 - </a:t>
+              <a:rPr lang="en-US" dirty="0"/>
+              <a:t>Unit14 - </a:t>
             </a:r>
             <a:fld id="{2E4790E1-2590-4AEE-892D-AB46A7688113}" type="slidenum">
               <a:rPr lang="en-US" smtClean="0"/>
@@ -14963,7 +15521,7 @@
               </a:pPr>
               <a:t>‹#›</a:t>
             </a:fld>
-            <a:endParaRPr lang="en-US"/>
+            <a:endParaRPr lang="en-US" dirty="0"/>
           </a:p>
         </p:txBody>
       </p:sp>
@@ -15302,8 +15860,8 @@
               <a:defRPr/>
             </a:pPr>
             <a:r>
-              <a:rPr lang="en-US"/>
-              <a:t>Unit15 - </a:t>
+              <a:rPr lang="en-US" dirty="0"/>
+              <a:t>Unit14 - </a:t>
             </a:r>
             <a:fld id="{2E4790E1-2590-4AEE-892D-AB46A7688113}" type="slidenum">
               <a:rPr lang="en-US" smtClean="0"/>
@@ -15312,7 +15870,7 @@
               </a:pPr>
               <a:t>‹#›</a:t>
             </a:fld>
-            <a:endParaRPr lang="en-US"/>
+            <a:endParaRPr lang="en-US" dirty="0"/>
           </a:p>
         </p:txBody>
       </p:sp>
@@ -16120,7 +16678,7 @@
               <a:buChar char="§"/>
               <a:defRPr/>
             </a:pPr>
-            <a:endParaRPr lang="en-US" sz="2800" dirty="0"/>
+            <a:endParaRPr lang="en-US" sz="1200" dirty="0"/>
           </a:p>
           <a:p>
             <a:pPr marL="347663" indent="-347663">
@@ -16310,7 +16868,7 @@
               </a:tabLst>
             </a:pPr>
             <a:r>
-              <a:rPr lang="en-US" sz="2000" b="1">
+              <a:rPr lang="en-US" sz="2000" b="1" dirty="0">
                 <a:solidFill>
                   <a:srgbClr val="0000FF"/>
                 </a:solidFill>
@@ -16320,14 +16878,14 @@
               <a:t>long</a:t>
             </a:r>
             <a:r>
-              <a:rPr lang="en-US" sz="2000" b="1">
+              <a:rPr lang="en-US" sz="2000" b="1" dirty="0">
                 <a:latin typeface="Courier New" panose="02070309020205020404" pitchFamily="49" charset="0"/>
                 <a:cs typeface="Courier New" panose="02070309020205020404" pitchFamily="49" charset="0"/>
               </a:rPr>
               <a:t> a[</a:t>
             </a:r>
             <a:r>
-              <a:rPr lang="en-US" sz="2000" b="1">
+              <a:rPr lang="en-US" sz="2000" b="1" dirty="0">
                 <a:solidFill>
                   <a:srgbClr val="C00000"/>
                 </a:solidFill>
@@ -16337,7 +16895,7 @@
               <a:t>10</a:t>
             </a:r>
             <a:r>
-              <a:rPr lang="en-US" sz="2000" b="1">
+              <a:rPr lang="en-US" sz="2000" b="1" dirty="0">
                 <a:latin typeface="Courier New" panose="02070309020205020404" pitchFamily="49" charset="0"/>
                 <a:cs typeface="Courier New" panose="02070309020205020404" pitchFamily="49" charset="0"/>
               </a:rPr>
@@ -16352,7 +16910,7 @@
               </a:tabLst>
             </a:pPr>
             <a:r>
-              <a:rPr lang="en-US" sz="2000" b="1">
+              <a:rPr lang="en-US" sz="2000" b="1" dirty="0">
                 <a:solidFill>
                   <a:srgbClr val="0000FF"/>
                 </a:solidFill>
@@ -16362,14 +16920,14 @@
               <a:t>for</a:t>
             </a:r>
             <a:r>
-              <a:rPr lang="en-US" sz="2000" b="1">
+              <a:rPr lang="en-US" sz="2000" b="1" dirty="0">
                 <a:latin typeface="Courier New" panose="02070309020205020404" pitchFamily="49" charset="0"/>
                 <a:cs typeface="Courier New" panose="02070309020205020404" pitchFamily="49" charset="0"/>
               </a:rPr>
               <a:t> (</a:t>
             </a:r>
             <a:r>
-              <a:rPr lang="en-US" sz="2000" b="1">
+              <a:rPr lang="en-US" sz="2000" b="1" dirty="0">
                 <a:solidFill>
                   <a:srgbClr val="0000FF"/>
                 </a:solidFill>
@@ -16379,28 +16937,28 @@
               <a:t>long</a:t>
             </a:r>
             <a:r>
-              <a:rPr lang="en-US" sz="2000" b="1">
+              <a:rPr lang="en-US" sz="2000" b="1" dirty="0">
                 <a:latin typeface="Courier New" panose="02070309020205020404" pitchFamily="49" charset="0"/>
                 <a:cs typeface="Courier New" panose="02070309020205020404" pitchFamily="49" charset="0"/>
               </a:rPr>
               <a:t> </a:t>
             </a:r>
             <a:r>
-              <a:rPr lang="en-US" sz="2000" b="1" err="1">
+              <a:rPr lang="en-US" sz="2000" b="1" dirty="0" err="1">
                 <a:latin typeface="Courier New" panose="02070309020205020404" pitchFamily="49" charset="0"/>
                 <a:cs typeface="Courier New" panose="02070309020205020404" pitchFamily="49" charset="0"/>
               </a:rPr>
               <a:t>i</a:t>
             </a:r>
             <a:r>
-              <a:rPr lang="en-US" sz="2000" b="1">
+              <a:rPr lang="en-US" sz="2000" b="1" dirty="0">
                 <a:latin typeface="Courier New" panose="02070309020205020404" pitchFamily="49" charset="0"/>
                 <a:cs typeface="Courier New" panose="02070309020205020404" pitchFamily="49" charset="0"/>
               </a:rPr>
               <a:t> = </a:t>
             </a:r>
             <a:r>
-              <a:rPr lang="en-US" sz="2000" b="1">
+              <a:rPr lang="en-US" sz="2000" b="1" dirty="0">
                 <a:solidFill>
                   <a:srgbClr val="C00000"/>
                 </a:solidFill>
@@ -16410,28 +16968,28 @@
               <a:t>0</a:t>
             </a:r>
             <a:r>
-              <a:rPr lang="en-US" sz="2000" b="1">
+              <a:rPr lang="en-US" sz="2000" b="1" dirty="0">
                 <a:latin typeface="Courier New" panose="02070309020205020404" pitchFamily="49" charset="0"/>
                 <a:cs typeface="Courier New" panose="02070309020205020404" pitchFamily="49" charset="0"/>
               </a:rPr>
               <a:t>; </a:t>
             </a:r>
             <a:r>
-              <a:rPr lang="en-US" sz="2000" b="1" err="1">
+              <a:rPr lang="en-US" sz="2000" b="1" dirty="0" err="1">
                 <a:latin typeface="Courier New" panose="02070309020205020404" pitchFamily="49" charset="0"/>
                 <a:cs typeface="Courier New" panose="02070309020205020404" pitchFamily="49" charset="0"/>
               </a:rPr>
               <a:t>i</a:t>
             </a:r>
             <a:r>
-              <a:rPr lang="en-US" sz="2000" b="1">
+              <a:rPr lang="en-US" sz="2000" b="1" dirty="0">
                 <a:latin typeface="Courier New" panose="02070309020205020404" pitchFamily="49" charset="0"/>
                 <a:cs typeface="Courier New" panose="02070309020205020404" pitchFamily="49" charset="0"/>
               </a:rPr>
               <a:t> &lt;= </a:t>
             </a:r>
             <a:r>
-              <a:rPr lang="en-US" sz="2000" b="1">
+              <a:rPr lang="en-US" sz="2000" b="1" dirty="0">
                 <a:solidFill>
                   <a:srgbClr val="C00000"/>
                 </a:solidFill>
@@ -16441,28 +16999,28 @@
               <a:t>10</a:t>
             </a:r>
             <a:r>
-              <a:rPr lang="en-US" sz="2000" b="1">
+              <a:rPr lang="en-US" sz="2000" b="1" dirty="0">
                 <a:latin typeface="Courier New" panose="02070309020205020404" pitchFamily="49" charset="0"/>
                 <a:cs typeface="Courier New" panose="02070309020205020404" pitchFamily="49" charset="0"/>
               </a:rPr>
               <a:t>; </a:t>
             </a:r>
             <a:r>
-              <a:rPr lang="en-US" sz="2000" b="1" err="1">
+              <a:rPr lang="en-US" sz="2000" b="1" dirty="0" err="1">
                 <a:latin typeface="Courier New" panose="02070309020205020404" pitchFamily="49" charset="0"/>
                 <a:cs typeface="Courier New" panose="02070309020205020404" pitchFamily="49" charset="0"/>
               </a:rPr>
               <a:t>i</a:t>
             </a:r>
             <a:r>
-              <a:rPr lang="en-US" sz="2000" b="1">
+              <a:rPr lang="en-US" sz="2000" b="1" dirty="0">
                 <a:latin typeface="Courier New" panose="02070309020205020404" pitchFamily="49" charset="0"/>
                 <a:cs typeface="Courier New" panose="02070309020205020404" pitchFamily="49" charset="0"/>
               </a:rPr>
               <a:t> += </a:t>
             </a:r>
             <a:r>
-              <a:rPr lang="en-US" sz="2000" b="1">
+              <a:rPr lang="en-US" sz="2000" b="1" dirty="0">
                 <a:solidFill>
                   <a:srgbClr val="C00000"/>
                 </a:solidFill>
@@ -16472,7 +17030,7 @@
               <a:t>1</a:t>
             </a:r>
             <a:r>
-              <a:rPr lang="en-US" sz="2000" b="1">
+              <a:rPr lang="en-US" sz="2000" b="1" dirty="0">
                 <a:latin typeface="Courier New" panose="02070309020205020404" pitchFamily="49" charset="0"/>
                 <a:cs typeface="Courier New" panose="02070309020205020404" pitchFamily="49" charset="0"/>
               </a:rPr>
@@ -16487,28 +17045,28 @@
               </a:tabLst>
             </a:pPr>
             <a:r>
-              <a:rPr lang="en-US" sz="2000" b="1">
+              <a:rPr lang="en-US" sz="2000" b="1" dirty="0">
                 <a:latin typeface="Courier New" panose="02070309020205020404" pitchFamily="49" charset="0"/>
                 <a:cs typeface="Courier New" panose="02070309020205020404" pitchFamily="49" charset="0"/>
               </a:rPr>
               <a:t>  a[</a:t>
             </a:r>
             <a:r>
-              <a:rPr lang="en-US" sz="2000" b="1" err="1">
+              <a:rPr lang="en-US" sz="2000" b="1" dirty="0" err="1">
                 <a:latin typeface="Courier New" panose="02070309020205020404" pitchFamily="49" charset="0"/>
                 <a:cs typeface="Courier New" panose="02070309020205020404" pitchFamily="49" charset="0"/>
               </a:rPr>
               <a:t>i</a:t>
             </a:r>
             <a:r>
-              <a:rPr lang="en-US" sz="2000" b="1">
+              <a:rPr lang="en-US" sz="2000" b="1" dirty="0">
                 <a:latin typeface="Courier New" panose="02070309020205020404" pitchFamily="49" charset="0"/>
                 <a:cs typeface="Courier New" panose="02070309020205020404" pitchFamily="49" charset="0"/>
               </a:rPr>
               <a:t>] = </a:t>
             </a:r>
             <a:r>
-              <a:rPr lang="en-US" sz="2000" b="1">
+              <a:rPr lang="en-US" sz="2000" b="1" dirty="0">
                 <a:solidFill>
                   <a:srgbClr val="C00000"/>
                 </a:solidFill>
@@ -16518,7 +17076,7 @@
               <a:t>1</a:t>
             </a:r>
             <a:r>
-              <a:rPr lang="en-US" sz="2000" b="1">
+              <a:rPr lang="en-US" sz="2000" b="1" dirty="0">
                 <a:latin typeface="Courier New" panose="02070309020205020404" pitchFamily="49" charset="0"/>
                 <a:cs typeface="Courier New" panose="02070309020205020404" pitchFamily="49" charset="0"/>
               </a:rPr>
@@ -16533,7 +17091,7 @@
               </a:tabLst>
             </a:pPr>
             <a:r>
-              <a:rPr lang="en-US" sz="2000" b="1">
+              <a:rPr lang="en-US" sz="2000" b="1" dirty="0">
                 <a:latin typeface="Courier New" panose="02070309020205020404" pitchFamily="49" charset="0"/>
                 <a:cs typeface="Courier New" panose="02070309020205020404" pitchFamily="49" charset="0"/>
               </a:rPr>
@@ -16662,8 +17220,8 @@
               <a:defRPr/>
             </a:pPr>
             <a:r>
-              <a:rPr lang="en-US"/>
-              <a:t>Unit15 - </a:t>
+              <a:rPr lang="en-US" dirty="0"/>
+              <a:t>Unit14 - </a:t>
             </a:r>
             <a:fld id="{2E4790E1-2590-4AEE-892D-AB46A7688113}" type="slidenum">
               <a:rPr lang="en-US" smtClean="0"/>
@@ -16672,7 +17230,7 @@
               </a:pPr>
               <a:t>10</a:t>
             </a:fld>
-            <a:endParaRPr lang="en-US"/>
+            <a:endParaRPr lang="en-US" dirty="0"/>
           </a:p>
         </p:txBody>
       </p:sp>
@@ -16721,7 +17279,7 @@
         </p:nvSpPr>
         <p:spPr>
           <a:xfrm>
-            <a:off x="953559" y="4791924"/>
+            <a:off x="953559" y="4572005"/>
             <a:ext cx="5577870" cy="1631216"/>
           </a:xfrm>
           <a:prstGeom prst="rect">
@@ -17018,7 +17576,7 @@
         </p:nvSpPr>
         <p:spPr>
           <a:xfrm>
-            <a:off x="4578909" y="5896072"/>
+            <a:off x="4578909" y="5676153"/>
             <a:ext cx="3120011" cy="646331"/>
           </a:xfrm>
           <a:prstGeom prst="rect">
@@ -17064,6 +17622,42 @@
           </a:p>
         </p:txBody>
       </p:sp>
+      <p:pic>
+        <p:nvPicPr>
+          <p:cNvPr id="4" name="Picture 3">
+            <a:extLst>
+              <a:ext uri="{FF2B5EF4-FFF2-40B4-BE49-F238E27FC236}">
+                <a16:creationId xmlns:a16="http://schemas.microsoft.com/office/drawing/2014/main" id="{D9CA26A1-74FA-A86C-24ED-95F4F32CC55E}"/>
+              </a:ext>
+            </a:extLst>
+          </p:cNvPr>
+          <p:cNvPicPr>
+            <a:picLocks noChangeAspect="1"/>
+          </p:cNvPicPr>
+          <p:nvPr/>
+        </p:nvPicPr>
+        <p:blipFill>
+          <a:blip r:embed="rId3" cstate="print">
+            <a:extLst>
+              <a:ext uri="{28A0092B-C50C-407E-A947-70E740481C1C}">
+                <a14:useLocalDpi xmlns:a14="http://schemas.microsoft.com/office/drawing/2010/main" val="0"/>
+              </a:ext>
+            </a:extLst>
+          </a:blip>
+          <a:stretch>
+            <a:fillRect/>
+          </a:stretch>
+        </p:blipFill>
+        <p:spPr>
+          <a:xfrm>
+            <a:off x="4001470" y="5605063"/>
+            <a:ext cx="362361" cy="490032"/>
+          </a:xfrm>
+          <a:prstGeom prst="rect">
+            <a:avLst/>
+          </a:prstGeom>
+        </p:spPr>
+      </p:pic>
     </p:spTree>
     <p:extLst>
       <p:ext uri="{BB962C8B-B14F-4D97-AF65-F5344CB8AC3E}">
@@ -17077,6 +17671,234 @@
   <p:transition>
     <p:fade/>
   </p:transition>
+  <p:timing>
+    <p:tnLst>
+      <p:par>
+        <p:cTn id="1" dur="indefinite" restart="never" nodeType="tmRoot">
+          <p:childTnLst>
+            <p:seq concurrent="1" nextAc="seek">
+              <p:cTn id="2" dur="indefinite" nodeType="mainSeq">
+                <p:childTnLst>
+                  <p:par>
+                    <p:cTn id="3" fill="hold">
+                      <p:stCondLst>
+                        <p:cond delay="indefinite"/>
+                      </p:stCondLst>
+                      <p:childTnLst>
+                        <p:par>
+                          <p:cTn id="4" fill="hold">
+                            <p:stCondLst>
+                              <p:cond delay="0"/>
+                            </p:stCondLst>
+                            <p:childTnLst>
+                              <p:par>
+                                <p:cTn id="5" presetID="1" presetClass="entr" presetSubtype="0" fill="hold" grpId="0" nodeType="clickEffect">
+                                  <p:stCondLst>
+                                    <p:cond delay="0"/>
+                                  </p:stCondLst>
+                                  <p:childTnLst>
+                                    <p:set>
+                                      <p:cBhvr>
+                                        <p:cTn id="6" dur="1" fill="hold">
+                                          <p:stCondLst>
+                                            <p:cond delay="0"/>
+                                          </p:stCondLst>
+                                        </p:cTn>
+                                        <p:tgtEl>
+                                          <p:spTgt spid="11"/>
+                                        </p:tgtEl>
+                                        <p:attrNameLst>
+                                          <p:attrName>style.visibility</p:attrName>
+                                        </p:attrNameLst>
+                                      </p:cBhvr>
+                                      <p:to>
+                                        <p:strVal val="visible"/>
+                                      </p:to>
+                                    </p:set>
+                                  </p:childTnLst>
+                                </p:cTn>
+                              </p:par>
+                            </p:childTnLst>
+                          </p:cTn>
+                        </p:par>
+                      </p:childTnLst>
+                    </p:cTn>
+                  </p:par>
+                  <p:par>
+                    <p:cTn id="7" fill="hold">
+                      <p:stCondLst>
+                        <p:cond delay="indefinite"/>
+                      </p:stCondLst>
+                      <p:childTnLst>
+                        <p:par>
+                          <p:cTn id="8" fill="hold">
+                            <p:stCondLst>
+                              <p:cond delay="0"/>
+                            </p:stCondLst>
+                            <p:childTnLst>
+                              <p:par>
+                                <p:cTn id="9" presetID="1" presetClass="entr" presetSubtype="0" fill="hold" nodeType="clickEffect">
+                                  <p:stCondLst>
+                                    <p:cond delay="0"/>
+                                  </p:stCondLst>
+                                  <p:childTnLst>
+                                    <p:set>
+                                      <p:cBhvr>
+                                        <p:cTn id="10" dur="1" fill="hold">
+                                          <p:stCondLst>
+                                            <p:cond delay="0"/>
+                                          </p:stCondLst>
+                                        </p:cTn>
+                                        <p:tgtEl>
+                                          <p:spTgt spid="9">
+                                            <p:txEl>
+                                              <p:pRg st="6" end="6"/>
+                                            </p:txEl>
+                                          </p:spTgt>
+                                        </p:tgtEl>
+                                        <p:attrNameLst>
+                                          <p:attrName>style.visibility</p:attrName>
+                                        </p:attrNameLst>
+                                      </p:cBhvr>
+                                      <p:to>
+                                        <p:strVal val="visible"/>
+                                      </p:to>
+                                    </p:set>
+                                  </p:childTnLst>
+                                </p:cTn>
+                              </p:par>
+                              <p:par>
+                                <p:cTn id="11" presetID="1" presetClass="entr" presetSubtype="0" fill="hold" grpId="0" nodeType="withEffect">
+                                  <p:stCondLst>
+                                    <p:cond delay="0"/>
+                                  </p:stCondLst>
+                                  <p:childTnLst>
+                                    <p:set>
+                                      <p:cBhvr>
+                                        <p:cTn id="12" dur="1" fill="hold">
+                                          <p:stCondLst>
+                                            <p:cond delay="0"/>
+                                          </p:stCondLst>
+                                        </p:cTn>
+                                        <p:tgtEl>
+                                          <p:spTgt spid="7"/>
+                                        </p:tgtEl>
+                                        <p:attrNameLst>
+                                          <p:attrName>style.visibility</p:attrName>
+                                        </p:attrNameLst>
+                                      </p:cBhvr>
+                                      <p:to>
+                                        <p:strVal val="visible"/>
+                                      </p:to>
+                                    </p:set>
+                                  </p:childTnLst>
+                                </p:cTn>
+                              </p:par>
+                              <p:par>
+                                <p:cTn id="13" presetID="1" presetClass="entr" presetSubtype="0" fill="hold" nodeType="withEffect">
+                                  <p:stCondLst>
+                                    <p:cond delay="0"/>
+                                  </p:stCondLst>
+                                  <p:childTnLst>
+                                    <p:set>
+                                      <p:cBhvr>
+                                        <p:cTn id="14" dur="1" fill="hold">
+                                          <p:stCondLst>
+                                            <p:cond delay="0"/>
+                                          </p:stCondLst>
+                                        </p:cTn>
+                                        <p:tgtEl>
+                                          <p:spTgt spid="4"/>
+                                        </p:tgtEl>
+                                        <p:attrNameLst>
+                                          <p:attrName>style.visibility</p:attrName>
+                                        </p:attrNameLst>
+                                      </p:cBhvr>
+                                      <p:to>
+                                        <p:strVal val="visible"/>
+                                      </p:to>
+                                    </p:set>
+                                  </p:childTnLst>
+                                </p:cTn>
+                              </p:par>
+                            </p:childTnLst>
+                          </p:cTn>
+                        </p:par>
+                      </p:childTnLst>
+                    </p:cTn>
+                  </p:par>
+                  <p:par>
+                    <p:cTn id="15" fill="hold">
+                      <p:stCondLst>
+                        <p:cond delay="indefinite"/>
+                      </p:stCondLst>
+                      <p:childTnLst>
+                        <p:par>
+                          <p:cTn id="16" fill="hold">
+                            <p:stCondLst>
+                              <p:cond delay="0"/>
+                            </p:stCondLst>
+                            <p:childTnLst>
+                              <p:par>
+                                <p:cTn id="17" presetID="1" presetClass="entr" presetSubtype="0" fill="hold" grpId="0" nodeType="clickEffect">
+                                  <p:stCondLst>
+                                    <p:cond delay="0"/>
+                                  </p:stCondLst>
+                                  <p:childTnLst>
+                                    <p:set>
+                                      <p:cBhvr>
+                                        <p:cTn id="18" dur="1" fill="hold">
+                                          <p:stCondLst>
+                                            <p:cond delay="0"/>
+                                          </p:stCondLst>
+                                        </p:cTn>
+                                        <p:tgtEl>
+                                          <p:spTgt spid="8"/>
+                                        </p:tgtEl>
+                                        <p:attrNameLst>
+                                          <p:attrName>style.visibility</p:attrName>
+                                        </p:attrNameLst>
+                                      </p:cBhvr>
+                                      <p:to>
+                                        <p:strVal val="visible"/>
+                                      </p:to>
+                                    </p:set>
+                                  </p:childTnLst>
+                                </p:cTn>
+                              </p:par>
+                            </p:childTnLst>
+                          </p:cTn>
+                        </p:par>
+                      </p:childTnLst>
+                    </p:cTn>
+                  </p:par>
+                </p:childTnLst>
+              </p:cTn>
+              <p:prevCondLst>
+                <p:cond evt="onPrev" delay="0">
+                  <p:tgtEl>
+                    <p:sldTgt/>
+                  </p:tgtEl>
+                </p:cond>
+              </p:prevCondLst>
+              <p:nextCondLst>
+                <p:cond evt="onNext" delay="0">
+                  <p:tgtEl>
+                    <p:sldTgt/>
+                  </p:tgtEl>
+                </p:cond>
+              </p:nextCondLst>
+            </p:seq>
+          </p:childTnLst>
+        </p:cTn>
+      </p:par>
+    </p:tnLst>
+    <p:bldLst>
+      <p:bldP spid="11" grpId="0" animBg="1"/>
+      <p:bldP spid="7" grpId="0" animBg="1"/>
+      <p:bldP spid="8" grpId="0" animBg="1"/>
+    </p:bldLst>
+  </p:timing>
 </p:sld>
 </file>
 
@@ -17920,8 +18742,8 @@
               <a:defRPr/>
             </a:pPr>
             <a:r>
-              <a:rPr lang="en-US"/>
-              <a:t>Unit15 - </a:t>
+              <a:rPr lang="en-US" dirty="0"/>
+              <a:t>Unit14 - </a:t>
             </a:r>
             <a:fld id="{2E4790E1-2590-4AEE-892D-AB46A7688113}" type="slidenum">
               <a:rPr lang="en-US" smtClean="0"/>
@@ -17930,7 +18752,7 @@
               </a:pPr>
               <a:t>11</a:t>
             </a:fld>
-            <a:endParaRPr lang="en-US"/>
+            <a:endParaRPr lang="en-US" dirty="0"/>
           </a:p>
         </p:txBody>
       </p:sp>
@@ -18317,6 +19139,51 @@
                                           </p:stCondLst>
                                         </p:cTn>
                                         <p:tgtEl>
+                                          <p:spTgt spid="29"/>
+                                        </p:tgtEl>
+                                        <p:attrNameLst>
+                                          <p:attrName>style.visibility</p:attrName>
+                                        </p:attrNameLst>
+                                      </p:cBhvr>
+                                      <p:to>
+                                        <p:strVal val="visible"/>
+                                      </p:to>
+                                    </p:set>
+                                  </p:childTnLst>
+                                </p:cTn>
+                              </p:par>
+                            </p:childTnLst>
+                          </p:cTn>
+                        </p:par>
+                      </p:childTnLst>
+                    </p:cTn>
+                  </p:par>
+                  <p:par>
+                    <p:cTn id="10" fill="hold">
+                      <p:stCondLst>
+                        <p:cond delay="indefinite"/>
+                      </p:stCondLst>
+                      <p:childTnLst>
+                        <p:par>
+                          <p:cTn id="11" fill="hold">
+                            <p:stCondLst>
+                              <p:cond delay="0"/>
+                            </p:stCondLst>
+                            <p:childTnLst>
+                              <p:par>
+                                <p:cTn id="12" presetID="1" presetClass="entr" presetSubtype="0" fill="hold" grpId="0" nodeType="clickEffect">
+                                  <p:stCondLst>
+                                    <p:cond delay="0"/>
+                                  </p:stCondLst>
+                                  <p:childTnLst>
+                                    <p:set>
+                                      <p:cBhvr>
+                                        <p:cTn id="13" dur="1" fill="hold">
+                                          <p:stCondLst>
+                                            <p:cond delay="0"/>
+                                          </p:stCondLst>
+                                        </p:cTn>
+                                        <p:tgtEl>
                                           <p:spTgt spid="28"/>
                                         </p:tgtEl>
                                         <p:attrNameLst>
@@ -18330,21 +19197,232 @@
                                   </p:childTnLst>
                                 </p:cTn>
                               </p:par>
+                            </p:childTnLst>
+                          </p:cTn>
+                        </p:par>
+                      </p:childTnLst>
+                    </p:cTn>
+                  </p:par>
+                  <p:par>
+                    <p:cTn id="14" fill="hold">
+                      <p:stCondLst>
+                        <p:cond delay="indefinite"/>
+                      </p:stCondLst>
+                      <p:childTnLst>
+                        <p:par>
+                          <p:cTn id="15" fill="hold">
+                            <p:stCondLst>
+                              <p:cond delay="0"/>
+                            </p:stCondLst>
+                            <p:childTnLst>
                               <p:par>
-                                <p:cTn id="10" presetID="1" presetClass="entr" presetSubtype="0" fill="hold" grpId="0" nodeType="withEffect">
+                                <p:cTn id="16" presetID="1" presetClass="entr" presetSubtype="0" fill="hold" nodeType="clickEffect">
                                   <p:stCondLst>
                                     <p:cond delay="0"/>
                                   </p:stCondLst>
                                   <p:childTnLst>
                                     <p:set>
                                       <p:cBhvr>
-                                        <p:cTn id="11" dur="1" fill="hold">
+                                        <p:cTn id="17" dur="1" fill="hold">
                                           <p:stCondLst>
                                             <p:cond delay="0"/>
                                           </p:stCondLst>
                                         </p:cTn>
                                         <p:tgtEl>
-                                          <p:spTgt spid="29"/>
+                                          <p:spTgt spid="9">
+                                            <p:txEl>
+                                              <p:pRg st="4" end="4"/>
+                                            </p:txEl>
+                                          </p:spTgt>
+                                        </p:tgtEl>
+                                        <p:attrNameLst>
+                                          <p:attrName>style.visibility</p:attrName>
+                                        </p:attrNameLst>
+                                      </p:cBhvr>
+                                      <p:to>
+                                        <p:strVal val="visible"/>
+                                      </p:to>
+                                    </p:set>
+                                  </p:childTnLst>
+                                </p:cTn>
+                              </p:par>
+                            </p:childTnLst>
+                          </p:cTn>
+                        </p:par>
+                      </p:childTnLst>
+                    </p:cTn>
+                  </p:par>
+                  <p:par>
+                    <p:cTn id="18" fill="hold">
+                      <p:stCondLst>
+                        <p:cond delay="indefinite"/>
+                      </p:stCondLst>
+                      <p:childTnLst>
+                        <p:par>
+                          <p:cTn id="19" fill="hold">
+                            <p:stCondLst>
+                              <p:cond delay="0"/>
+                            </p:stCondLst>
+                            <p:childTnLst>
+                              <p:par>
+                                <p:cTn id="20" presetID="1" presetClass="entr" presetSubtype="0" fill="hold" grpId="0" nodeType="clickEffect">
+                                  <p:stCondLst>
+                                    <p:cond delay="0"/>
+                                  </p:stCondLst>
+                                  <p:childTnLst>
+                                    <p:set>
+                                      <p:cBhvr>
+                                        <p:cTn id="21" dur="1" fill="hold">
+                                          <p:stCondLst>
+                                            <p:cond delay="0"/>
+                                          </p:stCondLst>
+                                        </p:cTn>
+                                        <p:tgtEl>
+                                          <p:spTgt spid="12"/>
+                                        </p:tgtEl>
+                                        <p:attrNameLst>
+                                          <p:attrName>style.visibility</p:attrName>
+                                        </p:attrNameLst>
+                                      </p:cBhvr>
+                                      <p:to>
+                                        <p:strVal val="visible"/>
+                                      </p:to>
+                                    </p:set>
+                                  </p:childTnLst>
+                                </p:cTn>
+                              </p:par>
+                              <p:par>
+                                <p:cTn id="22" presetID="1" presetClass="entr" presetSubtype="0" fill="hold" nodeType="withEffect">
+                                  <p:stCondLst>
+                                    <p:cond delay="0"/>
+                                  </p:stCondLst>
+                                  <p:childTnLst>
+                                    <p:set>
+                                      <p:cBhvr>
+                                        <p:cTn id="23" dur="1" fill="hold">
+                                          <p:stCondLst>
+                                            <p:cond delay="0"/>
+                                          </p:stCondLst>
+                                        </p:cTn>
+                                        <p:tgtEl>
+                                          <p:spTgt spid="18"/>
+                                        </p:tgtEl>
+                                        <p:attrNameLst>
+                                          <p:attrName>style.visibility</p:attrName>
+                                        </p:attrNameLst>
+                                      </p:cBhvr>
+                                      <p:to>
+                                        <p:strVal val="visible"/>
+                                      </p:to>
+                                    </p:set>
+                                  </p:childTnLst>
+                                </p:cTn>
+                              </p:par>
+                            </p:childTnLst>
+                          </p:cTn>
+                        </p:par>
+                      </p:childTnLst>
+                    </p:cTn>
+                  </p:par>
+                  <p:par>
+                    <p:cTn id="24" fill="hold">
+                      <p:stCondLst>
+                        <p:cond delay="indefinite"/>
+                      </p:stCondLst>
+                      <p:childTnLst>
+                        <p:par>
+                          <p:cTn id="25" fill="hold">
+                            <p:stCondLst>
+                              <p:cond delay="0"/>
+                            </p:stCondLst>
+                            <p:childTnLst>
+                              <p:par>
+                                <p:cTn id="26" presetID="1" presetClass="entr" presetSubtype="0" fill="hold" grpId="0" nodeType="clickEffect">
+                                  <p:stCondLst>
+                                    <p:cond delay="0"/>
+                                  </p:stCondLst>
+                                  <p:childTnLst>
+                                    <p:set>
+                                      <p:cBhvr>
+                                        <p:cTn id="27" dur="1" fill="hold">
+                                          <p:stCondLst>
+                                            <p:cond delay="0"/>
+                                          </p:stCondLst>
+                                        </p:cTn>
+                                        <p:tgtEl>
+                                          <p:spTgt spid="15"/>
+                                        </p:tgtEl>
+                                        <p:attrNameLst>
+                                          <p:attrName>style.visibility</p:attrName>
+                                        </p:attrNameLst>
+                                      </p:cBhvr>
+                                      <p:to>
+                                        <p:strVal val="visible"/>
+                                      </p:to>
+                                    </p:set>
+                                  </p:childTnLst>
+                                </p:cTn>
+                              </p:par>
+                            </p:childTnLst>
+                          </p:cTn>
+                        </p:par>
+                      </p:childTnLst>
+                    </p:cTn>
+                  </p:par>
+                  <p:par>
+                    <p:cTn id="28" fill="hold">
+                      <p:stCondLst>
+                        <p:cond delay="indefinite"/>
+                      </p:stCondLst>
+                      <p:childTnLst>
+                        <p:par>
+                          <p:cTn id="29" fill="hold">
+                            <p:stCondLst>
+                              <p:cond delay="0"/>
+                            </p:stCondLst>
+                            <p:childTnLst>
+                              <p:par>
+                                <p:cTn id="30" presetID="1" presetClass="entr" presetSubtype="0" fill="hold" nodeType="clickEffect">
+                                  <p:stCondLst>
+                                    <p:cond delay="0"/>
+                                  </p:stCondLst>
+                                  <p:childTnLst>
+                                    <p:set>
+                                      <p:cBhvr>
+                                        <p:cTn id="31" dur="1" fill="hold">
+                                          <p:stCondLst>
+                                            <p:cond delay="0"/>
+                                          </p:stCondLst>
+                                        </p:cTn>
+                                        <p:tgtEl>
+                                          <p:spTgt spid="20"/>
+                                        </p:tgtEl>
+                                        <p:attrNameLst>
+                                          <p:attrName>style.visibility</p:attrName>
+                                        </p:attrNameLst>
+                                      </p:cBhvr>
+                                      <p:to>
+                                        <p:strVal val="visible"/>
+                                      </p:to>
+                                    </p:set>
+                                  </p:childTnLst>
+                                </p:cTn>
+                              </p:par>
+                              <p:par>
+                                <p:cTn id="32" presetID="1" presetClass="entr" presetSubtype="0" fill="hold" grpId="0" nodeType="withEffect">
+                                  <p:stCondLst>
+                                    <p:cond delay="0"/>
+                                  </p:stCondLst>
+                                  <p:childTnLst>
+                                    <p:set>
+                                      <p:cBhvr>
+                                        <p:cTn id="33" dur="1" fill="hold">
+                                          <p:stCondLst>
+                                            <p:cond delay="0"/>
+                                          </p:stCondLst>
+                                        </p:cTn>
+                                        <p:tgtEl>
+                                          <p:spTgt spid="17"/>
                                         </p:tgtEl>
                                         <p:attrNameLst>
                                           <p:attrName>style.visibility</p:attrName>
@@ -18385,6 +19463,9 @@
       </p:par>
     </p:tnLst>
     <p:bldLst>
+      <p:bldP spid="12" grpId="0" animBg="1"/>
+      <p:bldP spid="15" grpId="0" animBg="1"/>
+      <p:bldP spid="17" grpId="0" animBg="1"/>
       <p:bldP spid="28" grpId="0" animBg="1"/>
       <p:bldP spid="29" grpId="0" animBg="1"/>
     </p:bldLst>
@@ -21541,8 +22622,8 @@
               <a:defRPr/>
             </a:pPr>
             <a:r>
-              <a:rPr lang="en-US"/>
-              <a:t>Unit15 - </a:t>
+              <a:rPr lang="en-US" dirty="0"/>
+              <a:t>Unit14 - </a:t>
             </a:r>
             <a:fld id="{2E4790E1-2590-4AEE-892D-AB46A7688113}" type="slidenum">
               <a:rPr lang="en-US" smtClean="0"/>
@@ -21551,7 +22632,7 @@
               </a:pPr>
               <a:t>12</a:t>
             </a:fld>
-            <a:endParaRPr lang="en-US"/>
+            <a:endParaRPr lang="en-US" dirty="0"/>
           </a:p>
         </p:txBody>
       </p:sp>
@@ -25278,8 +26359,8 @@
               <a:defRPr/>
             </a:pPr>
             <a:r>
-              <a:rPr lang="en-US"/>
-              <a:t>Unit15 - </a:t>
+              <a:rPr lang="en-US" dirty="0"/>
+              <a:t>Unit14 - </a:t>
             </a:r>
             <a:fld id="{2E4790E1-2590-4AEE-892D-AB46A7688113}" type="slidenum">
               <a:rPr lang="en-US" smtClean="0"/>
@@ -25288,7 +26369,7 @@
               </a:pPr>
               <a:t>13</a:t>
             </a:fld>
-            <a:endParaRPr lang="en-US"/>
+            <a:endParaRPr lang="en-US" dirty="0"/>
           </a:p>
         </p:txBody>
       </p:sp>
@@ -31422,8 +32503,8 @@
               <a:defRPr/>
             </a:pPr>
             <a:r>
-              <a:rPr lang="en-US"/>
-              <a:t>Unit15 - </a:t>
+              <a:rPr lang="en-US" dirty="0"/>
+              <a:t>Unit14 - </a:t>
             </a:r>
             <a:fld id="{2E4790E1-2590-4AEE-892D-AB46A7688113}" type="slidenum">
               <a:rPr lang="en-US" smtClean="0"/>
@@ -31432,7 +32513,7 @@
               </a:pPr>
               <a:t>14</a:t>
             </a:fld>
-            <a:endParaRPr lang="en-US"/>
+            <a:endParaRPr lang="en-US" dirty="0"/>
           </a:p>
         </p:txBody>
       </p:sp>
@@ -32378,8 +33459,8 @@
               <a:defRPr/>
             </a:pPr>
             <a:r>
-              <a:rPr lang="en-US"/>
-              <a:t>Unit15 - </a:t>
+              <a:rPr lang="en-US" dirty="0"/>
+              <a:t>Unit14 - </a:t>
             </a:r>
             <a:fld id="{2E4790E1-2590-4AEE-892D-AB46A7688113}" type="slidenum">
               <a:rPr lang="en-US" smtClean="0"/>
@@ -32388,7 +33469,7 @@
               </a:pPr>
               <a:t>15</a:t>
             </a:fld>
-            <a:endParaRPr lang="en-US"/>
+            <a:endParaRPr lang="en-US" dirty="0"/>
           </a:p>
         </p:txBody>
       </p:sp>
@@ -32517,7 +33598,7 @@
             </a:pPr>
             <a:r>
               <a:rPr lang="en-US" sz="1200" dirty="0"/>
-              <a:t>Unit10</a:t>
+              <a:t>Unit14</a:t>
             </a:r>
             <a:r>
               <a:rPr dirty="0"/>
@@ -33145,8 +34226,8 @@
               <a:defRPr/>
             </a:pPr>
             <a:r>
-              <a:rPr lang="en-US"/>
-              <a:t>Unit15 - </a:t>
+              <a:rPr lang="en-US" dirty="0"/>
+              <a:t>Unit14 - </a:t>
             </a:r>
             <a:fld id="{2E4790E1-2590-4AEE-892D-AB46A7688113}" type="slidenum">
               <a:rPr lang="en-US" smtClean="0"/>
@@ -33155,7 +34236,7 @@
               </a:pPr>
               <a:t>2</a:t>
             </a:fld>
-            <a:endParaRPr lang="en-US"/>
+            <a:endParaRPr lang="en-US" dirty="0"/>
           </a:p>
         </p:txBody>
       </p:sp>
@@ -33207,6 +34288,855 @@
 </file>
 
 <file path=ppt/slides/slide3.xml><?xml version="1.0" encoding="utf-8"?>
+<p:sld xmlns:a="http://schemas.openxmlformats.org/drawingml/2006/main" xmlns:r="http://schemas.openxmlformats.org/officeDocument/2006/relationships" xmlns:p="http://schemas.openxmlformats.org/presentationml/2006/main">
+  <p:cSld>
+    <p:spTree>
+      <p:nvGrpSpPr>
+        <p:cNvPr id="1" name="">
+          <a:extLst>
+            <a:ext uri="{FF2B5EF4-FFF2-40B4-BE49-F238E27FC236}">
+              <a16:creationId xmlns:a16="http://schemas.microsoft.com/office/drawing/2014/main" id="{48C91A66-0DF6-EAAC-3A13-C7AED68A8E5A}"/>
+            </a:ext>
+          </a:extLst>
+        </p:cNvPr>
+        <p:cNvGrpSpPr/>
+        <p:nvPr/>
+      </p:nvGrpSpPr>
+      <p:grpSpPr>
+        <a:xfrm>
+          <a:off x="0" y="0"/>
+          <a:ext cx="0" cy="0"/>
+          <a:chOff x="0" y="0"/>
+          <a:chExt cx="0" cy="0"/>
+        </a:xfrm>
+      </p:grpSpPr>
+      <p:sp>
+        <p:nvSpPr>
+          <p:cNvPr id="14338" name="Rectangle 2">
+            <a:extLst>
+              <a:ext uri="{FF2B5EF4-FFF2-40B4-BE49-F238E27FC236}">
+                <a16:creationId xmlns:a16="http://schemas.microsoft.com/office/drawing/2014/main" id="{9B49EB73-B4C3-DC42-99F8-82C42D3FD873}"/>
+              </a:ext>
+            </a:extLst>
+          </p:cNvPr>
+          <p:cNvSpPr>
+            <a:spLocks noGrp="1" noChangeArrowheads="1"/>
+          </p:cNvSpPr>
+          <p:nvPr>
+            <p:ph type="title"/>
+          </p:nvPr>
+        </p:nvSpPr>
+        <p:spPr>
+          <a:xfrm>
+            <a:off x="533400" y="381000"/>
+            <a:ext cx="8382000" cy="838200"/>
+          </a:xfrm>
+        </p:spPr>
+        <p:txBody>
+          <a:bodyPr>
+            <a:normAutofit/>
+          </a:bodyPr>
+          <a:lstStyle/>
+          <a:p>
+            <a:pPr eaLnBrk="1" hangingPunct="1"/>
+            <a:r>
+              <a:rPr lang="en-GB" sz="3600" dirty="0">
+                <a:solidFill>
+                  <a:srgbClr val="0000FF"/>
+                </a:solidFill>
+              </a:rPr>
+              <a:t>Variables – re-redux</a:t>
+            </a:r>
+          </a:p>
+        </p:txBody>
+      </p:sp>
+      <p:sp>
+        <p:nvSpPr>
+          <p:cNvPr id="56" name="Rectangle 3">
+            <a:extLst>
+              <a:ext uri="{FF2B5EF4-FFF2-40B4-BE49-F238E27FC236}">
+                <a16:creationId xmlns:a16="http://schemas.microsoft.com/office/drawing/2014/main" id="{4FBCE43F-C67B-6223-7E44-C08A44D182C9}"/>
+              </a:ext>
+            </a:extLst>
+          </p:cNvPr>
+          <p:cNvSpPr txBox="1">
+            <a:spLocks noChangeArrowheads="1"/>
+          </p:cNvSpPr>
+          <p:nvPr/>
+        </p:nvSpPr>
+        <p:spPr>
+          <a:xfrm>
+            <a:off x="686898" y="5302573"/>
+            <a:ext cx="8259762" cy="1555427"/>
+          </a:xfrm>
+          <a:prstGeom prst="rect">
+            <a:avLst/>
+          </a:prstGeom>
+        </p:spPr>
+        <p:txBody>
+          <a:bodyPr vert="horz" lIns="91440" tIns="45720" rIns="91440" bIns="45720" rtlCol="0">
+            <a:normAutofit/>
+          </a:bodyPr>
+          <a:lstStyle>
+            <a:lvl1pPr marL="182880" indent="-182880" algn="l" defTabSz="914400" rtl="0" eaLnBrk="1" latinLnBrk="0" hangingPunct="1">
+              <a:spcBef>
+                <a:spcPct val="20000"/>
+              </a:spcBef>
+              <a:buClr>
+                <a:schemeClr val="accent1"/>
+              </a:buClr>
+              <a:buSzPct val="85000"/>
+              <a:buFont typeface="Arial" pitchFamily="34" charset="0"/>
+              <a:buChar char="•"/>
+              <a:defRPr sz="2400" kern="1200">
+                <a:solidFill>
+                  <a:schemeClr val="tx1"/>
+                </a:solidFill>
+                <a:latin typeface="+mn-lt"/>
+                <a:ea typeface="+mn-ea"/>
+                <a:cs typeface="+mn-cs"/>
+              </a:defRPr>
+            </a:lvl1pPr>
+            <a:lvl2pPr marL="457200" indent="-182880" algn="l" defTabSz="914400" rtl="0" eaLnBrk="1" latinLnBrk="0" hangingPunct="1">
+              <a:spcBef>
+                <a:spcPct val="20000"/>
+              </a:spcBef>
+              <a:buClr>
+                <a:schemeClr val="accent1"/>
+              </a:buClr>
+              <a:buSzPct val="85000"/>
+              <a:buFont typeface="Arial" pitchFamily="34" charset="0"/>
+              <a:buChar char="•"/>
+              <a:defRPr sz="2000" kern="1200">
+                <a:solidFill>
+                  <a:schemeClr val="tx1"/>
+                </a:solidFill>
+                <a:latin typeface="+mn-lt"/>
+                <a:ea typeface="+mn-ea"/>
+                <a:cs typeface="+mn-cs"/>
+              </a:defRPr>
+            </a:lvl2pPr>
+            <a:lvl3pPr marL="731520" indent="-182880" algn="l" defTabSz="914400" rtl="0" eaLnBrk="1" latinLnBrk="0" hangingPunct="1">
+              <a:spcBef>
+                <a:spcPct val="20000"/>
+              </a:spcBef>
+              <a:buClr>
+                <a:schemeClr val="accent1"/>
+              </a:buClr>
+              <a:buSzPct val="90000"/>
+              <a:buFont typeface="Arial" pitchFamily="34" charset="0"/>
+              <a:buChar char="•"/>
+              <a:defRPr sz="1800" kern="1200">
+                <a:solidFill>
+                  <a:schemeClr val="tx1"/>
+                </a:solidFill>
+                <a:latin typeface="+mn-lt"/>
+                <a:ea typeface="+mn-ea"/>
+                <a:cs typeface="+mn-cs"/>
+              </a:defRPr>
+            </a:lvl3pPr>
+            <a:lvl4pPr marL="1005840" indent="-182880" algn="l" defTabSz="914400" rtl="0" eaLnBrk="1" latinLnBrk="0" hangingPunct="1">
+              <a:spcBef>
+                <a:spcPct val="20000"/>
+              </a:spcBef>
+              <a:buClr>
+                <a:schemeClr val="accent1"/>
+              </a:buClr>
+              <a:buFont typeface="Arial" pitchFamily="34" charset="0"/>
+              <a:buChar char="•"/>
+              <a:defRPr sz="1600" kern="1200">
+                <a:solidFill>
+                  <a:schemeClr val="tx1"/>
+                </a:solidFill>
+                <a:latin typeface="+mn-lt"/>
+                <a:ea typeface="+mn-ea"/>
+                <a:cs typeface="+mn-cs"/>
+              </a:defRPr>
+            </a:lvl4pPr>
+            <a:lvl5pPr marL="1188720" indent="-137160" algn="l" defTabSz="914400" rtl="0" eaLnBrk="1" latinLnBrk="0" hangingPunct="1">
+              <a:spcBef>
+                <a:spcPct val="20000"/>
+              </a:spcBef>
+              <a:buClr>
+                <a:schemeClr val="accent1"/>
+              </a:buClr>
+              <a:buSzPct val="100000"/>
+              <a:buFont typeface="Arial" pitchFamily="34" charset="0"/>
+              <a:buChar char="•"/>
+              <a:defRPr sz="1400" kern="1200" baseline="0">
+                <a:solidFill>
+                  <a:schemeClr val="tx1"/>
+                </a:solidFill>
+                <a:latin typeface="+mn-lt"/>
+                <a:ea typeface="+mn-ea"/>
+                <a:cs typeface="+mn-cs"/>
+              </a:defRPr>
+            </a:lvl5pPr>
+            <a:lvl6pPr marL="1371600" indent="-182880" algn="l" defTabSz="914400" rtl="0" eaLnBrk="1" latinLnBrk="0" hangingPunct="1">
+              <a:spcBef>
+                <a:spcPct val="20000"/>
+              </a:spcBef>
+              <a:buClr>
+                <a:schemeClr val="accent1"/>
+              </a:buClr>
+              <a:buFont typeface="Arial" pitchFamily="34" charset="0"/>
+              <a:buChar char="•"/>
+              <a:defRPr sz="1300" kern="1200">
+                <a:solidFill>
+                  <a:schemeClr val="tx1"/>
+                </a:solidFill>
+                <a:latin typeface="+mn-lt"/>
+                <a:ea typeface="+mn-ea"/>
+                <a:cs typeface="+mn-cs"/>
+              </a:defRPr>
+            </a:lvl6pPr>
+            <a:lvl7pPr marL="1554480" indent="-182880" algn="l" defTabSz="914400" rtl="0" eaLnBrk="1" latinLnBrk="0" hangingPunct="1">
+              <a:spcBef>
+                <a:spcPct val="20000"/>
+              </a:spcBef>
+              <a:buClr>
+                <a:schemeClr val="accent1"/>
+              </a:buClr>
+              <a:buFont typeface="Arial" pitchFamily="34" charset="0"/>
+              <a:buChar char="•"/>
+              <a:defRPr sz="1300" kern="1200">
+                <a:solidFill>
+                  <a:schemeClr val="tx1"/>
+                </a:solidFill>
+                <a:latin typeface="+mn-lt"/>
+                <a:ea typeface="+mn-ea"/>
+                <a:cs typeface="+mn-cs"/>
+              </a:defRPr>
+            </a:lvl7pPr>
+            <a:lvl8pPr marL="1737360" indent="-182880" algn="l" defTabSz="914400" rtl="0" eaLnBrk="1" latinLnBrk="0" hangingPunct="1">
+              <a:spcBef>
+                <a:spcPct val="20000"/>
+              </a:spcBef>
+              <a:buClr>
+                <a:schemeClr val="accent1"/>
+              </a:buClr>
+              <a:buFont typeface="Arial" pitchFamily="34" charset="0"/>
+              <a:buChar char="•"/>
+              <a:defRPr sz="1300" kern="1200">
+                <a:solidFill>
+                  <a:schemeClr val="tx1"/>
+                </a:solidFill>
+                <a:latin typeface="+mn-lt"/>
+                <a:ea typeface="+mn-ea"/>
+                <a:cs typeface="+mn-cs"/>
+              </a:defRPr>
+            </a:lvl8pPr>
+            <a:lvl9pPr marL="1920240" indent="-182880" algn="l" defTabSz="914400" rtl="0" eaLnBrk="1" latinLnBrk="0" hangingPunct="1">
+              <a:spcBef>
+                <a:spcPct val="20000"/>
+              </a:spcBef>
+              <a:buClr>
+                <a:schemeClr val="accent1"/>
+              </a:buClr>
+              <a:buFont typeface="Arial" pitchFamily="34" charset="0"/>
+              <a:buChar char="•"/>
+              <a:defRPr sz="1300" kern="1200">
+                <a:solidFill>
+                  <a:schemeClr val="tx1"/>
+                </a:solidFill>
+                <a:latin typeface="+mn-lt"/>
+                <a:ea typeface="+mn-ea"/>
+                <a:cs typeface="+mn-cs"/>
+              </a:defRPr>
+            </a:lvl9pPr>
+          </a:lstStyle>
+          <a:p>
+            <a:pPr marL="457200" indent="-457200" fontAlgn="auto">
+              <a:spcAft>
+                <a:spcPts val="0"/>
+              </a:spcAft>
+              <a:buSzPct val="120000"/>
+              <a:buFont typeface="Wingdings" pitchFamily="2" charset="2"/>
+              <a:buNone/>
+            </a:pPr>
+            <a:endParaRPr lang="en-GB" b="1">
+              <a:solidFill>
+                <a:srgbClr val="0000FF"/>
+              </a:solidFill>
+            </a:endParaRPr>
+          </a:p>
+          <a:p>
+            <a:pPr marL="457200" indent="-457200" fontAlgn="auto">
+              <a:spcAft>
+                <a:spcPts val="0"/>
+              </a:spcAft>
+              <a:buSzPct val="120000"/>
+              <a:buFont typeface="Wingdings" pitchFamily="2" charset="2"/>
+              <a:buNone/>
+            </a:pPr>
+            <a:endParaRPr lang="en-GB" b="1">
+              <a:solidFill>
+                <a:srgbClr val="0000FF"/>
+              </a:solidFill>
+            </a:endParaRPr>
+          </a:p>
+          <a:p>
+            <a:pPr marL="457200" indent="-457200" fontAlgn="auto">
+              <a:spcAft>
+                <a:spcPts val="0"/>
+              </a:spcAft>
+              <a:buSzPct val="120000"/>
+              <a:buFont typeface="Wingdings" pitchFamily="2" charset="2"/>
+              <a:buNone/>
+            </a:pPr>
+            <a:endParaRPr lang="en-GB" b="1">
+              <a:solidFill>
+                <a:srgbClr val="0000FF"/>
+              </a:solidFill>
+            </a:endParaRPr>
+          </a:p>
+          <a:p>
+            <a:pPr marL="457200" indent="-457200" fontAlgn="auto">
+              <a:spcAft>
+                <a:spcPts val="0"/>
+              </a:spcAft>
+              <a:buSzPct val="120000"/>
+              <a:buFont typeface="Wingdings" pitchFamily="2" charset="2"/>
+              <a:buNone/>
+            </a:pPr>
+            <a:endParaRPr lang="en-GB" sz="2000">
+              <a:solidFill>
+                <a:srgbClr val="0000FF"/>
+              </a:solidFill>
+            </a:endParaRPr>
+          </a:p>
+        </p:txBody>
+      </p:sp>
+      <p:sp>
+        <p:nvSpPr>
+          <p:cNvPr id="3" name="Slide Number Placeholder 2">
+            <a:extLst>
+              <a:ext uri="{FF2B5EF4-FFF2-40B4-BE49-F238E27FC236}">
+                <a16:creationId xmlns:a16="http://schemas.microsoft.com/office/drawing/2014/main" id="{7CF70437-B74D-1BF3-114C-17C9FB41F1B7}"/>
+              </a:ext>
+            </a:extLst>
+          </p:cNvPr>
+          <p:cNvSpPr>
+            <a:spLocks noGrp="1"/>
+          </p:cNvSpPr>
+          <p:nvPr>
+            <p:ph type="sldNum" sz="quarter" idx="12"/>
+          </p:nvPr>
+        </p:nvSpPr>
+        <p:spPr/>
+        <p:txBody>
+          <a:bodyPr/>
+          <a:lstStyle/>
+          <a:p>
+            <a:pPr>
+              <a:defRPr/>
+            </a:pPr>
+            <a:r>
+              <a:rPr lang="en-US" dirty="0"/>
+              <a:t>Unit14 - </a:t>
+            </a:r>
+            <a:fld id="{2E4790E1-2590-4AEE-892D-AB46A7688113}" type="slidenum">
+              <a:rPr lang="en-US" smtClean="0"/>
+              <a:pPr>
+                <a:defRPr/>
+              </a:pPr>
+              <a:t>3</a:t>
+            </a:fld>
+            <a:endParaRPr lang="en-US" dirty="0"/>
+          </a:p>
+        </p:txBody>
+      </p:sp>
+      <p:sp>
+        <p:nvSpPr>
+          <p:cNvPr id="2" name="Footer Placeholder 1">
+            <a:extLst>
+              <a:ext uri="{FF2B5EF4-FFF2-40B4-BE49-F238E27FC236}">
+                <a16:creationId xmlns:a16="http://schemas.microsoft.com/office/drawing/2014/main" id="{D84F2B7C-53BA-D07A-2045-92DF233BE341}"/>
+              </a:ext>
+            </a:extLst>
+          </p:cNvPr>
+          <p:cNvSpPr>
+            <a:spLocks noGrp="1"/>
+          </p:cNvSpPr>
+          <p:nvPr>
+            <p:ph type="ftr" sz="quarter" idx="11"/>
+          </p:nvPr>
+        </p:nvSpPr>
+        <p:spPr/>
+        <p:txBody>
+          <a:bodyPr/>
+          <a:lstStyle/>
+          <a:p>
+            <a:pPr algn="l">
+              <a:defRPr/>
+            </a:pPr>
+            <a:r>
+              <a:rPr lang="en-US"/>
+              <a:t>CS1010 (AY2023/24 Semester 2)</a:t>
+            </a:r>
+          </a:p>
+        </p:txBody>
+      </p:sp>
+      <p:sp>
+        <p:nvSpPr>
+          <p:cNvPr id="6" name="Content Placeholder 5">
+            <a:extLst>
+              <a:ext uri="{FF2B5EF4-FFF2-40B4-BE49-F238E27FC236}">
+                <a16:creationId xmlns:a16="http://schemas.microsoft.com/office/drawing/2014/main" id="{2393C2B2-B910-A777-54E8-8FB949A08B4C}"/>
+              </a:ext>
+            </a:extLst>
+          </p:cNvPr>
+          <p:cNvSpPr>
+            <a:spLocks noGrp="1"/>
+          </p:cNvSpPr>
+          <p:nvPr>
+            <p:ph idx="1"/>
+          </p:nvPr>
+        </p:nvSpPr>
+        <p:spPr>
+          <a:xfrm>
+            <a:off x="587375" y="1187450"/>
+            <a:ext cx="8292856" cy="5450114"/>
+          </a:xfrm>
+        </p:spPr>
+        <p:txBody>
+          <a:bodyPr>
+            <a:normAutofit/>
+          </a:bodyPr>
+          <a:lstStyle/>
+          <a:p>
+            <a:pPr marL="347663" indent="-347663">
+              <a:spcBef>
+                <a:spcPts val="600"/>
+              </a:spcBef>
+              <a:buClr>
+                <a:schemeClr val="tx1">
+                  <a:lumMod val="90000"/>
+                  <a:lumOff val="10000"/>
+                </a:schemeClr>
+              </a:buClr>
+              <a:buSzPct val="100000"/>
+              <a:buFont typeface="Wingdings" panose="05000000000000000000" pitchFamily="2" charset="2"/>
+              <a:buChar char="§"/>
+              <a:defRPr/>
+            </a:pPr>
+            <a:r>
+              <a:rPr lang="en-US" sz="2800" dirty="0"/>
+              <a:t>What is a</a:t>
+            </a:r>
+            <a:r>
+              <a:rPr lang="en-US" sz="2800" dirty="0">
+                <a:solidFill>
+                  <a:srgbClr val="0000FF"/>
+                </a:solidFill>
+              </a:rPr>
+              <a:t> variable</a:t>
+            </a:r>
+            <a:r>
+              <a:rPr lang="en-US" sz="2800" dirty="0"/>
+              <a:t>? </a:t>
+            </a:r>
+          </a:p>
+          <a:p>
+            <a:pPr marL="621983" lvl="1" indent="-347663">
+              <a:spcBef>
+                <a:spcPts val="600"/>
+              </a:spcBef>
+              <a:buClr>
+                <a:schemeClr val="tx1">
+                  <a:lumMod val="90000"/>
+                  <a:lumOff val="10000"/>
+                </a:schemeClr>
+              </a:buClr>
+              <a:buSzPct val="100000"/>
+              <a:buFont typeface="Wingdings" panose="05000000000000000000" pitchFamily="2" charset="2"/>
+              <a:buChar char="§"/>
+              <a:defRPr/>
+            </a:pPr>
+            <a:r>
+              <a:rPr lang="en-US" sz="2400" dirty="0"/>
+              <a:t>It is used to hold a value (e.g., for input).</a:t>
+            </a:r>
+          </a:p>
+          <a:p>
+            <a:pPr marL="0" indent="0">
+              <a:spcBef>
+                <a:spcPts val="600"/>
+              </a:spcBef>
+              <a:buClr>
+                <a:schemeClr val="tx1">
+                  <a:lumMod val="90000"/>
+                  <a:lumOff val="10000"/>
+                </a:schemeClr>
+              </a:buClr>
+              <a:buSzPct val="100000"/>
+              <a:buNone/>
+              <a:defRPr/>
+            </a:pPr>
+            <a:endParaRPr lang="en-US" dirty="0"/>
+          </a:p>
+          <a:p>
+            <a:pPr marL="347663" indent="-347663">
+              <a:spcBef>
+                <a:spcPts val="600"/>
+              </a:spcBef>
+              <a:buClr>
+                <a:schemeClr val="tx1">
+                  <a:lumMod val="90000"/>
+                  <a:lumOff val="10000"/>
+                </a:schemeClr>
+              </a:buClr>
+              <a:buSzPct val="100000"/>
+              <a:buFont typeface="Wingdings" panose="05000000000000000000" pitchFamily="2" charset="2"/>
+              <a:buChar char="§"/>
+              <a:defRPr/>
+            </a:pPr>
+            <a:r>
+              <a:rPr lang="en-US" sz="2800" dirty="0"/>
+              <a:t>What happens if we need to hold many different values of the same type for processing?</a:t>
+            </a:r>
+          </a:p>
+          <a:p>
+            <a:pPr marL="621983" lvl="1" indent="-347663">
+              <a:spcBef>
+                <a:spcPts val="600"/>
+              </a:spcBef>
+              <a:buClr>
+                <a:schemeClr val="tx1">
+                  <a:lumMod val="90000"/>
+                  <a:lumOff val="10000"/>
+                </a:schemeClr>
+              </a:buClr>
+              <a:buSzPct val="100000"/>
+              <a:buFont typeface="Wingdings" panose="05000000000000000000" pitchFamily="2" charset="2"/>
+              <a:buChar char="§"/>
+              <a:defRPr/>
+            </a:pPr>
+            <a:r>
+              <a:rPr lang="en-US" sz="2400" dirty="0"/>
+              <a:t>E.g.,</a:t>
+            </a:r>
+          </a:p>
+          <a:p>
+            <a:pPr marL="896303" lvl="2" indent="-347663">
+              <a:spcBef>
+                <a:spcPts val="600"/>
+              </a:spcBef>
+              <a:buClr>
+                <a:schemeClr val="tx1">
+                  <a:lumMod val="90000"/>
+                  <a:lumOff val="10000"/>
+                </a:schemeClr>
+              </a:buClr>
+              <a:buSzPct val="100000"/>
+              <a:buFont typeface="Wingdings" panose="05000000000000000000" pitchFamily="2" charset="2"/>
+              <a:buChar char="§"/>
+              <a:defRPr/>
+            </a:pPr>
+            <a:r>
+              <a:rPr lang="en-US" sz="2200" dirty="0"/>
+              <a:t>Marks of a class of 100 students</a:t>
+            </a:r>
+          </a:p>
+          <a:p>
+            <a:pPr marL="896303" lvl="2" indent="-347663">
+              <a:spcBef>
+                <a:spcPts val="600"/>
+              </a:spcBef>
+              <a:buClr>
+                <a:schemeClr val="tx1">
+                  <a:lumMod val="90000"/>
+                  <a:lumOff val="10000"/>
+                </a:schemeClr>
+              </a:buClr>
+              <a:buSzPct val="100000"/>
+              <a:buFont typeface="Wingdings" panose="05000000000000000000" pitchFamily="2" charset="2"/>
+              <a:buChar char="§"/>
+              <a:defRPr/>
+            </a:pPr>
+            <a:r>
+              <a:rPr lang="en-US" sz="2200" dirty="0"/>
+              <a:t>Number of days in each month</a:t>
+            </a:r>
+          </a:p>
+          <a:p>
+            <a:pPr marL="896303" lvl="2" indent="-347663">
+              <a:spcBef>
+                <a:spcPts val="600"/>
+              </a:spcBef>
+              <a:buClr>
+                <a:schemeClr val="tx1">
+                  <a:lumMod val="90000"/>
+                  <a:lumOff val="10000"/>
+                </a:schemeClr>
+              </a:buClr>
+              <a:buSzPct val="100000"/>
+              <a:buFont typeface="Wingdings" panose="05000000000000000000" pitchFamily="2" charset="2"/>
+              <a:buChar char="§"/>
+              <a:defRPr/>
+            </a:pPr>
+            <a:r>
+              <a:rPr lang="en-US" sz="2200" dirty="0"/>
+              <a:t>Postal codes in Singapore</a:t>
+            </a:r>
+          </a:p>
+          <a:p>
+            <a:pPr marL="896303" lvl="2" indent="-347663">
+              <a:spcBef>
+                <a:spcPts val="600"/>
+              </a:spcBef>
+              <a:buClr>
+                <a:schemeClr val="tx1">
+                  <a:lumMod val="90000"/>
+                  <a:lumOff val="10000"/>
+                </a:schemeClr>
+              </a:buClr>
+              <a:buSzPct val="100000"/>
+              <a:buFont typeface="Wingdings" panose="05000000000000000000" pitchFamily="2" charset="2"/>
+              <a:buChar char="§"/>
+              <a:defRPr/>
+            </a:pPr>
+            <a:endParaRPr lang="en-US" sz="2200" dirty="0"/>
+          </a:p>
+          <a:p>
+            <a:pPr marL="896303" lvl="2" indent="-347663">
+              <a:spcBef>
+                <a:spcPts val="600"/>
+              </a:spcBef>
+              <a:buClr>
+                <a:schemeClr val="tx1">
+                  <a:lumMod val="90000"/>
+                  <a:lumOff val="10000"/>
+                </a:schemeClr>
+              </a:buClr>
+              <a:buSzPct val="100000"/>
+              <a:buFont typeface="Wingdings" panose="05000000000000000000" pitchFamily="2" charset="2"/>
+              <a:buChar char="§"/>
+              <a:defRPr/>
+            </a:pPr>
+            <a:endParaRPr lang="en-US" sz="2200" dirty="0"/>
+          </a:p>
+          <a:p>
+            <a:pPr marL="896303" lvl="2" indent="-347663">
+              <a:spcBef>
+                <a:spcPts val="600"/>
+              </a:spcBef>
+              <a:buClr>
+                <a:schemeClr val="tx1">
+                  <a:lumMod val="90000"/>
+                  <a:lumOff val="10000"/>
+                </a:schemeClr>
+              </a:buClr>
+              <a:buSzPct val="100000"/>
+              <a:buFont typeface="Wingdings" panose="05000000000000000000" pitchFamily="2" charset="2"/>
+              <a:buChar char="§"/>
+              <a:defRPr/>
+            </a:pPr>
+            <a:endParaRPr lang="en-US" sz="2200" dirty="0"/>
+          </a:p>
+          <a:p>
+            <a:pPr marL="896303" lvl="2" indent="-347663">
+              <a:spcBef>
+                <a:spcPts val="600"/>
+              </a:spcBef>
+              <a:buClr>
+                <a:schemeClr val="tx1">
+                  <a:lumMod val="90000"/>
+                  <a:lumOff val="10000"/>
+                </a:schemeClr>
+              </a:buClr>
+              <a:buSzPct val="100000"/>
+              <a:buFont typeface="Wingdings" panose="05000000000000000000" pitchFamily="2" charset="2"/>
+              <a:buChar char="§"/>
+              <a:defRPr/>
+            </a:pPr>
+            <a:endParaRPr lang="en-US" sz="2200" dirty="0"/>
+          </a:p>
+          <a:p>
+            <a:pPr marL="896303" lvl="2" indent="-347663">
+              <a:spcBef>
+                <a:spcPts val="600"/>
+              </a:spcBef>
+              <a:buClr>
+                <a:schemeClr val="tx1">
+                  <a:lumMod val="90000"/>
+                  <a:lumOff val="10000"/>
+                </a:schemeClr>
+              </a:buClr>
+              <a:buSzPct val="100000"/>
+              <a:buFont typeface="Wingdings" panose="05000000000000000000" pitchFamily="2" charset="2"/>
+              <a:buChar char="§"/>
+              <a:defRPr/>
+            </a:pPr>
+            <a:endParaRPr lang="en-US" sz="2200" dirty="0"/>
+          </a:p>
+          <a:p>
+            <a:pPr marL="347663" indent="-347663">
+              <a:spcBef>
+                <a:spcPts val="600"/>
+              </a:spcBef>
+              <a:buClr>
+                <a:schemeClr val="tx1">
+                  <a:lumMod val="90000"/>
+                  <a:lumOff val="10000"/>
+                </a:schemeClr>
+              </a:buClr>
+              <a:buSzPct val="100000"/>
+              <a:buFont typeface="Wingdings" panose="05000000000000000000" pitchFamily="2" charset="2"/>
+              <a:buChar char="§"/>
+              <a:defRPr/>
+            </a:pPr>
+            <a:endParaRPr lang="en-US" sz="2800" dirty="0"/>
+          </a:p>
+        </p:txBody>
+      </p:sp>
+      <p:sp>
+        <p:nvSpPr>
+          <p:cNvPr id="13" name="Rectangle 12">
+            <a:extLst>
+              <a:ext uri="{FF2B5EF4-FFF2-40B4-BE49-F238E27FC236}">
+                <a16:creationId xmlns:a16="http://schemas.microsoft.com/office/drawing/2014/main" id="{C41E1242-7B60-F88F-FF0B-0EB5EA9726A2}"/>
+              </a:ext>
+            </a:extLst>
+          </p:cNvPr>
+          <p:cNvSpPr/>
+          <p:nvPr/>
+        </p:nvSpPr>
+        <p:spPr>
+          <a:xfrm>
+            <a:off x="6749597" y="3524172"/>
+            <a:ext cx="889485" cy="416741"/>
+          </a:xfrm>
+          <a:prstGeom prst="rect">
+            <a:avLst/>
+          </a:prstGeom>
+          <a:solidFill>
+            <a:schemeClr val="bg1"/>
+          </a:solidFill>
+          <a:ln>
+            <a:noFill/>
+          </a:ln>
+        </p:spPr>
+        <p:style>
+          <a:lnRef idx="2">
+            <a:schemeClr val="accent1">
+              <a:shade val="50000"/>
+            </a:schemeClr>
+          </a:lnRef>
+          <a:fillRef idx="1">
+            <a:schemeClr val="accent1"/>
+          </a:fillRef>
+          <a:effectRef idx="0">
+            <a:schemeClr val="accent1"/>
+          </a:effectRef>
+          <a:fontRef idx="minor">
+            <a:schemeClr val="lt1"/>
+          </a:fontRef>
+        </p:style>
+        <p:txBody>
+          <a:bodyPr rtlCol="0" anchor="ctr"/>
+          <a:lstStyle/>
+          <a:p>
+            <a:pPr algn="ctr"/>
+            <a:endParaRPr lang="en-US" dirty="0"/>
+          </a:p>
+        </p:txBody>
+      </p:sp>
+    </p:spTree>
+    <p:extLst>
+      <p:ext uri="{BB962C8B-B14F-4D97-AF65-F5344CB8AC3E}">
+        <p14:creationId xmlns:p14="http://schemas.microsoft.com/office/powerpoint/2010/main" val="1839518406"/>
+      </p:ext>
+    </p:extLst>
+  </p:cSld>
+  <p:clrMapOvr>
+    <a:masterClrMapping/>
+  </p:clrMapOvr>
+  <p:transition>
+    <p:fade/>
+  </p:transition>
+  <p:timing>
+    <p:tnLst>
+      <p:par>
+        <p:cTn id="1" dur="indefinite" restart="never" nodeType="tmRoot">
+          <p:childTnLst>
+            <p:seq concurrent="1" nextAc="seek">
+              <p:cTn id="2" dur="indefinite" nodeType="mainSeq">
+                <p:childTnLst>
+                  <p:par>
+                    <p:cTn id="3" fill="hold">
+                      <p:stCondLst>
+                        <p:cond delay="indefinite"/>
+                      </p:stCondLst>
+                      <p:childTnLst>
+                        <p:par>
+                          <p:cTn id="4" fill="hold">
+                            <p:stCondLst>
+                              <p:cond delay="0"/>
+                            </p:stCondLst>
+                            <p:childTnLst>
+                              <p:par>
+                                <p:cTn id="5" presetID="1" presetClass="exit" presetSubtype="0" fill="hold" grpId="0" nodeType="clickEffect">
+                                  <p:stCondLst>
+                                    <p:cond delay="0"/>
+                                  </p:stCondLst>
+                                  <p:childTnLst>
+                                    <p:set>
+                                      <p:cBhvr>
+                                        <p:cTn id="6" dur="1" fill="hold">
+                                          <p:stCondLst>
+                                            <p:cond delay="0"/>
+                                          </p:stCondLst>
+                                        </p:cTn>
+                                        <p:tgtEl>
+                                          <p:spTgt spid="13"/>
+                                        </p:tgtEl>
+                                        <p:attrNameLst>
+                                          <p:attrName>style.visibility</p:attrName>
+                                        </p:attrNameLst>
+                                      </p:cBhvr>
+                                      <p:to>
+                                        <p:strVal val="hidden"/>
+                                      </p:to>
+                                    </p:set>
+                                  </p:childTnLst>
+                                </p:cTn>
+                              </p:par>
+                            </p:childTnLst>
+                          </p:cTn>
+                        </p:par>
+                      </p:childTnLst>
+                    </p:cTn>
+                  </p:par>
+                </p:childTnLst>
+              </p:cTn>
+              <p:prevCondLst>
+                <p:cond evt="onPrev" delay="0">
+                  <p:tgtEl>
+                    <p:sldTgt/>
+                  </p:tgtEl>
+                </p:cond>
+              </p:prevCondLst>
+              <p:nextCondLst>
+                <p:cond evt="onNext" delay="0">
+                  <p:tgtEl>
+                    <p:sldTgt/>
+                  </p:tgtEl>
+                </p:cond>
+              </p:nextCondLst>
+            </p:seq>
+          </p:childTnLst>
+        </p:cTn>
+      </p:par>
+    </p:tnLst>
+    <p:bldLst>
+      <p:bldP spid="13" grpId="0" animBg="1"/>
+    </p:bldLst>
+  </p:timing>
+</p:sld>
+</file>
+
+<file path=ppt/slides/slide4.xml><?xml version="1.0" encoding="utf-8"?>
 <p:sld xmlns:a="http://schemas.openxmlformats.org/drawingml/2006/main" xmlns:r="http://schemas.openxmlformats.org/officeDocument/2006/relationships" xmlns:p="http://schemas.openxmlformats.org/presentationml/2006/main">
   <p:cSld>
     <p:spTree>
@@ -36404,17 +38334,17 @@
               <a:defRPr/>
             </a:pPr>
             <a:r>
-              <a:rPr lang="en-US"/>
-              <a:t>Unit15 - </a:t>
+              <a:rPr lang="en-US" dirty="0"/>
+              <a:t>Unit14 - </a:t>
             </a:r>
             <a:fld id="{2E4790E1-2590-4AEE-892D-AB46A7688113}" type="slidenum">
               <a:rPr lang="en-US" smtClean="0"/>
               <a:pPr>
                 <a:defRPr/>
               </a:pPr>
-              <a:t>3</a:t>
+              <a:t>4</a:t>
             </a:fld>
-            <a:endParaRPr lang="en-US"/>
+            <a:endParaRPr lang="en-US" dirty="0"/>
           </a:p>
         </p:txBody>
       </p:sp>
@@ -36727,7 +38657,7 @@
 </p:sld>
 </file>
 
-<file path=ppt/slides/slide4.xml><?xml version="1.0" encoding="utf-8"?>
+<file path=ppt/slides/slide5.xml><?xml version="1.0" encoding="utf-8"?>
 <p:sld xmlns:a="http://schemas.openxmlformats.org/drawingml/2006/main" xmlns:r="http://schemas.openxmlformats.org/officeDocument/2006/relationships" xmlns:p="http://schemas.openxmlformats.org/presentationml/2006/main">
   <p:cSld>
     <p:spTree>
@@ -38755,17 +40685,17 @@
               <a:defRPr/>
             </a:pPr>
             <a:r>
-              <a:rPr lang="en-US"/>
-              <a:t>Unit15 - </a:t>
+              <a:rPr lang="en-US" dirty="0"/>
+              <a:t>Unit14 - </a:t>
             </a:r>
             <a:fld id="{2E4790E1-2590-4AEE-892D-AB46A7688113}" type="slidenum">
               <a:rPr lang="en-US" smtClean="0"/>
               <a:pPr>
                 <a:defRPr/>
               </a:pPr>
-              <a:t>4</a:t>
+              <a:t>5</a:t>
             </a:fld>
-            <a:endParaRPr lang="en-US"/>
+            <a:endParaRPr lang="en-US" dirty="0"/>
           </a:p>
         </p:txBody>
       </p:sp>
@@ -38816,7 +40746,7 @@
 </p:sld>
 </file>
 
-<file path=ppt/slides/slide5.xml><?xml version="1.0" encoding="utf-8"?>
+<file path=ppt/slides/slide6.xml><?xml version="1.0" encoding="utf-8"?>
 <p:sld xmlns:a="http://schemas.openxmlformats.org/drawingml/2006/main" xmlns:r="http://schemas.openxmlformats.org/officeDocument/2006/relationships" xmlns:p="http://schemas.openxmlformats.org/presentationml/2006/main">
   <p:cSld>
     <p:spTree>
@@ -40935,17 +42865,17 @@
               <a:defRPr/>
             </a:pPr>
             <a:r>
-              <a:rPr lang="en-US"/>
-              <a:t>Unit15 - </a:t>
+              <a:rPr lang="en-US" dirty="0"/>
+              <a:t>Unit14 - </a:t>
             </a:r>
             <a:fld id="{2E4790E1-2590-4AEE-892D-AB46A7688113}" type="slidenum">
               <a:rPr lang="en-US" smtClean="0"/>
               <a:pPr>
                 <a:defRPr/>
               </a:pPr>
-              <a:t>5</a:t>
+              <a:t>6</a:t>
             </a:fld>
-            <a:endParaRPr lang="en-US"/>
+            <a:endParaRPr lang="en-US" dirty="0"/>
           </a:p>
         </p:txBody>
       </p:sp>
@@ -41102,7 +43032,7 @@
 </p:sld>
 </file>
 
-<file path=ppt/slides/slide6.xml><?xml version="1.0" encoding="utf-8"?>
+<file path=ppt/slides/slide7.xml><?xml version="1.0" encoding="utf-8"?>
 <p:sld xmlns:a="http://schemas.openxmlformats.org/drawingml/2006/main" xmlns:r="http://schemas.openxmlformats.org/officeDocument/2006/relationships" xmlns:p="http://schemas.openxmlformats.org/presentationml/2006/main">
   <p:cSld>
     <p:spTree>
@@ -41374,7 +43304,7 @@
               </a:tabLst>
             </a:pPr>
             <a:r>
-              <a:rPr lang="en-US" sz="2000" b="1">
+              <a:rPr lang="en-US" sz="2000" b="1" dirty="0">
                 <a:solidFill>
                   <a:srgbClr val="0000FF"/>
                 </a:solidFill>
@@ -41384,14 +43314,14 @@
               <a:t>long</a:t>
             </a:r>
             <a:r>
-              <a:rPr lang="en-US" sz="2000" b="1">
+              <a:rPr lang="en-US" sz="2000" b="1" dirty="0">
                 <a:latin typeface="Courier New" panose="02070309020205020404" pitchFamily="49" charset="0"/>
                 <a:cs typeface="Courier New" panose="02070309020205020404" pitchFamily="49" charset="0"/>
               </a:rPr>
               <a:t> days(</a:t>
             </a:r>
             <a:r>
-              <a:rPr lang="en-US" sz="2000" b="1">
+              <a:rPr lang="en-US" sz="2000" b="1" dirty="0">
                 <a:solidFill>
                   <a:srgbClr val="0000FF"/>
                 </a:solidFill>
@@ -41401,7 +43331,7 @@
               <a:t>long</a:t>
             </a:r>
             <a:r>
-              <a:rPr lang="en-US" sz="2000" b="1">
+              <a:rPr lang="en-US" sz="2000" b="1" dirty="0">
                 <a:latin typeface="Courier New" panose="02070309020205020404" pitchFamily="49" charset="0"/>
                 <a:cs typeface="Courier New" panose="02070309020205020404" pitchFamily="49" charset="0"/>
               </a:rPr>
@@ -41416,7 +43346,7 @@
               </a:tabLst>
             </a:pPr>
             <a:r>
-              <a:rPr lang="en-US" sz="2000" b="1">
+              <a:rPr lang="en-US" sz="2000" b="1" dirty="0">
                 <a:latin typeface="Courier New" panose="02070309020205020404" pitchFamily="49" charset="0"/>
                 <a:cs typeface="Courier New" panose="02070309020205020404" pitchFamily="49" charset="0"/>
               </a:rPr>
@@ -41431,14 +43361,14 @@
               </a:tabLst>
             </a:pPr>
             <a:r>
-              <a:rPr lang="en-US" sz="2000" b="1">
+              <a:rPr lang="en-US" sz="2000" b="1" dirty="0">
                 <a:latin typeface="Courier New" panose="02070309020205020404" pitchFamily="49" charset="0"/>
                 <a:cs typeface="Courier New" panose="02070309020205020404" pitchFamily="49" charset="0"/>
               </a:rPr>
               <a:t>  </a:t>
             </a:r>
             <a:r>
-              <a:rPr lang="en-US" sz="2000" b="1">
+              <a:rPr lang="en-US" sz="2000" b="1" dirty="0">
                 <a:solidFill>
                   <a:srgbClr val="0000FF"/>
                 </a:solidFill>
@@ -41448,28 +43378,28 @@
               <a:t>long</a:t>
             </a:r>
             <a:r>
-              <a:rPr lang="en-US" sz="2000" b="1">
+              <a:rPr lang="en-US" sz="2000" b="1" dirty="0">
                 <a:latin typeface="Courier New" panose="02070309020205020404" pitchFamily="49" charset="0"/>
                 <a:cs typeface="Courier New" panose="02070309020205020404" pitchFamily="49" charset="0"/>
               </a:rPr>
               <a:t> </a:t>
             </a:r>
             <a:r>
-              <a:rPr lang="en-US" sz="2000" b="1" err="1">
+              <a:rPr lang="en-US" sz="2000" b="1" dirty="0" err="1">
                 <a:latin typeface="Courier New" panose="02070309020205020404" pitchFamily="49" charset="0"/>
                 <a:cs typeface="Courier New" panose="02070309020205020404" pitchFamily="49" charset="0"/>
               </a:rPr>
               <a:t>days_since</a:t>
             </a:r>
             <a:r>
-              <a:rPr lang="en-US" sz="2000" b="1">
+              <a:rPr lang="en-US" sz="2000" b="1" dirty="0">
                 <a:latin typeface="Courier New" panose="02070309020205020404" pitchFamily="49" charset="0"/>
                 <a:cs typeface="Courier New" panose="02070309020205020404" pitchFamily="49" charset="0"/>
               </a:rPr>
               <a:t> = </a:t>
             </a:r>
             <a:r>
-              <a:rPr lang="en-US" sz="2000" b="1">
+              <a:rPr lang="en-US" sz="2000" b="1" dirty="0">
                 <a:solidFill>
                   <a:srgbClr val="C00000"/>
                 </a:solidFill>
@@ -41479,7 +43409,7 @@
               <a:t>0</a:t>
             </a:r>
             <a:r>
-              <a:rPr lang="en-US" sz="2000" b="1">
+              <a:rPr lang="en-US" sz="2000" b="1" dirty="0">
                 <a:latin typeface="Courier New" panose="02070309020205020404" pitchFamily="49" charset="0"/>
                 <a:cs typeface="Courier New" panose="02070309020205020404" pitchFamily="49" charset="0"/>
               </a:rPr>
@@ -41494,14 +43424,14 @@
               </a:tabLst>
             </a:pPr>
             <a:r>
-              <a:rPr lang="en-US" sz="2000" b="1">
+              <a:rPr lang="en-US" sz="2000" b="1" dirty="0">
                 <a:latin typeface="Courier New" panose="02070309020205020404" pitchFamily="49" charset="0"/>
                 <a:cs typeface="Courier New" panose="02070309020205020404" pitchFamily="49" charset="0"/>
               </a:rPr>
               <a:t>  </a:t>
             </a:r>
             <a:r>
-              <a:rPr lang="en-US" sz="2000" b="1">
+              <a:rPr lang="en-US" sz="2000" b="1" dirty="0">
                 <a:solidFill>
                   <a:srgbClr val="0000FF"/>
                 </a:solidFill>
@@ -41511,14 +43441,14 @@
               <a:t>if</a:t>
             </a:r>
             <a:r>
-              <a:rPr lang="en-US" sz="2000" b="1">
+              <a:rPr lang="en-US" sz="2000" b="1" dirty="0">
                 <a:latin typeface="Courier New" panose="02070309020205020404" pitchFamily="49" charset="0"/>
                 <a:cs typeface="Courier New" panose="02070309020205020404" pitchFamily="49" charset="0"/>
               </a:rPr>
               <a:t> (month == </a:t>
             </a:r>
             <a:r>
-              <a:rPr lang="en-US" sz="2000" b="1">
+              <a:rPr lang="en-US" sz="2000" b="1" dirty="0">
                 <a:solidFill>
                   <a:srgbClr val="C00000"/>
                 </a:solidFill>
@@ -41528,7 +43458,7 @@
               <a:t>2</a:t>
             </a:r>
             <a:r>
-              <a:rPr lang="en-US" sz="2000" b="1">
+              <a:rPr lang="en-US" sz="2000" b="1" dirty="0">
                 <a:latin typeface="Courier New" panose="02070309020205020404" pitchFamily="49" charset="0"/>
                 <a:cs typeface="Courier New" panose="02070309020205020404" pitchFamily="49" charset="0"/>
               </a:rPr>
@@ -41543,28 +43473,28 @@
               </a:tabLst>
             </a:pPr>
             <a:r>
-              <a:rPr lang="en-US" sz="2000" b="1">
+              <a:rPr lang="en-US" sz="2000" b="1" dirty="0">
                 <a:latin typeface="Courier New" panose="02070309020205020404" pitchFamily="49" charset="0"/>
                 <a:cs typeface="Courier New" panose="02070309020205020404" pitchFamily="49" charset="0"/>
               </a:rPr>
               <a:t>    </a:t>
             </a:r>
             <a:r>
-              <a:rPr lang="en-US" sz="2000" b="1" err="1">
+              <a:rPr lang="en-US" sz="2000" b="1" dirty="0" err="1">
                 <a:latin typeface="Courier New" panose="02070309020205020404" pitchFamily="49" charset="0"/>
                 <a:cs typeface="Courier New" panose="02070309020205020404" pitchFamily="49" charset="0"/>
               </a:rPr>
               <a:t>days_since</a:t>
             </a:r>
             <a:r>
-              <a:rPr lang="en-US" sz="2000" b="1">
+              <a:rPr lang="en-US" sz="2000" b="1" dirty="0">
                 <a:latin typeface="Courier New" panose="02070309020205020404" pitchFamily="49" charset="0"/>
                 <a:cs typeface="Courier New" panose="02070309020205020404" pitchFamily="49" charset="0"/>
               </a:rPr>
               <a:t> = </a:t>
             </a:r>
             <a:r>
-              <a:rPr lang="en-US" sz="2000" b="1">
+              <a:rPr lang="en-US" sz="2000" b="1" dirty="0">
                 <a:solidFill>
                   <a:srgbClr val="C00000"/>
                 </a:solidFill>
@@ -41574,7 +43504,7 @@
               <a:t>31</a:t>
             </a:r>
             <a:r>
-              <a:rPr lang="en-US" sz="2000" b="1">
+              <a:rPr lang="en-US" sz="2000" b="1" dirty="0">
                 <a:latin typeface="Courier New" panose="02070309020205020404" pitchFamily="49" charset="0"/>
                 <a:cs typeface="Courier New" panose="02070309020205020404" pitchFamily="49" charset="0"/>
               </a:rPr>
@@ -41589,14 +43519,14 @@
               </a:tabLst>
             </a:pPr>
             <a:r>
-              <a:rPr lang="en-US" sz="2000" b="1">
+              <a:rPr lang="en-US" sz="2000" b="1" dirty="0">
                 <a:latin typeface="Courier New" panose="02070309020205020404" pitchFamily="49" charset="0"/>
                 <a:cs typeface="Courier New" panose="02070309020205020404" pitchFamily="49" charset="0"/>
               </a:rPr>
               <a:t>  } </a:t>
             </a:r>
             <a:r>
-              <a:rPr lang="en-US" sz="2000" b="1">
+              <a:rPr lang="en-US" sz="2000" b="1" dirty="0">
                 <a:solidFill>
                   <a:srgbClr val="0000FF"/>
                 </a:solidFill>
@@ -41606,14 +43536,14 @@
               <a:t>else if </a:t>
             </a:r>
             <a:r>
-              <a:rPr lang="en-US" sz="2000" b="1">
+              <a:rPr lang="en-US" sz="2000" b="1" dirty="0">
                 <a:latin typeface="Courier New" panose="02070309020205020404" pitchFamily="49" charset="0"/>
                 <a:cs typeface="Courier New" panose="02070309020205020404" pitchFamily="49" charset="0"/>
               </a:rPr>
               <a:t>(month == </a:t>
             </a:r>
             <a:r>
-              <a:rPr lang="en-US" sz="2000" b="1">
+              <a:rPr lang="en-US" sz="2000" b="1" dirty="0">
                 <a:solidFill>
                   <a:srgbClr val="C00000"/>
                 </a:solidFill>
@@ -41623,7 +43553,7 @@
               <a:t>3</a:t>
             </a:r>
             <a:r>
-              <a:rPr lang="en-US" sz="2000" b="1">
+              <a:rPr lang="en-US" sz="2000" b="1" dirty="0">
                 <a:latin typeface="Courier New" panose="02070309020205020404" pitchFamily="49" charset="0"/>
                 <a:cs typeface="Courier New" panose="02070309020205020404" pitchFamily="49" charset="0"/>
               </a:rPr>
@@ -41638,28 +43568,28 @@
               </a:tabLst>
             </a:pPr>
             <a:r>
-              <a:rPr lang="en-US" sz="2000" b="1">
+              <a:rPr lang="en-US" sz="2000" b="1" dirty="0">
                 <a:latin typeface="Courier New" panose="02070309020205020404" pitchFamily="49" charset="0"/>
                 <a:cs typeface="Courier New" panose="02070309020205020404" pitchFamily="49" charset="0"/>
               </a:rPr>
               <a:t>    </a:t>
             </a:r>
             <a:r>
-              <a:rPr lang="en-US" sz="2000" b="1" err="1">
+              <a:rPr lang="en-US" sz="2000" b="1" dirty="0" err="1">
                 <a:latin typeface="Courier New" panose="02070309020205020404" pitchFamily="49" charset="0"/>
                 <a:cs typeface="Courier New" panose="02070309020205020404" pitchFamily="49" charset="0"/>
               </a:rPr>
               <a:t>days_since</a:t>
             </a:r>
             <a:r>
-              <a:rPr lang="en-US" sz="2000" b="1">
+              <a:rPr lang="en-US" sz="2000" b="1" dirty="0">
                 <a:latin typeface="Courier New" panose="02070309020205020404" pitchFamily="49" charset="0"/>
                 <a:cs typeface="Courier New" panose="02070309020205020404" pitchFamily="49" charset="0"/>
               </a:rPr>
               <a:t> = </a:t>
             </a:r>
             <a:r>
-              <a:rPr lang="en-US" sz="2000" b="1">
+              <a:rPr lang="en-US" sz="2000" b="1" dirty="0">
                 <a:solidFill>
                   <a:srgbClr val="C00000"/>
                 </a:solidFill>
@@ -41669,14 +43599,14 @@
               <a:t>31</a:t>
             </a:r>
             <a:r>
-              <a:rPr lang="en-US" sz="2000" b="1">
+              <a:rPr lang="en-US" sz="2000" b="1" dirty="0">
                 <a:latin typeface="Courier New" panose="02070309020205020404" pitchFamily="49" charset="0"/>
                 <a:cs typeface="Courier New" panose="02070309020205020404" pitchFamily="49" charset="0"/>
               </a:rPr>
               <a:t> + </a:t>
             </a:r>
             <a:r>
-              <a:rPr lang="en-US" sz="2000" b="1">
+              <a:rPr lang="en-US" sz="2000" b="1" dirty="0">
                 <a:solidFill>
                   <a:srgbClr val="C00000"/>
                 </a:solidFill>
@@ -41686,7 +43616,7 @@
               <a:t>28</a:t>
             </a:r>
             <a:r>
-              <a:rPr lang="en-US" sz="2000" b="1">
+              <a:rPr lang="en-US" sz="2000" b="1" dirty="0">
                 <a:latin typeface="Courier New" panose="02070309020205020404" pitchFamily="49" charset="0"/>
                 <a:cs typeface="Courier New" panose="02070309020205020404" pitchFamily="49" charset="0"/>
               </a:rPr>
@@ -41701,14 +43631,14 @@
               </a:tabLst>
             </a:pPr>
             <a:r>
-              <a:rPr lang="en-US" sz="2000" b="1">
+              <a:rPr lang="en-US" sz="2000" b="1" dirty="0">
                 <a:latin typeface="Courier New" panose="02070309020205020404" pitchFamily="49" charset="0"/>
                 <a:cs typeface="Courier New" panose="02070309020205020404" pitchFamily="49" charset="0"/>
               </a:rPr>
               <a:t>  } </a:t>
             </a:r>
             <a:r>
-              <a:rPr lang="en-US" sz="2000" b="1">
+              <a:rPr lang="en-US" sz="2000" b="1" dirty="0">
                 <a:solidFill>
                   <a:srgbClr val="0000FF"/>
                 </a:solidFill>
@@ -41718,14 +43648,14 @@
               <a:t>else if</a:t>
             </a:r>
             <a:r>
-              <a:rPr lang="en-US" sz="2000" b="1">
+              <a:rPr lang="en-US" sz="2000" b="1" dirty="0">
                 <a:latin typeface="Courier New" panose="02070309020205020404" pitchFamily="49" charset="0"/>
                 <a:cs typeface="Courier New" panose="02070309020205020404" pitchFamily="49" charset="0"/>
               </a:rPr>
               <a:t> (month == </a:t>
             </a:r>
             <a:r>
-              <a:rPr lang="en-US" sz="2000" b="1">
+              <a:rPr lang="en-US" sz="2000" b="1" dirty="0">
                 <a:solidFill>
                   <a:srgbClr val="C00000"/>
                 </a:solidFill>
@@ -41735,7 +43665,7 @@
               <a:t>4</a:t>
             </a:r>
             <a:r>
-              <a:rPr lang="en-US" sz="2000" b="1">
+              <a:rPr lang="en-US" sz="2000" b="1" dirty="0">
                 <a:latin typeface="Courier New" panose="02070309020205020404" pitchFamily="49" charset="0"/>
                 <a:cs typeface="Courier New" panose="02070309020205020404" pitchFamily="49" charset="0"/>
               </a:rPr>
@@ -41750,28 +43680,28 @@
               </a:tabLst>
             </a:pPr>
             <a:r>
-              <a:rPr lang="en-US" sz="2000" b="1">
+              <a:rPr lang="en-US" sz="2000" b="1" dirty="0">
                 <a:latin typeface="Courier New" panose="02070309020205020404" pitchFamily="49" charset="0"/>
                 <a:cs typeface="Courier New" panose="02070309020205020404" pitchFamily="49" charset="0"/>
               </a:rPr>
               <a:t>    </a:t>
             </a:r>
             <a:r>
-              <a:rPr lang="en-US" sz="2000" b="1" err="1">
+              <a:rPr lang="en-US" sz="2000" b="1" dirty="0" err="1">
                 <a:latin typeface="Courier New" panose="02070309020205020404" pitchFamily="49" charset="0"/>
                 <a:cs typeface="Courier New" panose="02070309020205020404" pitchFamily="49" charset="0"/>
               </a:rPr>
               <a:t>days_since</a:t>
             </a:r>
             <a:r>
-              <a:rPr lang="en-US" sz="2000" b="1">
+              <a:rPr lang="en-US" sz="2000" b="1" dirty="0">
                 <a:latin typeface="Courier New" panose="02070309020205020404" pitchFamily="49" charset="0"/>
                 <a:cs typeface="Courier New" panose="02070309020205020404" pitchFamily="49" charset="0"/>
               </a:rPr>
               <a:t> = </a:t>
             </a:r>
             <a:r>
-              <a:rPr lang="en-US" sz="2000" b="1">
+              <a:rPr lang="en-US" sz="2000" b="1" dirty="0">
                 <a:solidFill>
                   <a:srgbClr val="C00000"/>
                 </a:solidFill>
@@ -41781,14 +43711,14 @@
               <a:t>31</a:t>
             </a:r>
             <a:r>
-              <a:rPr lang="en-US" sz="2000" b="1">
+              <a:rPr lang="en-US" sz="2000" b="1" dirty="0">
                 <a:latin typeface="Courier New" panose="02070309020205020404" pitchFamily="49" charset="0"/>
                 <a:cs typeface="Courier New" panose="02070309020205020404" pitchFamily="49" charset="0"/>
               </a:rPr>
               <a:t> + </a:t>
             </a:r>
             <a:r>
-              <a:rPr lang="en-US" sz="2000" b="1">
+              <a:rPr lang="en-US" sz="2000" b="1" dirty="0">
                 <a:solidFill>
                   <a:srgbClr val="C00000"/>
                 </a:solidFill>
@@ -41798,14 +43728,14 @@
               <a:t>28</a:t>
             </a:r>
             <a:r>
-              <a:rPr lang="en-US" sz="2000" b="1">
+              <a:rPr lang="en-US" sz="2000" b="1" dirty="0">
                 <a:latin typeface="Courier New" panose="02070309020205020404" pitchFamily="49" charset="0"/>
                 <a:cs typeface="Courier New" panose="02070309020205020404" pitchFamily="49" charset="0"/>
               </a:rPr>
               <a:t> + </a:t>
             </a:r>
             <a:r>
-              <a:rPr lang="en-US" sz="2000" b="1">
+              <a:rPr lang="en-US" sz="2000" b="1" dirty="0">
                 <a:solidFill>
                   <a:srgbClr val="C00000"/>
                 </a:solidFill>
@@ -41815,7 +43745,7 @@
               <a:t>31</a:t>
             </a:r>
             <a:r>
-              <a:rPr lang="en-US" sz="2000" b="1">
+              <a:rPr lang="en-US" sz="2000" b="1" dirty="0">
                 <a:latin typeface="Courier New" panose="02070309020205020404" pitchFamily="49" charset="0"/>
                 <a:cs typeface="Courier New" panose="02070309020205020404" pitchFamily="49" charset="0"/>
               </a:rPr>
@@ -41830,11 +43760,21 @@
               </a:tabLst>
             </a:pPr>
             <a:r>
-              <a:rPr lang="en-US" sz="2000" b="1">
+              <a:rPr lang="en-US" sz="2000" b="1" dirty="0">
                 <a:latin typeface="Courier New" panose="02070309020205020404" pitchFamily="49" charset="0"/>
                 <a:cs typeface="Courier New" panose="02070309020205020404" pitchFamily="49" charset="0"/>
               </a:rPr>
-              <a:t>  } … // 8 more cases</a:t>
+              <a:t>  } … </a:t>
+            </a:r>
+            <a:r>
+              <a:rPr lang="en-US" sz="2000" b="1" dirty="0">
+                <a:solidFill>
+                  <a:srgbClr val="006600"/>
+                </a:solidFill>
+                <a:latin typeface="Courier New" panose="02070309020205020404" pitchFamily="49" charset="0"/>
+                <a:cs typeface="Courier New" panose="02070309020205020404" pitchFamily="49" charset="0"/>
+              </a:rPr>
+              <a:t>// 8 more cases</a:t>
             </a:r>
           </a:p>
           <a:p>
@@ -41845,14 +43785,14 @@
               </a:tabLst>
             </a:pPr>
             <a:r>
-              <a:rPr lang="en-US" sz="2000" b="1">
+              <a:rPr lang="en-US" sz="2000" b="1" dirty="0">
                 <a:latin typeface="Courier New" panose="02070309020205020404" pitchFamily="49" charset="0"/>
                 <a:cs typeface="Courier New" panose="02070309020205020404" pitchFamily="49" charset="0"/>
               </a:rPr>
               <a:t>  </a:t>
             </a:r>
             <a:r>
-              <a:rPr lang="en-US" sz="2000" b="1">
+              <a:rPr lang="en-US" sz="2000" b="1" dirty="0">
                 <a:solidFill>
                   <a:srgbClr val="0000FF"/>
                 </a:solidFill>
@@ -41862,21 +43802,21 @@
               <a:t>return</a:t>
             </a:r>
             <a:r>
-              <a:rPr lang="en-US" sz="2000" b="1">
+              <a:rPr lang="en-US" sz="2000" b="1" dirty="0">
                 <a:latin typeface="Courier New" panose="02070309020205020404" pitchFamily="49" charset="0"/>
                 <a:cs typeface="Courier New" panose="02070309020205020404" pitchFamily="49" charset="0"/>
               </a:rPr>
               <a:t> </a:t>
             </a:r>
             <a:r>
-              <a:rPr lang="en-US" sz="2000" b="1" err="1">
+              <a:rPr lang="en-US" sz="2000" b="1" dirty="0" err="1">
                 <a:latin typeface="Courier New" panose="02070309020205020404" pitchFamily="49" charset="0"/>
                 <a:cs typeface="Courier New" panose="02070309020205020404" pitchFamily="49" charset="0"/>
               </a:rPr>
               <a:t>days_since</a:t>
             </a:r>
             <a:r>
-              <a:rPr lang="en-US" sz="2000" b="1">
+              <a:rPr lang="en-US" sz="2000" b="1" dirty="0">
                 <a:latin typeface="Courier New" panose="02070309020205020404" pitchFamily="49" charset="0"/>
                 <a:cs typeface="Courier New" panose="02070309020205020404" pitchFamily="49" charset="0"/>
               </a:rPr>
@@ -41891,7 +43831,7 @@
               </a:tabLst>
             </a:pPr>
             <a:r>
-              <a:rPr lang="en-US" sz="2000" b="1">
+              <a:rPr lang="en-US" sz="2000" b="1" dirty="0">
                 <a:latin typeface="Courier New" panose="02070309020205020404" pitchFamily="49" charset="0"/>
                 <a:cs typeface="Courier New" panose="02070309020205020404" pitchFamily="49" charset="0"/>
               </a:rPr>
@@ -41925,17 +43865,17 @@
               <a:defRPr/>
             </a:pPr>
             <a:r>
-              <a:rPr lang="en-US"/>
-              <a:t>Unit15 - </a:t>
+              <a:rPr lang="en-US" dirty="0"/>
+              <a:t>Unit14 - </a:t>
             </a:r>
             <a:fld id="{2E4790E1-2590-4AEE-892D-AB46A7688113}" type="slidenum">
               <a:rPr lang="en-US" smtClean="0"/>
               <a:pPr>
                 <a:defRPr/>
               </a:pPr>
-              <a:t>6</a:t>
+              <a:t>7</a:t>
             </a:fld>
-            <a:endParaRPr lang="en-US"/>
+            <a:endParaRPr lang="en-US" dirty="0"/>
           </a:p>
         </p:txBody>
       </p:sp>
@@ -41986,7 +43926,7 @@
 </p:sld>
 </file>
 
-<file path=ppt/slides/slide7.xml><?xml version="1.0" encoding="utf-8"?>
+<file path=ppt/slides/slide8.xml><?xml version="1.0" encoding="utf-8"?>
 <p:sld xmlns:a="http://schemas.openxmlformats.org/drawingml/2006/main" xmlns:r="http://schemas.openxmlformats.org/officeDocument/2006/relationships" xmlns:p="http://schemas.openxmlformats.org/presentationml/2006/main">
   <p:cSld>
     <p:spTree>
@@ -42258,7 +44198,7 @@
               </a:tabLst>
             </a:pPr>
             <a:r>
-              <a:rPr lang="en-US" sz="2000" b="1">
+              <a:rPr lang="en-US" sz="2000" b="1" dirty="0">
                 <a:solidFill>
                   <a:srgbClr val="0000FF"/>
                 </a:solidFill>
@@ -42268,14 +44208,14 @@
               <a:t>long</a:t>
             </a:r>
             <a:r>
-              <a:rPr lang="en-US" sz="2000" b="1">
+              <a:rPr lang="en-US" sz="2000" b="1" dirty="0">
                 <a:latin typeface="Courier New" panose="02070309020205020404" pitchFamily="49" charset="0"/>
                 <a:cs typeface="Courier New" panose="02070309020205020404" pitchFamily="49" charset="0"/>
               </a:rPr>
               <a:t> days(</a:t>
             </a:r>
             <a:r>
-              <a:rPr lang="en-US" sz="2000" b="1">
+              <a:rPr lang="en-US" sz="2000" b="1" dirty="0">
                 <a:solidFill>
                   <a:srgbClr val="0000FF"/>
                 </a:solidFill>
@@ -42285,7 +44225,7 @@
               <a:t>long </a:t>
             </a:r>
             <a:r>
-              <a:rPr lang="en-US" sz="2000" b="1">
+              <a:rPr lang="en-US" sz="2000" b="1" dirty="0">
                 <a:latin typeface="Courier New" panose="02070309020205020404" pitchFamily="49" charset="0"/>
                 <a:cs typeface="Courier New" panose="02070309020205020404" pitchFamily="49" charset="0"/>
               </a:rPr>
@@ -42300,7 +44240,7 @@
               </a:tabLst>
             </a:pPr>
             <a:r>
-              <a:rPr lang="en-US" sz="2000" b="1">
+              <a:rPr lang="en-US" sz="2000" b="1" dirty="0">
                 <a:latin typeface="Courier New" panose="02070309020205020404" pitchFamily="49" charset="0"/>
                 <a:cs typeface="Courier New" panose="02070309020205020404" pitchFamily="49" charset="0"/>
               </a:rPr>
@@ -42315,14 +44255,14 @@
               </a:tabLst>
             </a:pPr>
             <a:r>
-              <a:rPr lang="en-US" sz="2000" b="1">
+              <a:rPr lang="en-US" sz="2000" b="1" dirty="0">
                 <a:latin typeface="Courier New" panose="02070309020205020404" pitchFamily="49" charset="0"/>
                 <a:cs typeface="Courier New" panose="02070309020205020404" pitchFamily="49" charset="0"/>
               </a:rPr>
               <a:t>  </a:t>
             </a:r>
             <a:r>
-              <a:rPr lang="en-US" sz="2000" b="1">
+              <a:rPr lang="en-US" sz="2000" b="1" dirty="0">
                 <a:solidFill>
                   <a:srgbClr val="0000FF"/>
                 </a:solidFill>
@@ -42332,28 +44272,28 @@
               <a:t>long</a:t>
             </a:r>
             <a:r>
-              <a:rPr lang="en-US" sz="2000" b="1">
+              <a:rPr lang="en-US" sz="2000" b="1" dirty="0">
                 <a:latin typeface="Courier New" panose="02070309020205020404" pitchFamily="49" charset="0"/>
                 <a:cs typeface="Courier New" panose="02070309020205020404" pitchFamily="49" charset="0"/>
               </a:rPr>
               <a:t> </a:t>
             </a:r>
             <a:r>
-              <a:rPr lang="en-US" sz="2000" b="1" err="1">
+              <a:rPr lang="en-US" sz="2000" b="1" dirty="0" err="1">
                 <a:latin typeface="Courier New" panose="02070309020205020404" pitchFamily="49" charset="0"/>
                 <a:cs typeface="Courier New" panose="02070309020205020404" pitchFamily="49" charset="0"/>
               </a:rPr>
               <a:t>days_in_month</a:t>
             </a:r>
             <a:r>
-              <a:rPr lang="en-US" sz="2000" b="1">
+              <a:rPr lang="en-US" sz="2000" b="1" dirty="0">
                 <a:latin typeface="Courier New" panose="02070309020205020404" pitchFamily="49" charset="0"/>
                 <a:cs typeface="Courier New" panose="02070309020205020404" pitchFamily="49" charset="0"/>
               </a:rPr>
               <a:t>[</a:t>
             </a:r>
             <a:r>
-              <a:rPr lang="en-US" sz="2000" b="1">
+              <a:rPr lang="en-US" sz="2000" b="1" dirty="0">
                 <a:solidFill>
                   <a:srgbClr val="C00000"/>
                 </a:solidFill>
@@ -42363,14 +44303,14 @@
               <a:t>12</a:t>
             </a:r>
             <a:r>
-              <a:rPr lang="en-US" sz="2000" b="1">
+              <a:rPr lang="en-US" sz="2000" b="1" dirty="0">
                 <a:latin typeface="Courier New" panose="02070309020205020404" pitchFamily="49" charset="0"/>
                 <a:cs typeface="Courier New" panose="02070309020205020404" pitchFamily="49" charset="0"/>
               </a:rPr>
               <a:t>] = {</a:t>
             </a:r>
             <a:r>
-              <a:rPr lang="en-US" sz="2000" b="1">
+              <a:rPr lang="en-US" sz="2000" b="1" dirty="0">
                 <a:solidFill>
                   <a:srgbClr val="C00000"/>
                 </a:solidFill>
@@ -42380,14 +44320,14 @@
               <a:t>31</a:t>
             </a:r>
             <a:r>
-              <a:rPr lang="en-US" sz="2000" b="1">
+              <a:rPr lang="en-US" sz="2000" b="1" dirty="0">
                 <a:latin typeface="Courier New" panose="02070309020205020404" pitchFamily="49" charset="0"/>
                 <a:cs typeface="Courier New" panose="02070309020205020404" pitchFamily="49" charset="0"/>
               </a:rPr>
               <a:t>,</a:t>
             </a:r>
             <a:r>
-              <a:rPr lang="en-US" sz="2000" b="1">
+              <a:rPr lang="en-US" sz="2000" b="1" dirty="0">
                 <a:solidFill>
                   <a:srgbClr val="C00000"/>
                 </a:solidFill>
@@ -42397,14 +44337,14 @@
               <a:t> 28</a:t>
             </a:r>
             <a:r>
-              <a:rPr lang="en-US" sz="2000" b="1">
+              <a:rPr lang="en-US" sz="2000" b="1" dirty="0">
                 <a:latin typeface="Courier New" panose="02070309020205020404" pitchFamily="49" charset="0"/>
                 <a:cs typeface="Courier New" panose="02070309020205020404" pitchFamily="49" charset="0"/>
               </a:rPr>
               <a:t>,</a:t>
             </a:r>
             <a:r>
-              <a:rPr lang="en-US" sz="2000" b="1">
+              <a:rPr lang="en-US" sz="2000" b="1" dirty="0">
                 <a:solidFill>
                   <a:srgbClr val="C00000"/>
                 </a:solidFill>
@@ -42414,14 +44354,14 @@
               <a:t> 31</a:t>
             </a:r>
             <a:r>
-              <a:rPr lang="en-US" sz="2000" b="1">
+              <a:rPr lang="en-US" sz="2000" b="1" dirty="0">
                 <a:latin typeface="Courier New" panose="02070309020205020404" pitchFamily="49" charset="0"/>
                 <a:cs typeface="Courier New" panose="02070309020205020404" pitchFamily="49" charset="0"/>
               </a:rPr>
               <a:t>,</a:t>
             </a:r>
             <a:r>
-              <a:rPr lang="en-US" sz="2000" b="1">
+              <a:rPr lang="en-US" sz="2000" b="1" dirty="0">
                 <a:solidFill>
                   <a:srgbClr val="C00000"/>
                 </a:solidFill>
@@ -42431,14 +44371,14 @@
               <a:t> 30</a:t>
             </a:r>
             <a:r>
-              <a:rPr lang="en-US" sz="2000" b="1">
+              <a:rPr lang="en-US" sz="2000" b="1" dirty="0">
                 <a:latin typeface="Courier New" panose="02070309020205020404" pitchFamily="49" charset="0"/>
                 <a:cs typeface="Courier New" panose="02070309020205020404" pitchFamily="49" charset="0"/>
               </a:rPr>
               <a:t>,</a:t>
             </a:r>
             <a:r>
-              <a:rPr lang="en-US" sz="2000" b="1">
+              <a:rPr lang="en-US" sz="2000" b="1" dirty="0">
                 <a:solidFill>
                   <a:srgbClr val="C00000"/>
                 </a:solidFill>
@@ -42448,14 +44388,14 @@
               <a:t> 31</a:t>
             </a:r>
             <a:r>
-              <a:rPr lang="en-US" sz="2000" b="1">
+              <a:rPr lang="en-US" sz="2000" b="1" dirty="0">
                 <a:latin typeface="Courier New" panose="02070309020205020404" pitchFamily="49" charset="0"/>
                 <a:cs typeface="Courier New" panose="02070309020205020404" pitchFamily="49" charset="0"/>
               </a:rPr>
               <a:t>,</a:t>
             </a:r>
             <a:r>
-              <a:rPr lang="en-US" sz="2000" b="1">
+              <a:rPr lang="en-US" sz="2000" b="1" dirty="0">
                 <a:solidFill>
                   <a:srgbClr val="C00000"/>
                 </a:solidFill>
@@ -42465,14 +44405,14 @@
               <a:t> 30</a:t>
             </a:r>
             <a:r>
-              <a:rPr lang="en-US" sz="2000" b="1">
+              <a:rPr lang="en-US" sz="2000" b="1" dirty="0">
                 <a:latin typeface="Courier New" panose="02070309020205020404" pitchFamily="49" charset="0"/>
                 <a:cs typeface="Courier New" panose="02070309020205020404" pitchFamily="49" charset="0"/>
               </a:rPr>
               <a:t>,</a:t>
             </a:r>
             <a:r>
-              <a:rPr lang="en-US" sz="2000" b="1">
+              <a:rPr lang="en-US" sz="2000" b="1" dirty="0">
                 <a:solidFill>
                   <a:srgbClr val="C00000"/>
                 </a:solidFill>
@@ -42482,14 +44422,14 @@
               <a:t> 31</a:t>
             </a:r>
             <a:r>
-              <a:rPr lang="en-US" sz="2000" b="1">
+              <a:rPr lang="en-US" sz="2000" b="1" dirty="0">
                 <a:latin typeface="Courier New" panose="02070309020205020404" pitchFamily="49" charset="0"/>
                 <a:cs typeface="Courier New" panose="02070309020205020404" pitchFamily="49" charset="0"/>
               </a:rPr>
               <a:t>,</a:t>
             </a:r>
             <a:r>
-              <a:rPr lang="en-US" sz="2000" b="1">
+              <a:rPr lang="en-US" sz="2000" b="1" dirty="0">
                 <a:solidFill>
                   <a:srgbClr val="C00000"/>
                 </a:solidFill>
@@ -42499,14 +44439,14 @@
               <a:t> 31</a:t>
             </a:r>
             <a:r>
-              <a:rPr lang="en-US" sz="2000" b="1">
+              <a:rPr lang="en-US" sz="2000" b="1" dirty="0">
                 <a:latin typeface="Courier New" panose="02070309020205020404" pitchFamily="49" charset="0"/>
                 <a:cs typeface="Courier New" panose="02070309020205020404" pitchFamily="49" charset="0"/>
               </a:rPr>
               <a:t>,</a:t>
             </a:r>
             <a:r>
-              <a:rPr lang="en-US" sz="2000" b="1">
+              <a:rPr lang="en-US" sz="2000" b="1" dirty="0">
                 <a:solidFill>
                   <a:srgbClr val="C00000"/>
                 </a:solidFill>
@@ -42516,14 +44456,14 @@
               <a:t> 30</a:t>
             </a:r>
             <a:r>
-              <a:rPr lang="en-US" sz="2000" b="1">
+              <a:rPr lang="en-US" sz="2000" b="1" dirty="0">
                 <a:latin typeface="Courier New" panose="02070309020205020404" pitchFamily="49" charset="0"/>
                 <a:cs typeface="Courier New" panose="02070309020205020404" pitchFamily="49" charset="0"/>
               </a:rPr>
               <a:t>,</a:t>
             </a:r>
             <a:r>
-              <a:rPr lang="en-US" sz="2000" b="1">
+              <a:rPr lang="en-US" sz="2000" b="1" dirty="0">
                 <a:solidFill>
                   <a:srgbClr val="C00000"/>
                 </a:solidFill>
@@ -42533,14 +44473,14 @@
               <a:t> 31</a:t>
             </a:r>
             <a:r>
-              <a:rPr lang="en-US" sz="2000" b="1">
+              <a:rPr lang="en-US" sz="2000" b="1" dirty="0">
                 <a:latin typeface="Courier New" panose="02070309020205020404" pitchFamily="49" charset="0"/>
                 <a:cs typeface="Courier New" panose="02070309020205020404" pitchFamily="49" charset="0"/>
               </a:rPr>
               <a:t>,</a:t>
             </a:r>
             <a:r>
-              <a:rPr lang="en-US" sz="2000" b="1">
+              <a:rPr lang="en-US" sz="2000" b="1" dirty="0">
                 <a:solidFill>
                   <a:srgbClr val="C00000"/>
                 </a:solidFill>
@@ -42550,14 +44490,14 @@
               <a:t> 30</a:t>
             </a:r>
             <a:r>
-              <a:rPr lang="en-US" sz="2000" b="1">
+              <a:rPr lang="en-US" sz="2000" b="1" dirty="0">
                 <a:latin typeface="Courier New" panose="02070309020205020404" pitchFamily="49" charset="0"/>
                 <a:cs typeface="Courier New" panose="02070309020205020404" pitchFamily="49" charset="0"/>
               </a:rPr>
               <a:t>,</a:t>
             </a:r>
             <a:r>
-              <a:rPr lang="en-US" sz="2000" b="1">
+              <a:rPr lang="en-US" sz="2000" b="1" dirty="0">
                 <a:solidFill>
                   <a:srgbClr val="C00000"/>
                 </a:solidFill>
@@ -42567,7 +44507,7 @@
               <a:t> 31</a:t>
             </a:r>
             <a:r>
-              <a:rPr lang="en-US" sz="2000" b="1">
+              <a:rPr lang="en-US" sz="2000" b="1" dirty="0">
                 <a:latin typeface="Courier New" panose="02070309020205020404" pitchFamily="49" charset="0"/>
                 <a:cs typeface="Courier New" panose="02070309020205020404" pitchFamily="49" charset="0"/>
               </a:rPr>
@@ -42581,7 +44521,7 @@
                 <a:tab pos="620713" algn="l"/>
               </a:tabLst>
             </a:pPr>
-            <a:endParaRPr lang="en-US" sz="2000" b="1">
+            <a:endParaRPr lang="en-US" sz="2000" b="1" dirty="0">
               <a:latin typeface="Courier New" panose="02070309020205020404" pitchFamily="49" charset="0"/>
               <a:cs typeface="Courier New" panose="02070309020205020404" pitchFamily="49" charset="0"/>
             </a:endParaRPr>
@@ -42594,14 +44534,14 @@
               </a:tabLst>
             </a:pPr>
             <a:r>
-              <a:rPr lang="en-US" sz="2000" b="1">
+              <a:rPr lang="en-US" sz="2000" b="1" dirty="0">
                 <a:latin typeface="Courier New" panose="02070309020205020404" pitchFamily="49" charset="0"/>
                 <a:cs typeface="Courier New" panose="02070309020205020404" pitchFamily="49" charset="0"/>
               </a:rPr>
               <a:t>  </a:t>
             </a:r>
             <a:r>
-              <a:rPr lang="en-US" sz="2000" b="1">
+              <a:rPr lang="en-US" sz="2000" b="1" dirty="0">
                 <a:solidFill>
                   <a:srgbClr val="0000FF"/>
                 </a:solidFill>
@@ -42611,28 +44551,28 @@
               <a:t>long</a:t>
             </a:r>
             <a:r>
-              <a:rPr lang="en-US" sz="2000" b="1">
+              <a:rPr lang="en-US" sz="2000" b="1" dirty="0">
                 <a:latin typeface="Courier New" panose="02070309020205020404" pitchFamily="49" charset="0"/>
                 <a:cs typeface="Courier New" panose="02070309020205020404" pitchFamily="49" charset="0"/>
               </a:rPr>
               <a:t> </a:t>
             </a:r>
             <a:r>
-              <a:rPr lang="en-US" sz="2000" b="1" err="1">
+              <a:rPr lang="en-US" sz="2000" b="1" dirty="0" err="1">
                 <a:latin typeface="Courier New" panose="02070309020205020404" pitchFamily="49" charset="0"/>
                 <a:cs typeface="Courier New" panose="02070309020205020404" pitchFamily="49" charset="0"/>
               </a:rPr>
               <a:t>days_since</a:t>
             </a:r>
             <a:r>
-              <a:rPr lang="en-US" sz="2000" b="1">
+              <a:rPr lang="en-US" sz="2000" b="1" dirty="0">
                 <a:latin typeface="Courier New" panose="02070309020205020404" pitchFamily="49" charset="0"/>
                 <a:cs typeface="Courier New" panose="02070309020205020404" pitchFamily="49" charset="0"/>
               </a:rPr>
               <a:t> = </a:t>
             </a:r>
             <a:r>
-              <a:rPr lang="en-US" sz="2000" b="1">
+              <a:rPr lang="en-US" sz="2000" b="1" dirty="0">
                 <a:solidFill>
                   <a:srgbClr val="C00000"/>
                 </a:solidFill>
@@ -42642,7 +44582,7 @@
               <a:t>0</a:t>
             </a:r>
             <a:r>
-              <a:rPr lang="en-US" sz="2000" b="1">
+              <a:rPr lang="en-US" sz="2000" b="1" dirty="0">
                 <a:latin typeface="Courier New" panose="02070309020205020404" pitchFamily="49" charset="0"/>
                 <a:cs typeface="Courier New" panose="02070309020205020404" pitchFamily="49" charset="0"/>
               </a:rPr>
@@ -42657,14 +44597,14 @@
               </a:tabLst>
             </a:pPr>
             <a:r>
-              <a:rPr lang="en-US" sz="2000" b="1">
+              <a:rPr lang="en-US" sz="2000" b="1" dirty="0">
                 <a:latin typeface="Courier New" panose="02070309020205020404" pitchFamily="49" charset="0"/>
                 <a:cs typeface="Courier New" panose="02070309020205020404" pitchFamily="49" charset="0"/>
               </a:rPr>
               <a:t>  </a:t>
             </a:r>
             <a:r>
-              <a:rPr lang="en-US" sz="2000" b="1">
+              <a:rPr lang="en-US" sz="2000" b="1" dirty="0">
                 <a:solidFill>
                   <a:srgbClr val="0000FF"/>
                 </a:solidFill>
@@ -42674,14 +44614,14 @@
               <a:t>for</a:t>
             </a:r>
             <a:r>
-              <a:rPr lang="en-US" sz="2000" b="1">
+              <a:rPr lang="en-US" sz="2000" b="1" dirty="0">
                 <a:latin typeface="Courier New" panose="02070309020205020404" pitchFamily="49" charset="0"/>
                 <a:cs typeface="Courier New" panose="02070309020205020404" pitchFamily="49" charset="0"/>
               </a:rPr>
               <a:t> (</a:t>
             </a:r>
             <a:r>
-              <a:rPr lang="en-US" sz="2000" b="1">
+              <a:rPr lang="en-US" sz="2000" b="1" dirty="0">
                 <a:solidFill>
                   <a:srgbClr val="0000FF"/>
                 </a:solidFill>
@@ -42691,28 +44631,28 @@
               <a:t>long</a:t>
             </a:r>
             <a:r>
-              <a:rPr lang="en-US" sz="2000" b="1">
+              <a:rPr lang="en-US" sz="2000" b="1" dirty="0">
                 <a:latin typeface="Courier New" panose="02070309020205020404" pitchFamily="49" charset="0"/>
                 <a:cs typeface="Courier New" panose="02070309020205020404" pitchFamily="49" charset="0"/>
               </a:rPr>
               <a:t> </a:t>
             </a:r>
             <a:r>
-              <a:rPr lang="en-US" sz="2000" b="1" err="1">
+              <a:rPr lang="en-US" sz="2000" b="1" dirty="0" err="1">
                 <a:latin typeface="Courier New" panose="02070309020205020404" pitchFamily="49" charset="0"/>
                 <a:cs typeface="Courier New" panose="02070309020205020404" pitchFamily="49" charset="0"/>
               </a:rPr>
               <a:t>i</a:t>
             </a:r>
             <a:r>
-              <a:rPr lang="en-US" sz="2000" b="1">
+              <a:rPr lang="en-US" sz="2000" b="1" dirty="0">
                 <a:latin typeface="Courier New" panose="02070309020205020404" pitchFamily="49" charset="0"/>
                 <a:cs typeface="Courier New" panose="02070309020205020404" pitchFamily="49" charset="0"/>
               </a:rPr>
               <a:t> = </a:t>
             </a:r>
             <a:r>
-              <a:rPr lang="en-US" sz="2000" b="1">
+              <a:rPr lang="en-US" sz="2000" b="1" dirty="0">
                 <a:solidFill>
                   <a:srgbClr val="C00000"/>
                 </a:solidFill>
@@ -42722,28 +44662,28 @@
               <a:t>0</a:t>
             </a:r>
             <a:r>
-              <a:rPr lang="en-US" sz="2000" b="1">
+              <a:rPr lang="en-US" sz="2000" b="1" dirty="0">
                 <a:latin typeface="Courier New" panose="02070309020205020404" pitchFamily="49" charset="0"/>
                 <a:cs typeface="Courier New" panose="02070309020205020404" pitchFamily="49" charset="0"/>
               </a:rPr>
               <a:t>; </a:t>
             </a:r>
             <a:r>
-              <a:rPr lang="en-US" sz="2000" b="1" err="1">
+              <a:rPr lang="en-US" sz="2000" b="1" dirty="0" err="1">
                 <a:latin typeface="Courier New" panose="02070309020205020404" pitchFamily="49" charset="0"/>
                 <a:cs typeface="Courier New" panose="02070309020205020404" pitchFamily="49" charset="0"/>
               </a:rPr>
               <a:t>i</a:t>
             </a:r>
             <a:r>
-              <a:rPr lang="en-US" sz="2000" b="1">
+              <a:rPr lang="en-US" sz="2000" b="1" dirty="0">
                 <a:latin typeface="Courier New" panose="02070309020205020404" pitchFamily="49" charset="0"/>
                 <a:cs typeface="Courier New" panose="02070309020205020404" pitchFamily="49" charset="0"/>
               </a:rPr>
               <a:t> &lt; month - </a:t>
             </a:r>
             <a:r>
-              <a:rPr lang="en-US" sz="2000" b="1">
+              <a:rPr lang="en-US" sz="2000" b="1" dirty="0">
                 <a:solidFill>
                   <a:srgbClr val="C00000"/>
                 </a:solidFill>
@@ -42753,28 +44693,28 @@
               <a:t>1</a:t>
             </a:r>
             <a:r>
-              <a:rPr lang="en-US" sz="2000" b="1">
+              <a:rPr lang="en-US" sz="2000" b="1" dirty="0">
                 <a:latin typeface="Courier New" panose="02070309020205020404" pitchFamily="49" charset="0"/>
                 <a:cs typeface="Courier New" panose="02070309020205020404" pitchFamily="49" charset="0"/>
               </a:rPr>
               <a:t>; </a:t>
             </a:r>
             <a:r>
-              <a:rPr lang="en-US" sz="2000" b="1" err="1">
+              <a:rPr lang="en-US" sz="2000" b="1" dirty="0" err="1">
                 <a:latin typeface="Courier New" panose="02070309020205020404" pitchFamily="49" charset="0"/>
                 <a:cs typeface="Courier New" panose="02070309020205020404" pitchFamily="49" charset="0"/>
               </a:rPr>
               <a:t>i</a:t>
             </a:r>
             <a:r>
-              <a:rPr lang="en-US" sz="2000" b="1">
+              <a:rPr lang="en-US" sz="2000" b="1" dirty="0">
                 <a:latin typeface="Courier New" panose="02070309020205020404" pitchFamily="49" charset="0"/>
                 <a:cs typeface="Courier New" panose="02070309020205020404" pitchFamily="49" charset="0"/>
               </a:rPr>
               <a:t> += </a:t>
             </a:r>
             <a:r>
-              <a:rPr lang="en-US" sz="2000" b="1">
+              <a:rPr lang="en-US" sz="2000" b="1" dirty="0">
                 <a:solidFill>
                   <a:srgbClr val="C00000"/>
                 </a:solidFill>
@@ -42784,7 +44724,7 @@
               <a:t>1</a:t>
             </a:r>
             <a:r>
-              <a:rPr lang="en-US" sz="2000" b="1">
+              <a:rPr lang="en-US" sz="2000" b="1" dirty="0">
                 <a:latin typeface="Courier New" panose="02070309020205020404" pitchFamily="49" charset="0"/>
                 <a:cs typeface="Courier New" panose="02070309020205020404" pitchFamily="49" charset="0"/>
               </a:rPr>
@@ -42799,53 +44739,72 @@
               </a:tabLst>
             </a:pPr>
             <a:r>
-              <a:rPr lang="en-US" sz="2000" b="1">
+              <a:rPr lang="en-US" sz="2000" b="1" dirty="0">
                 <a:latin typeface="Courier New" panose="02070309020205020404" pitchFamily="49" charset="0"/>
                 <a:cs typeface="Courier New" panose="02070309020205020404" pitchFamily="49" charset="0"/>
               </a:rPr>
               <a:t>    </a:t>
             </a:r>
             <a:r>
-              <a:rPr lang="en-US" sz="2000" b="1" err="1">
+              <a:rPr lang="en-US" sz="2000" b="1" dirty="0" err="1">
                 <a:latin typeface="Courier New" panose="02070309020205020404" pitchFamily="49" charset="0"/>
                 <a:cs typeface="Courier New" panose="02070309020205020404" pitchFamily="49" charset="0"/>
               </a:rPr>
               <a:t>days_since</a:t>
             </a:r>
             <a:r>
-              <a:rPr lang="en-US" sz="2000" b="1">
+              <a:rPr lang="en-US" sz="2000" b="1" dirty="0">
                 <a:latin typeface="Courier New" panose="02070309020205020404" pitchFamily="49" charset="0"/>
                 <a:cs typeface="Courier New" panose="02070309020205020404" pitchFamily="49" charset="0"/>
               </a:rPr>
               <a:t> += </a:t>
             </a:r>
             <a:r>
-              <a:rPr lang="en-US" sz="2000" b="1" err="1">
+              <a:rPr lang="en-US" sz="2000" b="1" dirty="0" err="1">
+                <a:highlight>
+                  <a:srgbClr val="FFFF00"/>
+                </a:highlight>
                 <a:latin typeface="Courier New" panose="02070309020205020404" pitchFamily="49" charset="0"/>
                 <a:cs typeface="Courier New" panose="02070309020205020404" pitchFamily="49" charset="0"/>
               </a:rPr>
               <a:t>days_in_month</a:t>
             </a:r>
             <a:r>
-              <a:rPr lang="en-US" sz="2000" b="1">
+              <a:rPr lang="en-US" sz="2000" b="1" dirty="0">
+                <a:highlight>
+                  <a:srgbClr val="FFFF00"/>
+                </a:highlight>
                 <a:latin typeface="Courier New" panose="02070309020205020404" pitchFamily="49" charset="0"/>
                 <a:cs typeface="Courier New" panose="02070309020205020404" pitchFamily="49" charset="0"/>
               </a:rPr>
               <a:t>[</a:t>
             </a:r>
             <a:r>
-              <a:rPr lang="en-US" sz="2000" b="1" err="1">
+              <a:rPr lang="en-US" sz="2000" b="1" dirty="0" err="1">
+                <a:highlight>
+                  <a:srgbClr val="FFFF00"/>
+                </a:highlight>
                 <a:latin typeface="Courier New" panose="02070309020205020404" pitchFamily="49" charset="0"/>
                 <a:cs typeface="Courier New" panose="02070309020205020404" pitchFamily="49" charset="0"/>
               </a:rPr>
               <a:t>i</a:t>
             </a:r>
             <a:r>
-              <a:rPr lang="en-US" sz="2000" b="1">
+              <a:rPr lang="en-US" sz="2000" b="1" dirty="0">
+                <a:highlight>
+                  <a:srgbClr val="FFFF00"/>
+                </a:highlight>
                 <a:latin typeface="Courier New" panose="02070309020205020404" pitchFamily="49" charset="0"/>
                 <a:cs typeface="Courier New" panose="02070309020205020404" pitchFamily="49" charset="0"/>
               </a:rPr>
-              <a:t>];</a:t>
+              <a:t>]</a:t>
+            </a:r>
+            <a:r>
+              <a:rPr lang="en-US" sz="2000" b="1" dirty="0">
+                <a:latin typeface="Courier New" panose="02070309020205020404" pitchFamily="49" charset="0"/>
+                <a:cs typeface="Courier New" panose="02070309020205020404" pitchFamily="49" charset="0"/>
+              </a:rPr>
+              <a:t>;</a:t>
             </a:r>
           </a:p>
           <a:p>
@@ -42856,7 +44815,7 @@
               </a:tabLst>
             </a:pPr>
             <a:r>
-              <a:rPr lang="en-US" sz="2000" b="1">
+              <a:rPr lang="en-US" sz="2000" b="1" dirty="0">
                 <a:latin typeface="Courier New" panose="02070309020205020404" pitchFamily="49" charset="0"/>
                 <a:cs typeface="Courier New" panose="02070309020205020404" pitchFamily="49" charset="0"/>
               </a:rPr>
@@ -42870,7 +44829,7 @@
                 <a:tab pos="620713" algn="l"/>
               </a:tabLst>
             </a:pPr>
-            <a:endParaRPr lang="en-US" sz="2000" b="1">
+            <a:endParaRPr lang="en-US" sz="2000" b="1" dirty="0">
               <a:latin typeface="Courier New" panose="02070309020205020404" pitchFamily="49" charset="0"/>
               <a:cs typeface="Courier New" panose="02070309020205020404" pitchFamily="49" charset="0"/>
             </a:endParaRPr>
@@ -42883,14 +44842,14 @@
               </a:tabLst>
             </a:pPr>
             <a:r>
-              <a:rPr lang="en-US" sz="2000" b="1">
+              <a:rPr lang="en-US" sz="2000" b="1" dirty="0">
                 <a:latin typeface="Courier New" panose="02070309020205020404" pitchFamily="49" charset="0"/>
                 <a:cs typeface="Courier New" panose="02070309020205020404" pitchFamily="49" charset="0"/>
               </a:rPr>
               <a:t>  </a:t>
             </a:r>
             <a:r>
-              <a:rPr lang="en-US" sz="2000" b="1">
+              <a:rPr lang="en-US" sz="2000" b="1" dirty="0">
                 <a:solidFill>
                   <a:srgbClr val="0000FF"/>
                 </a:solidFill>
@@ -42900,21 +44859,21 @@
               <a:t>return</a:t>
             </a:r>
             <a:r>
-              <a:rPr lang="en-US" sz="2000" b="1">
+              <a:rPr lang="en-US" sz="2000" b="1" dirty="0">
                 <a:latin typeface="Courier New" panose="02070309020205020404" pitchFamily="49" charset="0"/>
                 <a:cs typeface="Courier New" panose="02070309020205020404" pitchFamily="49" charset="0"/>
               </a:rPr>
               <a:t> </a:t>
             </a:r>
             <a:r>
-              <a:rPr lang="en-US" sz="2000" b="1" err="1">
+              <a:rPr lang="en-US" sz="2000" b="1" dirty="0" err="1">
                 <a:latin typeface="Courier New" panose="02070309020205020404" pitchFamily="49" charset="0"/>
                 <a:cs typeface="Courier New" panose="02070309020205020404" pitchFamily="49" charset="0"/>
               </a:rPr>
               <a:t>days_since</a:t>
             </a:r>
             <a:r>
-              <a:rPr lang="en-US" sz="2000" b="1">
+              <a:rPr lang="en-US" sz="2000" b="1" dirty="0">
                 <a:latin typeface="Courier New" panose="02070309020205020404" pitchFamily="49" charset="0"/>
                 <a:cs typeface="Courier New" panose="02070309020205020404" pitchFamily="49" charset="0"/>
               </a:rPr>
@@ -42929,7 +44888,7 @@
               </a:tabLst>
             </a:pPr>
             <a:r>
-              <a:rPr lang="en-US" sz="2000" b="1">
+              <a:rPr lang="en-US" sz="2000" b="1" dirty="0">
                 <a:latin typeface="Courier New" panose="02070309020205020404" pitchFamily="49" charset="0"/>
                 <a:cs typeface="Courier New" panose="02070309020205020404" pitchFamily="49" charset="0"/>
               </a:rPr>
@@ -42952,8 +44911,8 @@
         </p:nvSpPr>
         <p:spPr>
           <a:xfrm>
-            <a:off x="6605991" y="4271796"/>
-            <a:ext cx="2274240" cy="369332"/>
+            <a:off x="4881362" y="4329669"/>
+            <a:ext cx="2662437" cy="369332"/>
           </a:xfrm>
           <a:prstGeom prst="rect">
             <a:avLst/>
@@ -42984,8 +44943,8 @@
           <a:lstStyle/>
           <a:p>
             <a:r>
-              <a:rPr lang="en-US"/>
-              <a:t>Why this condition?</a:t>
+              <a:rPr lang="en-US" dirty="0"/>
+              <a:t>Why this initialization?</a:t>
             </a:r>
           </a:p>
         </p:txBody>
@@ -43007,8 +44966,8 @@
         </p:nvCxnSpPr>
         <p:spPr>
           <a:xfrm flipH="1">
-            <a:off x="5661063" y="4456462"/>
-            <a:ext cx="944928" cy="397956"/>
+            <a:off x="3936435" y="4514335"/>
+            <a:ext cx="944927" cy="397956"/>
           </a:xfrm>
           <a:prstGeom prst="straightConnector1">
             <a:avLst/>
@@ -43060,17 +45019,17 @@
               <a:defRPr/>
             </a:pPr>
             <a:r>
-              <a:rPr lang="en-US"/>
-              <a:t>Unit15 - </a:t>
+              <a:rPr lang="en-US" dirty="0"/>
+              <a:t>Unit14 - </a:t>
             </a:r>
             <a:fld id="{2E4790E1-2590-4AEE-892D-AB46A7688113}" type="slidenum">
               <a:rPr lang="en-US" smtClean="0"/>
               <a:pPr>
                 <a:defRPr/>
               </a:pPr>
-              <a:t>7</a:t>
+              <a:t>8</a:t>
             </a:fld>
-            <a:endParaRPr lang="en-US"/>
+            <a:endParaRPr lang="en-US" dirty="0"/>
           </a:p>
         </p:txBody>
       </p:sp>
@@ -43226,943 +45185,6 @@
 </p:sld>
 </file>
 
-<file path=ppt/slides/slide8.xml><?xml version="1.0" encoding="utf-8"?>
-<p:sld xmlns:a="http://schemas.openxmlformats.org/drawingml/2006/main" xmlns:r="http://schemas.openxmlformats.org/officeDocument/2006/relationships" xmlns:p="http://schemas.openxmlformats.org/presentationml/2006/main">
-  <p:cSld>
-    <p:spTree>
-      <p:nvGrpSpPr>
-        <p:cNvPr id="1" name=""/>
-        <p:cNvGrpSpPr/>
-        <p:nvPr/>
-      </p:nvGrpSpPr>
-      <p:grpSpPr>
-        <a:xfrm>
-          <a:off x="0" y="0"/>
-          <a:ext cx="0" cy="0"/>
-          <a:chOff x="0" y="0"/>
-          <a:chExt cx="0" cy="0"/>
-        </a:xfrm>
-      </p:grpSpPr>
-      <p:sp>
-        <p:nvSpPr>
-          <p:cNvPr id="14338" name="Rectangle 2"/>
-          <p:cNvSpPr>
-            <a:spLocks noGrp="1" noChangeArrowheads="1"/>
-          </p:cNvSpPr>
-          <p:nvPr>
-            <p:ph type="title"/>
-          </p:nvPr>
-        </p:nvSpPr>
-        <p:spPr>
-          <a:xfrm>
-            <a:off x="533400" y="381000"/>
-            <a:ext cx="8382000" cy="838200"/>
-          </a:xfrm>
-        </p:spPr>
-        <p:txBody>
-          <a:bodyPr>
-            <a:normAutofit/>
-          </a:bodyPr>
-          <a:lstStyle/>
-          <a:p>
-            <a:pPr eaLnBrk="1" hangingPunct="1"/>
-            <a:r>
-              <a:rPr lang="en-GB" sz="3600">
-                <a:solidFill>
-                  <a:srgbClr val="0000FF"/>
-                </a:solidFill>
-              </a:rPr>
-              <a:t>Array as List</a:t>
-            </a:r>
-          </a:p>
-        </p:txBody>
-      </p:sp>
-      <p:sp>
-        <p:nvSpPr>
-          <p:cNvPr id="9" name="Content Placeholder 5">
-            <a:extLst>
-              <a:ext uri="{FF2B5EF4-FFF2-40B4-BE49-F238E27FC236}">
-                <a16:creationId xmlns:a16="http://schemas.microsoft.com/office/drawing/2014/main" id="{E822A0D5-9D76-43F4-AB94-614D7B22B216}"/>
-              </a:ext>
-            </a:extLst>
-          </p:cNvPr>
-          <p:cNvSpPr>
-            <a:spLocks noGrp="1"/>
-          </p:cNvSpPr>
-          <p:nvPr>
-            <p:ph idx="1"/>
-          </p:nvPr>
-        </p:nvSpPr>
-        <p:spPr>
-          <a:xfrm>
-            <a:off x="587375" y="1187450"/>
-            <a:ext cx="8292856" cy="5289550"/>
-          </a:xfrm>
-        </p:spPr>
-        <p:txBody>
-          <a:bodyPr>
-            <a:noAutofit/>
-          </a:bodyPr>
-          <a:lstStyle/>
-          <a:p>
-            <a:pPr marL="347663" indent="-347663">
-              <a:spcBef>
-                <a:spcPts val="600"/>
-              </a:spcBef>
-              <a:buClr>
-                <a:schemeClr val="tx1">
-                  <a:lumMod val="90000"/>
-                  <a:lumOff val="10000"/>
-                </a:schemeClr>
-              </a:buClr>
-              <a:buSzPct val="100000"/>
-              <a:buFont typeface="Wingdings" panose="05000000000000000000" pitchFamily="2" charset="2"/>
-              <a:buChar char="§"/>
-              <a:defRPr/>
-            </a:pPr>
-            <a:r>
-              <a:rPr lang="en-US" sz="2800" dirty="0"/>
-              <a:t>Problem: Find the maximum among a list of numbers.</a:t>
-            </a:r>
-          </a:p>
-          <a:p>
-            <a:pPr marL="621983" lvl="1" indent="-347663">
-              <a:spcBef>
-                <a:spcPts val="600"/>
-              </a:spcBef>
-              <a:buClr>
-                <a:schemeClr val="tx1">
-                  <a:lumMod val="90000"/>
-                  <a:lumOff val="10000"/>
-                </a:schemeClr>
-              </a:buClr>
-              <a:buSzPct val="100000"/>
-              <a:buFont typeface="Wingdings" panose="05000000000000000000" pitchFamily="2" charset="2"/>
-              <a:buChar char="§"/>
-              <a:defRPr/>
-            </a:pPr>
-            <a:endParaRPr lang="en-US" sz="2400" dirty="0"/>
-          </a:p>
-          <a:p>
-            <a:pPr marL="621983" lvl="1" indent="-347663">
-              <a:spcBef>
-                <a:spcPts val="600"/>
-              </a:spcBef>
-              <a:buClr>
-                <a:schemeClr val="tx1">
-                  <a:lumMod val="90000"/>
-                  <a:lumOff val="10000"/>
-                </a:schemeClr>
-              </a:buClr>
-              <a:buSzPct val="100000"/>
-              <a:buFont typeface="Wingdings" panose="05000000000000000000" pitchFamily="2" charset="2"/>
-              <a:buChar char="§"/>
-              <a:defRPr/>
-            </a:pPr>
-            <a:endParaRPr lang="en-US" sz="2400" dirty="0"/>
-          </a:p>
-          <a:p>
-            <a:pPr marL="621983" lvl="1" indent="-347663">
-              <a:spcBef>
-                <a:spcPts val="600"/>
-              </a:spcBef>
-              <a:buClr>
-                <a:schemeClr val="tx1">
-                  <a:lumMod val="90000"/>
-                  <a:lumOff val="10000"/>
-                </a:schemeClr>
-              </a:buClr>
-              <a:buSzPct val="100000"/>
-              <a:buFont typeface="Wingdings" panose="05000000000000000000" pitchFamily="2" charset="2"/>
-              <a:buChar char="§"/>
-              <a:defRPr/>
-            </a:pPr>
-            <a:endParaRPr lang="en-US" sz="2400" dirty="0"/>
-          </a:p>
-        </p:txBody>
-      </p:sp>
-      <p:sp>
-        <p:nvSpPr>
-          <p:cNvPr id="13" name="TextBox 12">
-            <a:extLst>
-              <a:ext uri="{FF2B5EF4-FFF2-40B4-BE49-F238E27FC236}">
-                <a16:creationId xmlns:a16="http://schemas.microsoft.com/office/drawing/2014/main" id="{A6C30920-C994-477D-BF38-FB31A7971AB0}"/>
-              </a:ext>
-            </a:extLst>
-          </p:cNvPr>
-          <p:cNvSpPr txBox="1"/>
-          <p:nvPr/>
-        </p:nvSpPr>
-        <p:spPr>
-          <a:xfrm>
-            <a:off x="986216" y="2265685"/>
-            <a:ext cx="6524192" cy="3477875"/>
-          </a:xfrm>
-          <a:prstGeom prst="rect">
-            <a:avLst/>
-          </a:prstGeom>
-          <a:noFill/>
-          <a:ln>
-            <a:solidFill>
-              <a:schemeClr val="tx1"/>
-            </a:solidFill>
-          </a:ln>
-        </p:spPr>
-        <p:txBody>
-          <a:bodyPr wrap="square" rtlCol="0">
-            <a:spAutoFit/>
-          </a:bodyPr>
-          <a:lstStyle/>
-          <a:p>
-            <a:pPr>
-              <a:tabLst>
-                <a:tab pos="293688" algn="l"/>
-                <a:tab pos="620713" algn="l"/>
-              </a:tabLst>
-            </a:pPr>
-            <a:r>
-              <a:rPr lang="en-US" sz="2000" b="1">
-                <a:solidFill>
-                  <a:srgbClr val="0000FF"/>
-                </a:solidFill>
-                <a:latin typeface="Courier New" panose="02070309020205020404" pitchFamily="49" charset="0"/>
-                <a:cs typeface="Courier New" panose="02070309020205020404" pitchFamily="49" charset="0"/>
-              </a:rPr>
-              <a:t>long </a:t>
-            </a:r>
-            <a:r>
-              <a:rPr lang="en-US" sz="2000" b="1">
-                <a:latin typeface="Courier New" panose="02070309020205020404" pitchFamily="49" charset="0"/>
-                <a:cs typeface="Courier New" panose="02070309020205020404" pitchFamily="49" charset="0"/>
-              </a:rPr>
-              <a:t>max(</a:t>
-            </a:r>
-            <a:r>
-              <a:rPr lang="en-US" sz="2000" b="1">
-                <a:solidFill>
-                  <a:srgbClr val="0000FF"/>
-                </a:solidFill>
-                <a:latin typeface="Courier New" panose="02070309020205020404" pitchFamily="49" charset="0"/>
-                <a:cs typeface="Courier New" panose="02070309020205020404" pitchFamily="49" charset="0"/>
-              </a:rPr>
-              <a:t>long</a:t>
-            </a:r>
-            <a:r>
-              <a:rPr lang="en-US" sz="2000" b="1">
-                <a:latin typeface="Courier New" panose="02070309020205020404" pitchFamily="49" charset="0"/>
-                <a:cs typeface="Courier New" panose="02070309020205020404" pitchFamily="49" charset="0"/>
-              </a:rPr>
-              <a:t> list[], </a:t>
-            </a:r>
-            <a:r>
-              <a:rPr lang="en-US" sz="2000" b="1">
-                <a:solidFill>
-                  <a:srgbClr val="0000FF"/>
-                </a:solidFill>
-                <a:latin typeface="Courier New" panose="02070309020205020404" pitchFamily="49" charset="0"/>
-                <a:cs typeface="Courier New" panose="02070309020205020404" pitchFamily="49" charset="0"/>
-              </a:rPr>
-              <a:t>long</a:t>
-            </a:r>
-            <a:r>
-              <a:rPr lang="en-US" sz="2000" b="1">
-                <a:latin typeface="Courier New" panose="02070309020205020404" pitchFamily="49" charset="0"/>
-                <a:cs typeface="Courier New" panose="02070309020205020404" pitchFamily="49" charset="0"/>
-              </a:rPr>
-              <a:t> length)</a:t>
-            </a:r>
-          </a:p>
-          <a:p>
-            <a:pPr>
-              <a:tabLst>
-                <a:tab pos="293688" algn="l"/>
-                <a:tab pos="620713" algn="l"/>
-              </a:tabLst>
-            </a:pPr>
-            <a:r>
-              <a:rPr lang="en-US" sz="2000" b="1">
-                <a:latin typeface="Courier New" panose="02070309020205020404" pitchFamily="49" charset="0"/>
-                <a:cs typeface="Courier New" panose="02070309020205020404" pitchFamily="49" charset="0"/>
-              </a:rPr>
-              <a:t>{</a:t>
-            </a:r>
-          </a:p>
-          <a:p>
-            <a:pPr>
-              <a:tabLst>
-                <a:tab pos="293688" algn="l"/>
-                <a:tab pos="620713" algn="l"/>
-              </a:tabLst>
-            </a:pPr>
-            <a:r>
-              <a:rPr lang="en-US" sz="2000" b="1">
-                <a:latin typeface="Courier New" panose="02070309020205020404" pitchFamily="49" charset="0"/>
-                <a:cs typeface="Courier New" panose="02070309020205020404" pitchFamily="49" charset="0"/>
-              </a:rPr>
-              <a:t>  </a:t>
-            </a:r>
-            <a:r>
-              <a:rPr lang="en-US" sz="2000" b="1">
-                <a:solidFill>
-                  <a:srgbClr val="0000FF"/>
-                </a:solidFill>
-                <a:latin typeface="Courier New" panose="02070309020205020404" pitchFamily="49" charset="0"/>
-                <a:cs typeface="Courier New" panose="02070309020205020404" pitchFamily="49" charset="0"/>
-              </a:rPr>
-              <a:t>long</a:t>
-            </a:r>
-            <a:r>
-              <a:rPr lang="en-US" sz="2000" b="1">
-                <a:latin typeface="Courier New" panose="02070309020205020404" pitchFamily="49" charset="0"/>
-                <a:cs typeface="Courier New" panose="02070309020205020404" pitchFamily="49" charset="0"/>
-              </a:rPr>
-              <a:t> </a:t>
-            </a:r>
-            <a:r>
-              <a:rPr lang="en-US" sz="2000" b="1" err="1">
-                <a:latin typeface="Courier New" panose="02070309020205020404" pitchFamily="49" charset="0"/>
-                <a:cs typeface="Courier New" panose="02070309020205020404" pitchFamily="49" charset="0"/>
-              </a:rPr>
-              <a:t>max_so_far</a:t>
-            </a:r>
-            <a:r>
-              <a:rPr lang="en-US" sz="2000" b="1">
-                <a:latin typeface="Courier New" panose="02070309020205020404" pitchFamily="49" charset="0"/>
-                <a:cs typeface="Courier New" panose="02070309020205020404" pitchFamily="49" charset="0"/>
-              </a:rPr>
-              <a:t> = list[</a:t>
-            </a:r>
-            <a:r>
-              <a:rPr lang="en-US" sz="2000" b="1">
-                <a:solidFill>
-                  <a:srgbClr val="C00000"/>
-                </a:solidFill>
-                <a:latin typeface="Courier New" panose="02070309020205020404" pitchFamily="49" charset="0"/>
-                <a:cs typeface="Courier New" panose="02070309020205020404" pitchFamily="49" charset="0"/>
-              </a:rPr>
-              <a:t>0</a:t>
-            </a:r>
-            <a:r>
-              <a:rPr lang="en-US" sz="2000" b="1">
-                <a:latin typeface="Courier New" panose="02070309020205020404" pitchFamily="49" charset="0"/>
-                <a:cs typeface="Courier New" panose="02070309020205020404" pitchFamily="49" charset="0"/>
-              </a:rPr>
-              <a:t>];</a:t>
-            </a:r>
-          </a:p>
-          <a:p>
-            <a:pPr>
-              <a:tabLst>
-                <a:tab pos="293688" algn="l"/>
-                <a:tab pos="620713" algn="l"/>
-              </a:tabLst>
-            </a:pPr>
-            <a:r>
-              <a:rPr lang="en-US" sz="2000" b="1">
-                <a:latin typeface="Courier New" panose="02070309020205020404" pitchFamily="49" charset="0"/>
-                <a:cs typeface="Courier New" panose="02070309020205020404" pitchFamily="49" charset="0"/>
-              </a:rPr>
-              <a:t>  </a:t>
-            </a:r>
-            <a:r>
-              <a:rPr lang="en-US" sz="2000" b="1">
-                <a:solidFill>
-                  <a:srgbClr val="0000FF"/>
-                </a:solidFill>
-                <a:latin typeface="Courier New" panose="02070309020205020404" pitchFamily="49" charset="0"/>
-                <a:cs typeface="Courier New" panose="02070309020205020404" pitchFamily="49" charset="0"/>
-              </a:rPr>
-              <a:t>for</a:t>
-            </a:r>
-            <a:r>
-              <a:rPr lang="en-US" sz="2000" b="1">
-                <a:latin typeface="Courier New" panose="02070309020205020404" pitchFamily="49" charset="0"/>
-                <a:cs typeface="Courier New" panose="02070309020205020404" pitchFamily="49" charset="0"/>
-              </a:rPr>
-              <a:t> (</a:t>
-            </a:r>
-            <a:r>
-              <a:rPr lang="en-US" sz="2000" b="1">
-                <a:solidFill>
-                  <a:srgbClr val="0000FF"/>
-                </a:solidFill>
-                <a:latin typeface="Courier New" panose="02070309020205020404" pitchFamily="49" charset="0"/>
-                <a:cs typeface="Courier New" panose="02070309020205020404" pitchFamily="49" charset="0"/>
-              </a:rPr>
-              <a:t>long</a:t>
-            </a:r>
-            <a:r>
-              <a:rPr lang="en-US" sz="2000" b="1">
-                <a:latin typeface="Courier New" panose="02070309020205020404" pitchFamily="49" charset="0"/>
-                <a:cs typeface="Courier New" panose="02070309020205020404" pitchFamily="49" charset="0"/>
-              </a:rPr>
-              <a:t> </a:t>
-            </a:r>
-            <a:r>
-              <a:rPr lang="en-US" sz="2000" b="1" err="1">
-                <a:latin typeface="Courier New" panose="02070309020205020404" pitchFamily="49" charset="0"/>
-                <a:cs typeface="Courier New" panose="02070309020205020404" pitchFamily="49" charset="0"/>
-              </a:rPr>
-              <a:t>i</a:t>
-            </a:r>
-            <a:r>
-              <a:rPr lang="en-US" sz="2000" b="1">
-                <a:latin typeface="Courier New" panose="02070309020205020404" pitchFamily="49" charset="0"/>
-                <a:cs typeface="Courier New" panose="02070309020205020404" pitchFamily="49" charset="0"/>
-              </a:rPr>
-              <a:t> = </a:t>
-            </a:r>
-            <a:r>
-              <a:rPr lang="en-US" sz="2000" b="1">
-                <a:solidFill>
-                  <a:srgbClr val="C00000"/>
-                </a:solidFill>
-                <a:latin typeface="Courier New" panose="02070309020205020404" pitchFamily="49" charset="0"/>
-                <a:cs typeface="Courier New" panose="02070309020205020404" pitchFamily="49" charset="0"/>
-              </a:rPr>
-              <a:t>1</a:t>
-            </a:r>
-            <a:r>
-              <a:rPr lang="en-US" sz="2000" b="1">
-                <a:latin typeface="Courier New" panose="02070309020205020404" pitchFamily="49" charset="0"/>
-                <a:cs typeface="Courier New" panose="02070309020205020404" pitchFamily="49" charset="0"/>
-              </a:rPr>
-              <a:t>; </a:t>
-            </a:r>
-            <a:r>
-              <a:rPr lang="en-US" sz="2000" b="1" err="1">
-                <a:latin typeface="Courier New" panose="02070309020205020404" pitchFamily="49" charset="0"/>
-                <a:cs typeface="Courier New" panose="02070309020205020404" pitchFamily="49" charset="0"/>
-              </a:rPr>
-              <a:t>i</a:t>
-            </a:r>
-            <a:r>
-              <a:rPr lang="en-US" sz="2000" b="1">
-                <a:latin typeface="Courier New" panose="02070309020205020404" pitchFamily="49" charset="0"/>
-                <a:cs typeface="Courier New" panose="02070309020205020404" pitchFamily="49" charset="0"/>
-              </a:rPr>
-              <a:t> != length; </a:t>
-            </a:r>
-            <a:r>
-              <a:rPr lang="en-US" sz="2000" b="1" err="1">
-                <a:latin typeface="Courier New" panose="02070309020205020404" pitchFamily="49" charset="0"/>
-                <a:cs typeface="Courier New" panose="02070309020205020404" pitchFamily="49" charset="0"/>
-              </a:rPr>
-              <a:t>i</a:t>
-            </a:r>
-            <a:r>
-              <a:rPr lang="en-US" sz="2000" b="1">
-                <a:latin typeface="Courier New" panose="02070309020205020404" pitchFamily="49" charset="0"/>
-                <a:cs typeface="Courier New" panose="02070309020205020404" pitchFamily="49" charset="0"/>
-              </a:rPr>
-              <a:t> += </a:t>
-            </a:r>
-            <a:r>
-              <a:rPr lang="en-US" sz="2000" b="1">
-                <a:solidFill>
-                  <a:srgbClr val="C00000"/>
-                </a:solidFill>
-                <a:latin typeface="Courier New" panose="02070309020205020404" pitchFamily="49" charset="0"/>
-                <a:cs typeface="Courier New" panose="02070309020205020404" pitchFamily="49" charset="0"/>
-              </a:rPr>
-              <a:t>1</a:t>
-            </a:r>
-            <a:r>
-              <a:rPr lang="en-US" sz="2000" b="1">
-                <a:latin typeface="Courier New" panose="02070309020205020404" pitchFamily="49" charset="0"/>
-                <a:cs typeface="Courier New" panose="02070309020205020404" pitchFamily="49" charset="0"/>
-              </a:rPr>
-              <a:t>) {</a:t>
-            </a:r>
-          </a:p>
-          <a:p>
-            <a:pPr>
-              <a:tabLst>
-                <a:tab pos="293688" algn="l"/>
-                <a:tab pos="620713" algn="l"/>
-              </a:tabLst>
-            </a:pPr>
-            <a:r>
-              <a:rPr lang="en-US" sz="2000" b="1">
-                <a:solidFill>
-                  <a:srgbClr val="0000FF"/>
-                </a:solidFill>
-                <a:latin typeface="Courier New" panose="02070309020205020404" pitchFamily="49" charset="0"/>
-                <a:cs typeface="Courier New" panose="02070309020205020404" pitchFamily="49" charset="0"/>
-              </a:rPr>
-              <a:t>    if </a:t>
-            </a:r>
-            <a:r>
-              <a:rPr lang="en-US" sz="2000" b="1">
-                <a:latin typeface="Courier New" panose="02070309020205020404" pitchFamily="49" charset="0"/>
-                <a:cs typeface="Courier New" panose="02070309020205020404" pitchFamily="49" charset="0"/>
-              </a:rPr>
-              <a:t>(list[</a:t>
-            </a:r>
-            <a:r>
-              <a:rPr lang="en-US" sz="2000" b="1" err="1">
-                <a:latin typeface="Courier New" panose="02070309020205020404" pitchFamily="49" charset="0"/>
-                <a:cs typeface="Courier New" panose="02070309020205020404" pitchFamily="49" charset="0"/>
-              </a:rPr>
-              <a:t>i</a:t>
-            </a:r>
-            <a:r>
-              <a:rPr lang="en-US" sz="2000" b="1">
-                <a:latin typeface="Courier New" panose="02070309020205020404" pitchFamily="49" charset="0"/>
-                <a:cs typeface="Courier New" panose="02070309020205020404" pitchFamily="49" charset="0"/>
-              </a:rPr>
-              <a:t>] &gt; </a:t>
-            </a:r>
-            <a:r>
-              <a:rPr lang="en-US" sz="2000" b="1" err="1">
-                <a:latin typeface="Courier New" panose="02070309020205020404" pitchFamily="49" charset="0"/>
-                <a:cs typeface="Courier New" panose="02070309020205020404" pitchFamily="49" charset="0"/>
-              </a:rPr>
-              <a:t>max_so_far</a:t>
-            </a:r>
-            <a:r>
-              <a:rPr lang="en-US" sz="2000" b="1">
-                <a:latin typeface="Courier New" panose="02070309020205020404" pitchFamily="49" charset="0"/>
-                <a:cs typeface="Courier New" panose="02070309020205020404" pitchFamily="49" charset="0"/>
-              </a:rPr>
-              <a:t>) {</a:t>
-            </a:r>
-          </a:p>
-          <a:p>
-            <a:pPr>
-              <a:tabLst>
-                <a:tab pos="293688" algn="l"/>
-                <a:tab pos="620713" algn="l"/>
-              </a:tabLst>
-            </a:pPr>
-            <a:r>
-              <a:rPr lang="en-US" sz="2000" b="1">
-                <a:latin typeface="Courier New" panose="02070309020205020404" pitchFamily="49" charset="0"/>
-                <a:cs typeface="Courier New" panose="02070309020205020404" pitchFamily="49" charset="0"/>
-              </a:rPr>
-              <a:t>      </a:t>
-            </a:r>
-            <a:r>
-              <a:rPr lang="en-US" sz="2000" b="1" err="1">
-                <a:latin typeface="Courier New" panose="02070309020205020404" pitchFamily="49" charset="0"/>
-                <a:cs typeface="Courier New" panose="02070309020205020404" pitchFamily="49" charset="0"/>
-              </a:rPr>
-              <a:t>max_so_far</a:t>
-            </a:r>
-            <a:r>
-              <a:rPr lang="en-US" sz="2000" b="1">
-                <a:latin typeface="Courier New" panose="02070309020205020404" pitchFamily="49" charset="0"/>
-                <a:cs typeface="Courier New" panose="02070309020205020404" pitchFamily="49" charset="0"/>
-              </a:rPr>
-              <a:t> = list[</a:t>
-            </a:r>
-            <a:r>
-              <a:rPr lang="en-US" sz="2000" b="1" err="1">
-                <a:latin typeface="Courier New" panose="02070309020205020404" pitchFamily="49" charset="0"/>
-                <a:cs typeface="Courier New" panose="02070309020205020404" pitchFamily="49" charset="0"/>
-              </a:rPr>
-              <a:t>i</a:t>
-            </a:r>
-            <a:r>
-              <a:rPr lang="en-US" sz="2000" b="1">
-                <a:latin typeface="Courier New" panose="02070309020205020404" pitchFamily="49" charset="0"/>
-                <a:cs typeface="Courier New" panose="02070309020205020404" pitchFamily="49" charset="0"/>
-              </a:rPr>
-              <a:t>];</a:t>
-            </a:r>
-          </a:p>
-          <a:p>
-            <a:pPr>
-              <a:tabLst>
-                <a:tab pos="293688" algn="l"/>
-                <a:tab pos="620713" algn="l"/>
-              </a:tabLst>
-            </a:pPr>
-            <a:r>
-              <a:rPr lang="en-US" sz="2000" b="1">
-                <a:latin typeface="Courier New" panose="02070309020205020404" pitchFamily="49" charset="0"/>
-                <a:cs typeface="Courier New" panose="02070309020205020404" pitchFamily="49" charset="0"/>
-              </a:rPr>
-              <a:t>    }</a:t>
-            </a:r>
-          </a:p>
-          <a:p>
-            <a:pPr>
-              <a:tabLst>
-                <a:tab pos="293688" algn="l"/>
-                <a:tab pos="620713" algn="l"/>
-              </a:tabLst>
-            </a:pPr>
-            <a:r>
-              <a:rPr lang="en-US" sz="2000" b="1">
-                <a:latin typeface="Courier New" panose="02070309020205020404" pitchFamily="49" charset="0"/>
-                <a:cs typeface="Courier New" panose="02070309020205020404" pitchFamily="49" charset="0"/>
-              </a:rPr>
-              <a:t>  }</a:t>
-            </a:r>
-          </a:p>
-          <a:p>
-            <a:pPr>
-              <a:tabLst>
-                <a:tab pos="293688" algn="l"/>
-                <a:tab pos="620713" algn="l"/>
-              </a:tabLst>
-            </a:pPr>
-            <a:endParaRPr lang="en-US" sz="2000" b="1">
-              <a:latin typeface="Courier New" panose="02070309020205020404" pitchFamily="49" charset="0"/>
-              <a:cs typeface="Courier New" panose="02070309020205020404" pitchFamily="49" charset="0"/>
-            </a:endParaRPr>
-          </a:p>
-          <a:p>
-            <a:pPr>
-              <a:tabLst>
-                <a:tab pos="293688" algn="l"/>
-                <a:tab pos="620713" algn="l"/>
-              </a:tabLst>
-            </a:pPr>
-            <a:r>
-              <a:rPr lang="en-US" sz="2000" b="1">
-                <a:latin typeface="Courier New" panose="02070309020205020404" pitchFamily="49" charset="0"/>
-                <a:cs typeface="Courier New" panose="02070309020205020404" pitchFamily="49" charset="0"/>
-              </a:rPr>
-              <a:t>  </a:t>
-            </a:r>
-            <a:r>
-              <a:rPr lang="en-US" sz="2000" b="1">
-                <a:solidFill>
-                  <a:srgbClr val="0000FF"/>
-                </a:solidFill>
-                <a:latin typeface="Courier New" panose="02070309020205020404" pitchFamily="49" charset="0"/>
-                <a:cs typeface="Courier New" panose="02070309020205020404" pitchFamily="49" charset="0"/>
-              </a:rPr>
-              <a:t>return</a:t>
-            </a:r>
-            <a:r>
-              <a:rPr lang="en-US" sz="2000" b="1">
-                <a:latin typeface="Courier New" panose="02070309020205020404" pitchFamily="49" charset="0"/>
-                <a:cs typeface="Courier New" panose="02070309020205020404" pitchFamily="49" charset="0"/>
-              </a:rPr>
-              <a:t> </a:t>
-            </a:r>
-            <a:r>
-              <a:rPr lang="en-US" sz="2000" b="1" err="1">
-                <a:latin typeface="Courier New" panose="02070309020205020404" pitchFamily="49" charset="0"/>
-                <a:cs typeface="Courier New" panose="02070309020205020404" pitchFamily="49" charset="0"/>
-              </a:rPr>
-              <a:t>max_so_far</a:t>
-            </a:r>
-            <a:r>
-              <a:rPr lang="en-US" sz="2000" b="1">
-                <a:latin typeface="Courier New" panose="02070309020205020404" pitchFamily="49" charset="0"/>
-                <a:cs typeface="Courier New" panose="02070309020205020404" pitchFamily="49" charset="0"/>
-              </a:rPr>
-              <a:t>;</a:t>
-            </a:r>
-          </a:p>
-          <a:p>
-            <a:pPr>
-              <a:tabLst>
-                <a:tab pos="293688" algn="l"/>
-                <a:tab pos="620713" algn="l"/>
-              </a:tabLst>
-            </a:pPr>
-            <a:r>
-              <a:rPr lang="en-US" sz="2000" b="1">
-                <a:latin typeface="Courier New" panose="02070309020205020404" pitchFamily="49" charset="0"/>
-                <a:cs typeface="Courier New" panose="02070309020205020404" pitchFamily="49" charset="0"/>
-              </a:rPr>
-              <a:t>}</a:t>
-            </a:r>
-          </a:p>
-        </p:txBody>
-      </p:sp>
-      <p:sp>
-        <p:nvSpPr>
-          <p:cNvPr id="10" name="TextBox 9">
-            <a:extLst>
-              <a:ext uri="{FF2B5EF4-FFF2-40B4-BE49-F238E27FC236}">
-                <a16:creationId xmlns:a16="http://schemas.microsoft.com/office/drawing/2014/main" id="{48DF9E31-06ED-47F7-824C-2A4A19E9408C}"/>
-              </a:ext>
-            </a:extLst>
-          </p:cNvPr>
-          <p:cNvSpPr txBox="1"/>
-          <p:nvPr/>
-        </p:nvSpPr>
-        <p:spPr>
-          <a:xfrm>
-            <a:off x="6472719" y="2594533"/>
-            <a:ext cx="2274240" cy="369332"/>
-          </a:xfrm>
-          <a:prstGeom prst="rect">
-            <a:avLst/>
-          </a:prstGeom>
-          <a:solidFill>
-            <a:srgbClr val="CCFFFF"/>
-          </a:solidFill>
-          <a:ln w="12700"/>
-        </p:spPr>
-        <p:style>
-          <a:lnRef idx="2">
-            <a:schemeClr val="accent4"/>
-          </a:lnRef>
-          <a:fillRef idx="1">
-            <a:schemeClr val="lt1"/>
-          </a:fillRef>
-          <a:effectRef idx="0">
-            <a:schemeClr val="accent4"/>
-          </a:effectRef>
-          <a:fontRef idx="minor">
-            <a:schemeClr val="dk1"/>
-          </a:fontRef>
-        </p:style>
-        <p:txBody>
-          <a:bodyPr wrap="square" rtlCol="0">
-            <a:spAutoFit/>
-          </a:bodyPr>
-          <a:lstStyle/>
-          <a:p>
-            <a:r>
-              <a:rPr lang="en-US"/>
-              <a:t>Why this condition?</a:t>
-            </a:r>
-          </a:p>
-        </p:txBody>
-      </p:sp>
-      <p:cxnSp>
-        <p:nvCxnSpPr>
-          <p:cNvPr id="3" name="Straight Arrow Connector 2">
-            <a:extLst>
-              <a:ext uri="{FF2B5EF4-FFF2-40B4-BE49-F238E27FC236}">
-                <a16:creationId xmlns:a16="http://schemas.microsoft.com/office/drawing/2014/main" id="{F1C75228-1B25-42F6-A477-1E700602E113}"/>
-              </a:ext>
-            </a:extLst>
-          </p:cNvPr>
-          <p:cNvCxnSpPr>
-            <a:cxnSpLocks/>
-          </p:cNvCxnSpPr>
-          <p:nvPr/>
-        </p:nvCxnSpPr>
-        <p:spPr>
-          <a:xfrm flipH="1">
-            <a:off x="4880225" y="2779199"/>
-            <a:ext cx="1592494" cy="508535"/>
-          </a:xfrm>
-          <a:prstGeom prst="straightConnector1">
-            <a:avLst/>
-          </a:prstGeom>
-          <a:ln w="25400">
-            <a:solidFill>
-              <a:srgbClr val="FF0000"/>
-            </a:solidFill>
-            <a:tailEnd type="triangle"/>
-          </a:ln>
-        </p:spPr>
-        <p:style>
-          <a:lnRef idx="1">
-            <a:schemeClr val="accent1"/>
-          </a:lnRef>
-          <a:fillRef idx="0">
-            <a:schemeClr val="accent1"/>
-          </a:fillRef>
-          <a:effectRef idx="0">
-            <a:schemeClr val="accent1"/>
-          </a:effectRef>
-          <a:fontRef idx="minor">
-            <a:schemeClr val="tx1"/>
-          </a:fontRef>
-        </p:style>
-      </p:cxnSp>
-      <p:sp>
-        <p:nvSpPr>
-          <p:cNvPr id="4" name="Slide Number Placeholder 3">
-            <a:extLst>
-              <a:ext uri="{FF2B5EF4-FFF2-40B4-BE49-F238E27FC236}">
-                <a16:creationId xmlns:a16="http://schemas.microsoft.com/office/drawing/2014/main" id="{9AE2FCE7-917A-1B43-85AD-CA985419B967}"/>
-              </a:ext>
-            </a:extLst>
-          </p:cNvPr>
-          <p:cNvSpPr>
-            <a:spLocks noGrp="1"/>
-          </p:cNvSpPr>
-          <p:nvPr>
-            <p:ph type="sldNum" sz="quarter" idx="12"/>
-          </p:nvPr>
-        </p:nvSpPr>
-        <p:spPr/>
-        <p:txBody>
-          <a:bodyPr/>
-          <a:lstStyle/>
-          <a:p>
-            <a:pPr>
-              <a:defRPr/>
-            </a:pPr>
-            <a:r>
-              <a:rPr lang="en-US"/>
-              <a:t>Unit15 - </a:t>
-            </a:r>
-            <a:fld id="{2E4790E1-2590-4AEE-892D-AB46A7688113}" type="slidenum">
-              <a:rPr lang="en-US" smtClean="0"/>
-              <a:pPr>
-                <a:defRPr/>
-              </a:pPr>
-              <a:t>8</a:t>
-            </a:fld>
-            <a:endParaRPr lang="en-US"/>
-          </a:p>
-        </p:txBody>
-      </p:sp>
-      <p:sp>
-        <p:nvSpPr>
-          <p:cNvPr id="2" name="Footer Placeholder 1">
-            <a:extLst>
-              <a:ext uri="{FF2B5EF4-FFF2-40B4-BE49-F238E27FC236}">
-                <a16:creationId xmlns:a16="http://schemas.microsoft.com/office/drawing/2014/main" id="{AAFB2D73-8274-0E12-ED5D-9D35382A99C5}"/>
-              </a:ext>
-            </a:extLst>
-          </p:cNvPr>
-          <p:cNvSpPr>
-            <a:spLocks noGrp="1"/>
-          </p:cNvSpPr>
-          <p:nvPr>
-            <p:ph type="ftr" sz="quarter" idx="11"/>
-          </p:nvPr>
-        </p:nvSpPr>
-        <p:spPr/>
-        <p:txBody>
-          <a:bodyPr/>
-          <a:lstStyle/>
-          <a:p>
-            <a:pPr algn="l">
-              <a:defRPr/>
-            </a:pPr>
-            <a:r>
-              <a:rPr lang="en-US"/>
-              <a:t>CS1010 (AY2023/24 Semester 2)</a:t>
-            </a:r>
-          </a:p>
-        </p:txBody>
-      </p:sp>
-    </p:spTree>
-    <p:extLst>
-      <p:ext uri="{BB962C8B-B14F-4D97-AF65-F5344CB8AC3E}">
-        <p14:creationId xmlns:p14="http://schemas.microsoft.com/office/powerpoint/2010/main" val="440093938"/>
-      </p:ext>
-    </p:extLst>
-  </p:cSld>
-  <p:clrMapOvr>
-    <a:masterClrMapping/>
-  </p:clrMapOvr>
-  <p:transition>
-    <p:fade/>
-  </p:transition>
-  <p:timing>
-    <p:tnLst>
-      <p:par>
-        <p:cTn id="1" dur="indefinite" restart="never" nodeType="tmRoot">
-          <p:childTnLst>
-            <p:seq concurrent="1" nextAc="seek">
-              <p:cTn id="2" dur="indefinite" nodeType="mainSeq">
-                <p:childTnLst>
-                  <p:par>
-                    <p:cTn id="3" fill="hold">
-                      <p:stCondLst>
-                        <p:cond delay="indefinite"/>
-                      </p:stCondLst>
-                      <p:childTnLst>
-                        <p:par>
-                          <p:cTn id="4" fill="hold">
-                            <p:stCondLst>
-                              <p:cond delay="0"/>
-                            </p:stCondLst>
-                            <p:childTnLst>
-                              <p:par>
-                                <p:cTn id="5" presetID="1" presetClass="entr" presetSubtype="0" fill="hold" grpId="0" nodeType="clickEffect">
-                                  <p:stCondLst>
-                                    <p:cond delay="0"/>
-                                  </p:stCondLst>
-                                  <p:childTnLst>
-                                    <p:set>
-                                      <p:cBhvr>
-                                        <p:cTn id="6" dur="1" fill="hold">
-                                          <p:stCondLst>
-                                            <p:cond delay="0"/>
-                                          </p:stCondLst>
-                                        </p:cTn>
-                                        <p:tgtEl>
-                                          <p:spTgt spid="10"/>
-                                        </p:tgtEl>
-                                        <p:attrNameLst>
-                                          <p:attrName>style.visibility</p:attrName>
-                                        </p:attrNameLst>
-                                      </p:cBhvr>
-                                      <p:to>
-                                        <p:strVal val="visible"/>
-                                      </p:to>
-                                    </p:set>
-                                  </p:childTnLst>
-                                </p:cTn>
-                              </p:par>
-                              <p:par>
-                                <p:cTn id="7" presetID="1" presetClass="entr" presetSubtype="0" fill="hold" nodeType="withEffect">
-                                  <p:stCondLst>
-                                    <p:cond delay="0"/>
-                                  </p:stCondLst>
-                                  <p:childTnLst>
-                                    <p:set>
-                                      <p:cBhvr>
-                                        <p:cTn id="8" dur="1" fill="hold">
-                                          <p:stCondLst>
-                                            <p:cond delay="0"/>
-                                          </p:stCondLst>
-                                        </p:cTn>
-                                        <p:tgtEl>
-                                          <p:spTgt spid="3"/>
-                                        </p:tgtEl>
-                                        <p:attrNameLst>
-                                          <p:attrName>style.visibility</p:attrName>
-                                        </p:attrNameLst>
-                                      </p:cBhvr>
-                                      <p:to>
-                                        <p:strVal val="visible"/>
-                                      </p:to>
-                                    </p:set>
-                                  </p:childTnLst>
-                                </p:cTn>
-                              </p:par>
-                            </p:childTnLst>
-                          </p:cTn>
-                        </p:par>
-                      </p:childTnLst>
-                    </p:cTn>
-                  </p:par>
-                </p:childTnLst>
-              </p:cTn>
-              <p:prevCondLst>
-                <p:cond evt="onPrev" delay="0">
-                  <p:tgtEl>
-                    <p:sldTgt/>
-                  </p:tgtEl>
-                </p:cond>
-              </p:prevCondLst>
-              <p:nextCondLst>
-                <p:cond evt="onNext" delay="0">
-                  <p:tgtEl>
-                    <p:sldTgt/>
-                  </p:tgtEl>
-                </p:cond>
-              </p:nextCondLst>
-            </p:seq>
-          </p:childTnLst>
-        </p:cTn>
-      </p:par>
-    </p:tnLst>
-    <p:bldLst>
-      <p:bldP spid="10" grpId="0" animBg="1"/>
-    </p:bldLst>
-  </p:timing>
-</p:sld>
-</file>
-
 <file path=ppt/slides/slide9.xml><?xml version="1.0" encoding="utf-8"?>
 <p:sld xmlns:a="http://schemas.openxmlformats.org/drawingml/2006/main" xmlns:r="http://schemas.openxmlformats.org/officeDocument/2006/relationships" xmlns:p="http://schemas.openxmlformats.org/presentationml/2006/main">
   <p:cSld>
@@ -44960,8 +45982,8 @@
               <a:defRPr/>
             </a:pPr>
             <a:r>
-              <a:rPr lang="en-US"/>
-              <a:t>Unit15 - </a:t>
+              <a:rPr lang="en-US" dirty="0"/>
+              <a:t>Unit14 - </a:t>
             </a:r>
             <a:fld id="{2E4790E1-2590-4AEE-892D-AB46A7688113}" type="slidenum">
               <a:rPr lang="en-US" smtClean="0"/>
@@ -44970,7 +45992,7 @@
               </a:pPr>
               <a:t>9</a:t>
             </a:fld>
-            <a:endParaRPr lang="en-US"/>
+            <a:endParaRPr lang="en-US" dirty="0"/>
           </a:p>
         </p:txBody>
       </p:sp>
